--- a/20230327_Collision_Detection/Collision_Detection.pptx
+++ b/20230327_Collision_Detection/Collision_Detection.pptx
@@ -5,7 +5,7 @@
     <p:sldMasterId id="2147483648" r:id="rId1"/>
   </p:sldMasterIdLst>
   <p:notesMasterIdLst>
-    <p:notesMasterId r:id="rId18"/>
+    <p:notesMasterId r:id="rId26"/>
   </p:notesMasterIdLst>
   <p:sldIdLst>
     <p:sldId id="256" r:id="rId2"/>
@@ -21,9 +21,17 @@
     <p:sldId id="482" r:id="rId12"/>
     <p:sldId id="483" r:id="rId13"/>
     <p:sldId id="484" r:id="rId14"/>
-    <p:sldId id="487" r:id="rId15"/>
-    <p:sldId id="488" r:id="rId16"/>
-    <p:sldId id="274" r:id="rId17"/>
+    <p:sldId id="442" r:id="rId15"/>
+    <p:sldId id="487" r:id="rId16"/>
+    <p:sldId id="488" r:id="rId17"/>
+    <p:sldId id="489" r:id="rId18"/>
+    <p:sldId id="490" r:id="rId19"/>
+    <p:sldId id="491" r:id="rId20"/>
+    <p:sldId id="492" r:id="rId21"/>
+    <p:sldId id="493" r:id="rId22"/>
+    <p:sldId id="494" r:id="rId23"/>
+    <p:sldId id="495" r:id="rId24"/>
+    <p:sldId id="274" r:id="rId25"/>
   </p:sldIdLst>
   <p:sldSz cx="12192000" cy="6858000"/>
   <p:notesSz cx="6858000" cy="9144000"/>
@@ -212,7 +220,7 @@
           <a:p>
             <a:fld id="{63FDC6A3-7C42-4479-866C-9B859DB0775B}" type="datetimeFigureOut">
               <a:rPr lang="zh-CN" altLang="en-US" smtClean="0"/>
-              <a:t>2023/3/25</a:t>
+              <a:t>2023/3/26</a:t>
             </a:fld>
             <a:endParaRPr lang="zh-CN" altLang="en-US"/>
           </a:p>
@@ -563,6 +571,426 @@
 </p:notes>
 </file>
 
+<file path=ppt/notesSlides/notesSlide10.xml><?xml version="1.0" encoding="utf-8"?>
+<p:notes xmlns:a="http://schemas.openxmlformats.org/drawingml/2006/main" xmlns:r="http://schemas.openxmlformats.org/officeDocument/2006/relationships" xmlns:p="http://schemas.openxmlformats.org/presentationml/2006/main">
+  <p:cSld>
+    <p:spTree>
+      <p:nvGrpSpPr>
+        <p:cNvPr id="1" name=""/>
+        <p:cNvGrpSpPr/>
+        <p:nvPr/>
+      </p:nvGrpSpPr>
+      <p:grpSpPr>
+        <a:xfrm>
+          <a:off x="0" y="0"/>
+          <a:ext cx="0" cy="0"/>
+          <a:chOff x="0" y="0"/>
+          <a:chExt cx="0" cy="0"/>
+        </a:xfrm>
+      </p:grpSpPr>
+      <p:sp>
+        <p:nvSpPr>
+          <p:cNvPr id="2" name="幻灯片图像占位符 1"/>
+          <p:cNvSpPr>
+            <a:spLocks noGrp="1" noRot="1" noChangeAspect="1"/>
+          </p:cNvSpPr>
+          <p:nvPr>
+            <p:ph type="sldImg"/>
+          </p:nvPr>
+        </p:nvSpPr>
+        <p:spPr/>
+      </p:sp>
+      <p:sp>
+        <p:nvSpPr>
+          <p:cNvPr id="3" name="备注占位符 2"/>
+          <p:cNvSpPr>
+            <a:spLocks noGrp="1"/>
+          </p:cNvSpPr>
+          <p:nvPr>
+            <p:ph type="body" idx="1"/>
+          </p:nvPr>
+        </p:nvSpPr>
+        <p:spPr/>
+        <p:txBody>
+          <a:bodyPr/>
+          <a:lstStyle/>
+          <a:p>
+            <a:endParaRPr lang="zh-CN" altLang="en-US" dirty="0"/>
+          </a:p>
+        </p:txBody>
+      </p:sp>
+      <p:sp>
+        <p:nvSpPr>
+          <p:cNvPr id="4" name="灯片编号占位符 3"/>
+          <p:cNvSpPr>
+            <a:spLocks noGrp="1"/>
+          </p:cNvSpPr>
+          <p:nvPr>
+            <p:ph type="sldNum" sz="quarter" idx="5"/>
+          </p:nvPr>
+        </p:nvSpPr>
+        <p:spPr/>
+        <p:txBody>
+          <a:bodyPr/>
+          <a:lstStyle/>
+          <a:p>
+            <a:fld id="{5A3394F7-11F7-462F-BBE6-C6B05860DB22}" type="slidenum">
+              <a:rPr lang="zh-CN" altLang="en-US" smtClean="0"/>
+              <a:t>20</a:t>
+            </a:fld>
+            <a:endParaRPr lang="zh-CN" altLang="en-US"/>
+          </a:p>
+        </p:txBody>
+      </p:sp>
+    </p:spTree>
+    <p:extLst>
+      <p:ext uri="{BB962C8B-B14F-4D97-AF65-F5344CB8AC3E}">
+        <p14:creationId xmlns:p14="http://schemas.microsoft.com/office/powerpoint/2010/main" val="589122509"/>
+      </p:ext>
+    </p:extLst>
+  </p:cSld>
+  <p:clrMapOvr>
+    <a:masterClrMapping/>
+  </p:clrMapOvr>
+</p:notes>
+</file>
+
+<file path=ppt/notesSlides/notesSlide11.xml><?xml version="1.0" encoding="utf-8"?>
+<p:notes xmlns:a="http://schemas.openxmlformats.org/drawingml/2006/main" xmlns:r="http://schemas.openxmlformats.org/officeDocument/2006/relationships" xmlns:p="http://schemas.openxmlformats.org/presentationml/2006/main">
+  <p:cSld>
+    <p:spTree>
+      <p:nvGrpSpPr>
+        <p:cNvPr id="1" name=""/>
+        <p:cNvGrpSpPr/>
+        <p:nvPr/>
+      </p:nvGrpSpPr>
+      <p:grpSpPr>
+        <a:xfrm>
+          <a:off x="0" y="0"/>
+          <a:ext cx="0" cy="0"/>
+          <a:chOff x="0" y="0"/>
+          <a:chExt cx="0" cy="0"/>
+        </a:xfrm>
+      </p:grpSpPr>
+      <p:sp>
+        <p:nvSpPr>
+          <p:cNvPr id="2" name="幻灯片图像占位符 1"/>
+          <p:cNvSpPr>
+            <a:spLocks noGrp="1" noRot="1" noChangeAspect="1"/>
+          </p:cNvSpPr>
+          <p:nvPr>
+            <p:ph type="sldImg"/>
+          </p:nvPr>
+        </p:nvSpPr>
+        <p:spPr/>
+      </p:sp>
+      <p:sp>
+        <p:nvSpPr>
+          <p:cNvPr id="3" name="备注占位符 2"/>
+          <p:cNvSpPr>
+            <a:spLocks noGrp="1"/>
+          </p:cNvSpPr>
+          <p:nvPr>
+            <p:ph type="body" idx="1"/>
+          </p:nvPr>
+        </p:nvSpPr>
+        <p:spPr/>
+        <p:txBody>
+          <a:bodyPr/>
+          <a:lstStyle/>
+          <a:p>
+            <a:endParaRPr lang="zh-CN" altLang="en-US" dirty="0"/>
+          </a:p>
+        </p:txBody>
+      </p:sp>
+      <p:sp>
+        <p:nvSpPr>
+          <p:cNvPr id="4" name="灯片编号占位符 3"/>
+          <p:cNvSpPr>
+            <a:spLocks noGrp="1"/>
+          </p:cNvSpPr>
+          <p:nvPr>
+            <p:ph type="sldNum" sz="quarter" idx="5"/>
+          </p:nvPr>
+        </p:nvSpPr>
+        <p:spPr/>
+        <p:txBody>
+          <a:bodyPr/>
+          <a:lstStyle/>
+          <a:p>
+            <a:fld id="{5A3394F7-11F7-462F-BBE6-C6B05860DB22}" type="slidenum">
+              <a:rPr lang="zh-CN" altLang="en-US" smtClean="0"/>
+              <a:t>21</a:t>
+            </a:fld>
+            <a:endParaRPr lang="zh-CN" altLang="en-US"/>
+          </a:p>
+        </p:txBody>
+      </p:sp>
+    </p:spTree>
+    <p:extLst>
+      <p:ext uri="{BB962C8B-B14F-4D97-AF65-F5344CB8AC3E}">
+        <p14:creationId xmlns:p14="http://schemas.microsoft.com/office/powerpoint/2010/main" val="1562459658"/>
+      </p:ext>
+    </p:extLst>
+  </p:cSld>
+  <p:clrMapOvr>
+    <a:masterClrMapping/>
+  </p:clrMapOvr>
+</p:notes>
+</file>
+
+<file path=ppt/notesSlides/notesSlide12.xml><?xml version="1.0" encoding="utf-8"?>
+<p:notes xmlns:a="http://schemas.openxmlformats.org/drawingml/2006/main" xmlns:r="http://schemas.openxmlformats.org/officeDocument/2006/relationships" xmlns:p="http://schemas.openxmlformats.org/presentationml/2006/main">
+  <p:cSld>
+    <p:spTree>
+      <p:nvGrpSpPr>
+        <p:cNvPr id="1" name=""/>
+        <p:cNvGrpSpPr/>
+        <p:nvPr/>
+      </p:nvGrpSpPr>
+      <p:grpSpPr>
+        <a:xfrm>
+          <a:off x="0" y="0"/>
+          <a:ext cx="0" cy="0"/>
+          <a:chOff x="0" y="0"/>
+          <a:chExt cx="0" cy="0"/>
+        </a:xfrm>
+      </p:grpSpPr>
+      <p:sp>
+        <p:nvSpPr>
+          <p:cNvPr id="2" name="幻灯片图像占位符 1"/>
+          <p:cNvSpPr>
+            <a:spLocks noGrp="1" noRot="1" noChangeAspect="1"/>
+          </p:cNvSpPr>
+          <p:nvPr>
+            <p:ph type="sldImg"/>
+          </p:nvPr>
+        </p:nvSpPr>
+        <p:spPr/>
+      </p:sp>
+      <p:sp>
+        <p:nvSpPr>
+          <p:cNvPr id="3" name="备注占位符 2"/>
+          <p:cNvSpPr>
+            <a:spLocks noGrp="1"/>
+          </p:cNvSpPr>
+          <p:nvPr>
+            <p:ph type="body" idx="1"/>
+          </p:nvPr>
+        </p:nvSpPr>
+        <p:spPr/>
+        <p:txBody>
+          <a:bodyPr/>
+          <a:lstStyle/>
+          <a:p>
+            <a:endParaRPr lang="zh-CN" altLang="en-US" dirty="0"/>
+          </a:p>
+        </p:txBody>
+      </p:sp>
+      <p:sp>
+        <p:nvSpPr>
+          <p:cNvPr id="4" name="灯片编号占位符 3"/>
+          <p:cNvSpPr>
+            <a:spLocks noGrp="1"/>
+          </p:cNvSpPr>
+          <p:nvPr>
+            <p:ph type="sldNum" sz="quarter" idx="5"/>
+          </p:nvPr>
+        </p:nvSpPr>
+        <p:spPr/>
+        <p:txBody>
+          <a:bodyPr/>
+          <a:lstStyle/>
+          <a:p>
+            <a:fld id="{5A3394F7-11F7-462F-BBE6-C6B05860DB22}" type="slidenum">
+              <a:rPr lang="zh-CN" altLang="en-US" smtClean="0"/>
+              <a:t>22</a:t>
+            </a:fld>
+            <a:endParaRPr lang="zh-CN" altLang="en-US"/>
+          </a:p>
+        </p:txBody>
+      </p:sp>
+    </p:spTree>
+    <p:extLst>
+      <p:ext uri="{BB962C8B-B14F-4D97-AF65-F5344CB8AC3E}">
+        <p14:creationId xmlns:p14="http://schemas.microsoft.com/office/powerpoint/2010/main" val="2238592165"/>
+      </p:ext>
+    </p:extLst>
+  </p:cSld>
+  <p:clrMapOvr>
+    <a:masterClrMapping/>
+  </p:clrMapOvr>
+</p:notes>
+</file>
+
+<file path=ppt/notesSlides/notesSlide13.xml><?xml version="1.0" encoding="utf-8"?>
+<p:notes xmlns:a="http://schemas.openxmlformats.org/drawingml/2006/main" xmlns:r="http://schemas.openxmlformats.org/officeDocument/2006/relationships" xmlns:p="http://schemas.openxmlformats.org/presentationml/2006/main">
+  <p:cSld>
+    <p:spTree>
+      <p:nvGrpSpPr>
+        <p:cNvPr id="1" name=""/>
+        <p:cNvGrpSpPr/>
+        <p:nvPr/>
+      </p:nvGrpSpPr>
+      <p:grpSpPr>
+        <a:xfrm>
+          <a:off x="0" y="0"/>
+          <a:ext cx="0" cy="0"/>
+          <a:chOff x="0" y="0"/>
+          <a:chExt cx="0" cy="0"/>
+        </a:xfrm>
+      </p:grpSpPr>
+      <p:sp>
+        <p:nvSpPr>
+          <p:cNvPr id="2" name="幻灯片图像占位符 1"/>
+          <p:cNvSpPr>
+            <a:spLocks noGrp="1" noRot="1" noChangeAspect="1"/>
+          </p:cNvSpPr>
+          <p:nvPr>
+            <p:ph type="sldImg"/>
+          </p:nvPr>
+        </p:nvSpPr>
+        <p:spPr/>
+      </p:sp>
+      <p:sp>
+        <p:nvSpPr>
+          <p:cNvPr id="3" name="备注占位符 2"/>
+          <p:cNvSpPr>
+            <a:spLocks noGrp="1"/>
+          </p:cNvSpPr>
+          <p:nvPr>
+            <p:ph type="body" idx="1"/>
+          </p:nvPr>
+        </p:nvSpPr>
+        <p:spPr/>
+        <p:txBody>
+          <a:bodyPr/>
+          <a:lstStyle/>
+          <a:p>
+            <a:endParaRPr lang="zh-CN" altLang="en-US" dirty="0"/>
+          </a:p>
+        </p:txBody>
+      </p:sp>
+      <p:sp>
+        <p:nvSpPr>
+          <p:cNvPr id="4" name="灯片编号占位符 3"/>
+          <p:cNvSpPr>
+            <a:spLocks noGrp="1"/>
+          </p:cNvSpPr>
+          <p:nvPr>
+            <p:ph type="sldNum" sz="quarter" idx="5"/>
+          </p:nvPr>
+        </p:nvSpPr>
+        <p:spPr/>
+        <p:txBody>
+          <a:bodyPr/>
+          <a:lstStyle/>
+          <a:p>
+            <a:fld id="{5A3394F7-11F7-462F-BBE6-C6B05860DB22}" type="slidenum">
+              <a:rPr lang="zh-CN" altLang="en-US" smtClean="0"/>
+              <a:t>23</a:t>
+            </a:fld>
+            <a:endParaRPr lang="zh-CN" altLang="en-US"/>
+          </a:p>
+        </p:txBody>
+      </p:sp>
+    </p:spTree>
+    <p:extLst>
+      <p:ext uri="{BB962C8B-B14F-4D97-AF65-F5344CB8AC3E}">
+        <p14:creationId xmlns:p14="http://schemas.microsoft.com/office/powerpoint/2010/main" val="1213183219"/>
+      </p:ext>
+    </p:extLst>
+  </p:cSld>
+  <p:clrMapOvr>
+    <a:masterClrMapping/>
+  </p:clrMapOvr>
+</p:notes>
+</file>
+
+<file path=ppt/notesSlides/notesSlide14.xml><?xml version="1.0" encoding="utf-8"?>
+<p:notes xmlns:a="http://schemas.openxmlformats.org/drawingml/2006/main" xmlns:r="http://schemas.openxmlformats.org/officeDocument/2006/relationships" xmlns:p="http://schemas.openxmlformats.org/presentationml/2006/main">
+  <p:cSld>
+    <p:spTree>
+      <p:nvGrpSpPr>
+        <p:cNvPr id="1" name=""/>
+        <p:cNvGrpSpPr/>
+        <p:nvPr/>
+      </p:nvGrpSpPr>
+      <p:grpSpPr>
+        <a:xfrm>
+          <a:off x="0" y="0"/>
+          <a:ext cx="0" cy="0"/>
+          <a:chOff x="0" y="0"/>
+          <a:chExt cx="0" cy="0"/>
+        </a:xfrm>
+      </p:grpSpPr>
+      <p:sp>
+        <p:nvSpPr>
+          <p:cNvPr id="2" name="幻灯片图像占位符 1"/>
+          <p:cNvSpPr>
+            <a:spLocks noGrp="1" noRot="1" noChangeAspect="1"/>
+          </p:cNvSpPr>
+          <p:nvPr>
+            <p:ph type="sldImg"/>
+          </p:nvPr>
+        </p:nvSpPr>
+        <p:spPr/>
+      </p:sp>
+      <p:sp>
+        <p:nvSpPr>
+          <p:cNvPr id="3" name="备注占位符 2"/>
+          <p:cNvSpPr>
+            <a:spLocks noGrp="1"/>
+          </p:cNvSpPr>
+          <p:nvPr>
+            <p:ph type="body" idx="1"/>
+          </p:nvPr>
+        </p:nvSpPr>
+        <p:spPr/>
+        <p:txBody>
+          <a:bodyPr/>
+          <a:lstStyle/>
+          <a:p>
+            <a:endParaRPr lang="zh-CN" altLang="en-US" dirty="0"/>
+          </a:p>
+        </p:txBody>
+      </p:sp>
+      <p:sp>
+        <p:nvSpPr>
+          <p:cNvPr id="4" name="灯片编号占位符 3"/>
+          <p:cNvSpPr>
+            <a:spLocks noGrp="1"/>
+          </p:cNvSpPr>
+          <p:nvPr>
+            <p:ph type="sldNum" sz="quarter" idx="5"/>
+          </p:nvPr>
+        </p:nvSpPr>
+        <p:spPr/>
+        <p:txBody>
+          <a:bodyPr/>
+          <a:lstStyle/>
+          <a:p>
+            <a:fld id="{5A3394F7-11F7-462F-BBE6-C6B05860DB22}" type="slidenum">
+              <a:rPr lang="zh-CN" altLang="en-US" smtClean="0"/>
+              <a:t>24</a:t>
+            </a:fld>
+            <a:endParaRPr lang="zh-CN" altLang="en-US"/>
+          </a:p>
+        </p:txBody>
+      </p:sp>
+    </p:spTree>
+    <p:extLst>
+      <p:ext uri="{BB962C8B-B14F-4D97-AF65-F5344CB8AC3E}">
+        <p14:creationId xmlns:p14="http://schemas.microsoft.com/office/powerpoint/2010/main" val="3616578185"/>
+      </p:ext>
+    </p:extLst>
+  </p:cSld>
+  <p:clrMapOvr>
+    <a:masterClrMapping/>
+  </p:clrMapOvr>
+</p:notes>
+</file>
+
 <file path=ppt/notesSlides/notesSlide2.xml><?xml version="1.0" encoding="utf-8"?>
 <p:notes xmlns:a="http://schemas.openxmlformats.org/drawingml/2006/main" xmlns:r="http://schemas.openxmlformats.org/officeDocument/2006/relationships" xmlns:p="http://schemas.openxmlformats.org/presentationml/2006/main">
   <p:cSld>
@@ -964,7 +1392,7 @@
           <a:p>
             <a:fld id="{5A3394F7-11F7-462F-BBE6-C6B05860DB22}" type="slidenum">
               <a:rPr lang="zh-CN" altLang="en-US" smtClean="0"/>
-              <a:t>14</a:t>
+              <a:t>15</a:t>
             </a:fld>
             <a:endParaRPr lang="zh-CN" altLang="en-US"/>
           </a:p>
@@ -1048,7 +1476,7 @@
           <a:p>
             <a:fld id="{5A3394F7-11F7-462F-BBE6-C6B05860DB22}" type="slidenum">
               <a:rPr lang="zh-CN" altLang="en-US" smtClean="0"/>
-              <a:t>16</a:t>
+              <a:t>17</a:t>
             </a:fld>
             <a:endParaRPr lang="zh-CN" altLang="en-US"/>
           </a:p>
@@ -1057,7 +1485,175 @@
     </p:spTree>
     <p:extLst>
       <p:ext uri="{BB962C8B-B14F-4D97-AF65-F5344CB8AC3E}">
-        <p14:creationId xmlns:p14="http://schemas.microsoft.com/office/powerpoint/2010/main" val="3616578185"/>
+        <p14:creationId xmlns:p14="http://schemas.microsoft.com/office/powerpoint/2010/main" val="1748997103"/>
+      </p:ext>
+    </p:extLst>
+  </p:cSld>
+  <p:clrMapOvr>
+    <a:masterClrMapping/>
+  </p:clrMapOvr>
+</p:notes>
+</file>
+
+<file path=ppt/notesSlides/notesSlide8.xml><?xml version="1.0" encoding="utf-8"?>
+<p:notes xmlns:a="http://schemas.openxmlformats.org/drawingml/2006/main" xmlns:r="http://schemas.openxmlformats.org/officeDocument/2006/relationships" xmlns:p="http://schemas.openxmlformats.org/presentationml/2006/main">
+  <p:cSld>
+    <p:spTree>
+      <p:nvGrpSpPr>
+        <p:cNvPr id="1" name=""/>
+        <p:cNvGrpSpPr/>
+        <p:nvPr/>
+      </p:nvGrpSpPr>
+      <p:grpSpPr>
+        <a:xfrm>
+          <a:off x="0" y="0"/>
+          <a:ext cx="0" cy="0"/>
+          <a:chOff x="0" y="0"/>
+          <a:chExt cx="0" cy="0"/>
+        </a:xfrm>
+      </p:grpSpPr>
+      <p:sp>
+        <p:nvSpPr>
+          <p:cNvPr id="2" name="幻灯片图像占位符 1"/>
+          <p:cNvSpPr>
+            <a:spLocks noGrp="1" noRot="1" noChangeAspect="1"/>
+          </p:cNvSpPr>
+          <p:nvPr>
+            <p:ph type="sldImg"/>
+          </p:nvPr>
+        </p:nvSpPr>
+        <p:spPr/>
+      </p:sp>
+      <p:sp>
+        <p:nvSpPr>
+          <p:cNvPr id="3" name="备注占位符 2"/>
+          <p:cNvSpPr>
+            <a:spLocks noGrp="1"/>
+          </p:cNvSpPr>
+          <p:nvPr>
+            <p:ph type="body" idx="1"/>
+          </p:nvPr>
+        </p:nvSpPr>
+        <p:spPr/>
+        <p:txBody>
+          <a:bodyPr/>
+          <a:lstStyle/>
+          <a:p>
+            <a:endParaRPr lang="zh-CN" altLang="en-US" dirty="0"/>
+          </a:p>
+        </p:txBody>
+      </p:sp>
+      <p:sp>
+        <p:nvSpPr>
+          <p:cNvPr id="4" name="灯片编号占位符 3"/>
+          <p:cNvSpPr>
+            <a:spLocks noGrp="1"/>
+          </p:cNvSpPr>
+          <p:nvPr>
+            <p:ph type="sldNum" sz="quarter" idx="5"/>
+          </p:nvPr>
+        </p:nvSpPr>
+        <p:spPr/>
+        <p:txBody>
+          <a:bodyPr/>
+          <a:lstStyle/>
+          <a:p>
+            <a:fld id="{5A3394F7-11F7-462F-BBE6-C6B05860DB22}" type="slidenum">
+              <a:rPr lang="zh-CN" altLang="en-US" smtClean="0"/>
+              <a:t>18</a:t>
+            </a:fld>
+            <a:endParaRPr lang="zh-CN" altLang="en-US"/>
+          </a:p>
+        </p:txBody>
+      </p:sp>
+    </p:spTree>
+    <p:extLst>
+      <p:ext uri="{BB962C8B-B14F-4D97-AF65-F5344CB8AC3E}">
+        <p14:creationId xmlns:p14="http://schemas.microsoft.com/office/powerpoint/2010/main" val="1853417359"/>
+      </p:ext>
+    </p:extLst>
+  </p:cSld>
+  <p:clrMapOvr>
+    <a:masterClrMapping/>
+  </p:clrMapOvr>
+</p:notes>
+</file>
+
+<file path=ppt/notesSlides/notesSlide9.xml><?xml version="1.0" encoding="utf-8"?>
+<p:notes xmlns:a="http://schemas.openxmlformats.org/drawingml/2006/main" xmlns:r="http://schemas.openxmlformats.org/officeDocument/2006/relationships" xmlns:p="http://schemas.openxmlformats.org/presentationml/2006/main">
+  <p:cSld>
+    <p:spTree>
+      <p:nvGrpSpPr>
+        <p:cNvPr id="1" name=""/>
+        <p:cNvGrpSpPr/>
+        <p:nvPr/>
+      </p:nvGrpSpPr>
+      <p:grpSpPr>
+        <a:xfrm>
+          <a:off x="0" y="0"/>
+          <a:ext cx="0" cy="0"/>
+          <a:chOff x="0" y="0"/>
+          <a:chExt cx="0" cy="0"/>
+        </a:xfrm>
+      </p:grpSpPr>
+      <p:sp>
+        <p:nvSpPr>
+          <p:cNvPr id="2" name="幻灯片图像占位符 1"/>
+          <p:cNvSpPr>
+            <a:spLocks noGrp="1" noRot="1" noChangeAspect="1"/>
+          </p:cNvSpPr>
+          <p:nvPr>
+            <p:ph type="sldImg"/>
+          </p:nvPr>
+        </p:nvSpPr>
+        <p:spPr/>
+      </p:sp>
+      <p:sp>
+        <p:nvSpPr>
+          <p:cNvPr id="3" name="备注占位符 2"/>
+          <p:cNvSpPr>
+            <a:spLocks noGrp="1"/>
+          </p:cNvSpPr>
+          <p:nvPr>
+            <p:ph type="body" idx="1"/>
+          </p:nvPr>
+        </p:nvSpPr>
+        <p:spPr/>
+        <p:txBody>
+          <a:bodyPr/>
+          <a:lstStyle/>
+          <a:p>
+            <a:endParaRPr lang="zh-CN" altLang="en-US" dirty="0"/>
+          </a:p>
+        </p:txBody>
+      </p:sp>
+      <p:sp>
+        <p:nvSpPr>
+          <p:cNvPr id="4" name="灯片编号占位符 3"/>
+          <p:cNvSpPr>
+            <a:spLocks noGrp="1"/>
+          </p:cNvSpPr>
+          <p:nvPr>
+            <p:ph type="sldNum" sz="quarter" idx="5"/>
+          </p:nvPr>
+        </p:nvSpPr>
+        <p:spPr/>
+        <p:txBody>
+          <a:bodyPr/>
+          <a:lstStyle/>
+          <a:p>
+            <a:fld id="{5A3394F7-11F7-462F-BBE6-C6B05860DB22}" type="slidenum">
+              <a:rPr lang="zh-CN" altLang="en-US" smtClean="0"/>
+              <a:t>19</a:t>
+            </a:fld>
+            <a:endParaRPr lang="zh-CN" altLang="en-US"/>
+          </a:p>
+        </p:txBody>
+      </p:sp>
+    </p:spTree>
+    <p:extLst>
+      <p:ext uri="{BB962C8B-B14F-4D97-AF65-F5344CB8AC3E}">
+        <p14:creationId xmlns:p14="http://schemas.microsoft.com/office/powerpoint/2010/main" val="3703237867"/>
       </p:ext>
     </p:extLst>
   </p:cSld>
@@ -1214,7 +1810,7 @@
           <a:p>
             <a:fld id="{33791A2C-FC72-48B7-BD31-E3696B249E7F}" type="datetimeFigureOut">
               <a:rPr lang="zh-CN" altLang="en-US" smtClean="0"/>
-              <a:t>2023/3/25</a:t>
+              <a:t>2023/3/26</a:t>
             </a:fld>
             <a:endParaRPr lang="zh-CN" altLang="en-US"/>
           </a:p>
@@ -1412,7 +2008,7 @@
           <a:p>
             <a:fld id="{33791A2C-FC72-48B7-BD31-E3696B249E7F}" type="datetimeFigureOut">
               <a:rPr lang="zh-CN" altLang="en-US" smtClean="0"/>
-              <a:t>2023/3/25</a:t>
+              <a:t>2023/3/26</a:t>
             </a:fld>
             <a:endParaRPr lang="zh-CN" altLang="en-US"/>
           </a:p>
@@ -1620,7 +2216,7 @@
           <a:p>
             <a:fld id="{33791A2C-FC72-48B7-BD31-E3696B249E7F}" type="datetimeFigureOut">
               <a:rPr lang="zh-CN" altLang="en-US" smtClean="0"/>
-              <a:t>2023/3/25</a:t>
+              <a:t>2023/3/26</a:t>
             </a:fld>
             <a:endParaRPr lang="zh-CN" altLang="en-US"/>
           </a:p>
@@ -1818,7 +2414,7 @@
           <a:p>
             <a:fld id="{33791A2C-FC72-48B7-BD31-E3696B249E7F}" type="datetimeFigureOut">
               <a:rPr lang="zh-CN" altLang="en-US" smtClean="0"/>
-              <a:t>2023/3/25</a:t>
+              <a:t>2023/3/26</a:t>
             </a:fld>
             <a:endParaRPr lang="zh-CN" altLang="en-US"/>
           </a:p>
@@ -2093,7 +2689,7 @@
           <a:p>
             <a:fld id="{33791A2C-FC72-48B7-BD31-E3696B249E7F}" type="datetimeFigureOut">
               <a:rPr lang="zh-CN" altLang="en-US" smtClean="0"/>
-              <a:t>2023/3/25</a:t>
+              <a:t>2023/3/26</a:t>
             </a:fld>
             <a:endParaRPr lang="zh-CN" altLang="en-US"/>
           </a:p>
@@ -2358,7 +2954,7 @@
           <a:p>
             <a:fld id="{33791A2C-FC72-48B7-BD31-E3696B249E7F}" type="datetimeFigureOut">
               <a:rPr lang="zh-CN" altLang="en-US" smtClean="0"/>
-              <a:t>2023/3/25</a:t>
+              <a:t>2023/3/26</a:t>
             </a:fld>
             <a:endParaRPr lang="zh-CN" altLang="en-US"/>
           </a:p>
@@ -2770,7 +3366,7 @@
           <a:p>
             <a:fld id="{33791A2C-FC72-48B7-BD31-E3696B249E7F}" type="datetimeFigureOut">
               <a:rPr lang="zh-CN" altLang="en-US" smtClean="0"/>
-              <a:t>2023/3/25</a:t>
+              <a:t>2023/3/26</a:t>
             </a:fld>
             <a:endParaRPr lang="zh-CN" altLang="en-US"/>
           </a:p>
@@ -2911,7 +3507,7 @@
           <a:p>
             <a:fld id="{33791A2C-FC72-48B7-BD31-E3696B249E7F}" type="datetimeFigureOut">
               <a:rPr lang="zh-CN" altLang="en-US" smtClean="0"/>
-              <a:t>2023/3/25</a:t>
+              <a:t>2023/3/26</a:t>
             </a:fld>
             <a:endParaRPr lang="zh-CN" altLang="en-US"/>
           </a:p>
@@ -3024,7 +3620,7 @@
           <a:p>
             <a:fld id="{33791A2C-FC72-48B7-BD31-E3696B249E7F}" type="datetimeFigureOut">
               <a:rPr lang="zh-CN" altLang="en-US" smtClean="0"/>
-              <a:t>2023/3/25</a:t>
+              <a:t>2023/3/26</a:t>
             </a:fld>
             <a:endParaRPr lang="zh-CN" altLang="en-US"/>
           </a:p>
@@ -3335,7 +3931,7 @@
           <a:p>
             <a:fld id="{33791A2C-FC72-48B7-BD31-E3696B249E7F}" type="datetimeFigureOut">
               <a:rPr lang="zh-CN" altLang="en-US" smtClean="0"/>
-              <a:t>2023/3/25</a:t>
+              <a:t>2023/3/26</a:t>
             </a:fld>
             <a:endParaRPr lang="zh-CN" altLang="en-US"/>
           </a:p>
@@ -3623,7 +4219,7 @@
           <a:p>
             <a:fld id="{33791A2C-FC72-48B7-BD31-E3696B249E7F}" type="datetimeFigureOut">
               <a:rPr lang="zh-CN" altLang="en-US" smtClean="0"/>
-              <a:t>2023/3/25</a:t>
+              <a:t>2023/3/26</a:t>
             </a:fld>
             <a:endParaRPr lang="zh-CN" altLang="en-US"/>
           </a:p>
@@ -3864,7 +4460,7 @@
           <a:p>
             <a:fld id="{33791A2C-FC72-48B7-BD31-E3696B249E7F}" type="datetimeFigureOut">
               <a:rPr lang="zh-CN" altLang="en-US" smtClean="0"/>
-              <a:t>2023/3/25</a:t>
+              <a:t>2023/3/26</a:t>
             </a:fld>
             <a:endParaRPr lang="zh-CN" altLang="en-US"/>
           </a:p>
@@ -16088,10 +16684,9 @@
           <a:lstStyle/>
           <a:p>
             <a:r>
-              <a:rPr lang="en-US" b="1" dirty="0"/>
-              <a:t>Outline Today</a:t>
+              <a:rPr lang="en-CN" b="1" dirty="0"/>
+              <a:t>Comparison between SH and BVH</a:t>
             </a:r>
-            <a:endParaRPr lang="en-CN" b="1" dirty="0"/>
           </a:p>
         </p:txBody>
       </p:sp>
@@ -16119,6 +16714,631 @@
             <a:fld id="{4B226B15-CD18-AD48-B4A6-8B862AAA934E}" type="slidenum">
               <a:rPr kumimoji="1" lang="zh-CN" altLang="en-US" smtClean="0"/>
               <a:t>14</a:t>
+            </a:fld>
+            <a:endParaRPr kumimoji="1" lang="zh-CN" altLang="en-US"/>
+          </a:p>
+        </p:txBody>
+      </p:sp>
+      <p:sp>
+        <p:nvSpPr>
+          <p:cNvPr id="27" name="Content Placeholder 2">
+            <a:extLst>
+              <a:ext uri="{FF2B5EF4-FFF2-40B4-BE49-F238E27FC236}">
+                <a16:creationId xmlns:a16="http://schemas.microsoft.com/office/drawing/2014/main" id="{C6EEC7D9-08BE-1249-8785-70510EC8E600}"/>
+              </a:ext>
+            </a:extLst>
+          </p:cNvPr>
+          <p:cNvSpPr>
+            <a:spLocks noGrp="1"/>
+          </p:cNvSpPr>
+          <p:nvPr>
+            <p:ph idx="1"/>
+          </p:nvPr>
+        </p:nvSpPr>
+        <p:spPr>
+          <a:xfrm>
+            <a:off x="1124234" y="1957012"/>
+            <a:ext cx="8530050" cy="3364106"/>
+          </a:xfrm>
+        </p:spPr>
+        <p:txBody>
+          <a:bodyPr>
+            <a:noAutofit/>
+          </a:bodyPr>
+          <a:lstStyle/>
+          <a:p>
+            <a:r>
+              <a:rPr lang="en-US" sz="2400" dirty="0">
+                <a:latin typeface="+mj-lt"/>
+              </a:rPr>
+              <a:t>Spatial Hashing</a:t>
+            </a:r>
+          </a:p>
+          <a:p>
+            <a:pPr lvl="1"/>
+            <a:r>
+              <a:rPr lang="en-US" sz="2000" dirty="0">
+                <a:latin typeface="+mj-lt"/>
+              </a:rPr>
+              <a:t>Easy to implement</a:t>
+            </a:r>
+          </a:p>
+          <a:p>
+            <a:pPr lvl="1"/>
+            <a:r>
+              <a:rPr lang="en-US" sz="2000" dirty="0">
+                <a:latin typeface="+mj-lt"/>
+              </a:rPr>
+              <a:t>GPU friendly</a:t>
+            </a:r>
+          </a:p>
+          <a:p>
+            <a:pPr lvl="1"/>
+            <a:r>
+              <a:rPr lang="en-US" sz="2000" dirty="0">
+                <a:latin typeface="+mj-lt"/>
+              </a:rPr>
+              <a:t>Needs to </a:t>
+            </a:r>
+            <a:r>
+              <a:rPr lang="en-US" sz="2000" u="sng" dirty="0">
+                <a:latin typeface="+mj-lt"/>
+              </a:rPr>
+              <a:t>recompute</a:t>
+            </a:r>
+            <a:r>
+              <a:rPr lang="en-US" sz="2000" dirty="0">
+                <a:latin typeface="+mj-lt"/>
+              </a:rPr>
+              <a:t> after updating objects</a:t>
+            </a:r>
+          </a:p>
+          <a:p>
+            <a:pPr marL="0" indent="0">
+              <a:buNone/>
+            </a:pPr>
+            <a:endParaRPr lang="en-US" sz="800" dirty="0">
+              <a:latin typeface="+mj-lt"/>
+            </a:endParaRPr>
+          </a:p>
+          <a:p>
+            <a:r>
+              <a:rPr lang="en-US" sz="2400" dirty="0">
+                <a:latin typeface="+mj-lt"/>
+              </a:rPr>
+              <a:t>Bounding Volume Hierarchy</a:t>
+            </a:r>
+          </a:p>
+          <a:p>
+            <a:pPr lvl="1"/>
+            <a:r>
+              <a:rPr lang="en-US" sz="2000" dirty="0">
+                <a:latin typeface="+mj-lt"/>
+              </a:rPr>
+              <a:t>More involved</a:t>
+            </a:r>
+          </a:p>
+          <a:p>
+            <a:pPr lvl="1"/>
+            <a:r>
+              <a:rPr lang="en-US" sz="2000" dirty="0">
+                <a:latin typeface="+mj-lt"/>
+              </a:rPr>
+              <a:t>Not GPU friendly</a:t>
+            </a:r>
+          </a:p>
+          <a:p>
+            <a:pPr lvl="1"/>
+            <a:r>
+              <a:rPr lang="en-US" sz="2000" dirty="0">
+                <a:latin typeface="+mj-lt"/>
+              </a:rPr>
+              <a:t>To update BVH, just update bounding volumes</a:t>
+            </a:r>
+          </a:p>
+        </p:txBody>
+      </p:sp>
+    </p:spTree>
+    <p:extLst>
+      <p:ext uri="{BB962C8B-B14F-4D97-AF65-F5344CB8AC3E}">
+        <p14:creationId xmlns:p14="http://schemas.microsoft.com/office/powerpoint/2010/main" val="204637666"/>
+      </p:ext>
+    </p:extLst>
+  </p:cSld>
+  <p:clrMapOvr>
+    <a:masterClrMapping/>
+  </p:clrMapOvr>
+  <p:timing>
+    <p:tnLst>
+      <p:par>
+        <p:cTn id="1" dur="indefinite" restart="never" nodeType="tmRoot">
+          <p:childTnLst>
+            <p:seq concurrent="1" nextAc="seek">
+              <p:cTn id="2" dur="indefinite" nodeType="mainSeq">
+                <p:childTnLst>
+                  <p:par>
+                    <p:cTn id="3" fill="hold">
+                      <p:stCondLst>
+                        <p:cond delay="indefinite"/>
+                      </p:stCondLst>
+                      <p:childTnLst>
+                        <p:par>
+                          <p:cTn id="4" fill="hold">
+                            <p:stCondLst>
+                              <p:cond delay="0"/>
+                            </p:stCondLst>
+                            <p:childTnLst>
+                              <p:par>
+                                <p:cTn id="5" presetID="9" presetClass="entr" presetSubtype="0" fill="hold" grpId="0" nodeType="clickEffect">
+                                  <p:stCondLst>
+                                    <p:cond delay="0"/>
+                                  </p:stCondLst>
+                                  <p:childTnLst>
+                                    <p:set>
+                                      <p:cBhvr>
+                                        <p:cTn id="6" dur="1" fill="hold">
+                                          <p:stCondLst>
+                                            <p:cond delay="0"/>
+                                          </p:stCondLst>
+                                        </p:cTn>
+                                        <p:tgtEl>
+                                          <p:spTgt spid="27">
+                                            <p:txEl>
+                                              <p:pRg st="0" end="0"/>
+                                            </p:txEl>
+                                          </p:spTgt>
+                                        </p:tgtEl>
+                                        <p:attrNameLst>
+                                          <p:attrName>style.visibility</p:attrName>
+                                        </p:attrNameLst>
+                                      </p:cBhvr>
+                                      <p:to>
+                                        <p:strVal val="visible"/>
+                                      </p:to>
+                                    </p:set>
+                                    <p:animEffect transition="in" filter="dissolve">
+                                      <p:cBhvr>
+                                        <p:cTn id="7" dur="500"/>
+                                        <p:tgtEl>
+                                          <p:spTgt spid="27">
+                                            <p:txEl>
+                                              <p:pRg st="0" end="0"/>
+                                            </p:txEl>
+                                          </p:spTgt>
+                                        </p:tgtEl>
+                                      </p:cBhvr>
+                                    </p:animEffect>
+                                  </p:childTnLst>
+                                </p:cTn>
+                              </p:par>
+                              <p:par>
+                                <p:cTn id="8" presetID="9" presetClass="entr" presetSubtype="0" fill="hold" grpId="0" nodeType="withEffect">
+                                  <p:stCondLst>
+                                    <p:cond delay="0"/>
+                                  </p:stCondLst>
+                                  <p:childTnLst>
+                                    <p:set>
+                                      <p:cBhvr>
+                                        <p:cTn id="9" dur="1" fill="hold">
+                                          <p:stCondLst>
+                                            <p:cond delay="0"/>
+                                          </p:stCondLst>
+                                        </p:cTn>
+                                        <p:tgtEl>
+                                          <p:spTgt spid="27">
+                                            <p:txEl>
+                                              <p:pRg st="1" end="1"/>
+                                            </p:txEl>
+                                          </p:spTgt>
+                                        </p:tgtEl>
+                                        <p:attrNameLst>
+                                          <p:attrName>style.visibility</p:attrName>
+                                        </p:attrNameLst>
+                                      </p:cBhvr>
+                                      <p:to>
+                                        <p:strVal val="visible"/>
+                                      </p:to>
+                                    </p:set>
+                                    <p:animEffect transition="in" filter="dissolve">
+                                      <p:cBhvr>
+                                        <p:cTn id="10" dur="500"/>
+                                        <p:tgtEl>
+                                          <p:spTgt spid="27">
+                                            <p:txEl>
+                                              <p:pRg st="1" end="1"/>
+                                            </p:txEl>
+                                          </p:spTgt>
+                                        </p:tgtEl>
+                                      </p:cBhvr>
+                                    </p:animEffect>
+                                  </p:childTnLst>
+                                </p:cTn>
+                              </p:par>
+                              <p:par>
+                                <p:cTn id="11" presetID="9" presetClass="entr" presetSubtype="0" fill="hold" grpId="0" nodeType="withEffect">
+                                  <p:stCondLst>
+                                    <p:cond delay="0"/>
+                                  </p:stCondLst>
+                                  <p:childTnLst>
+                                    <p:set>
+                                      <p:cBhvr>
+                                        <p:cTn id="12" dur="1" fill="hold">
+                                          <p:stCondLst>
+                                            <p:cond delay="0"/>
+                                          </p:stCondLst>
+                                        </p:cTn>
+                                        <p:tgtEl>
+                                          <p:spTgt spid="27">
+                                            <p:txEl>
+                                              <p:pRg st="2" end="2"/>
+                                            </p:txEl>
+                                          </p:spTgt>
+                                        </p:tgtEl>
+                                        <p:attrNameLst>
+                                          <p:attrName>style.visibility</p:attrName>
+                                        </p:attrNameLst>
+                                      </p:cBhvr>
+                                      <p:to>
+                                        <p:strVal val="visible"/>
+                                      </p:to>
+                                    </p:set>
+                                    <p:animEffect transition="in" filter="dissolve">
+                                      <p:cBhvr>
+                                        <p:cTn id="13" dur="500"/>
+                                        <p:tgtEl>
+                                          <p:spTgt spid="27">
+                                            <p:txEl>
+                                              <p:pRg st="2" end="2"/>
+                                            </p:txEl>
+                                          </p:spTgt>
+                                        </p:tgtEl>
+                                      </p:cBhvr>
+                                    </p:animEffect>
+                                  </p:childTnLst>
+                                </p:cTn>
+                              </p:par>
+                              <p:par>
+                                <p:cTn id="14" presetID="9" presetClass="entr" presetSubtype="0" fill="hold" grpId="0" nodeType="withEffect">
+                                  <p:stCondLst>
+                                    <p:cond delay="0"/>
+                                  </p:stCondLst>
+                                  <p:childTnLst>
+                                    <p:set>
+                                      <p:cBhvr>
+                                        <p:cTn id="15" dur="1" fill="hold">
+                                          <p:stCondLst>
+                                            <p:cond delay="0"/>
+                                          </p:stCondLst>
+                                        </p:cTn>
+                                        <p:tgtEl>
+                                          <p:spTgt spid="27">
+                                            <p:txEl>
+                                              <p:pRg st="3" end="3"/>
+                                            </p:txEl>
+                                          </p:spTgt>
+                                        </p:tgtEl>
+                                        <p:attrNameLst>
+                                          <p:attrName>style.visibility</p:attrName>
+                                        </p:attrNameLst>
+                                      </p:cBhvr>
+                                      <p:to>
+                                        <p:strVal val="visible"/>
+                                      </p:to>
+                                    </p:set>
+                                    <p:animEffect transition="in" filter="dissolve">
+                                      <p:cBhvr>
+                                        <p:cTn id="16" dur="500"/>
+                                        <p:tgtEl>
+                                          <p:spTgt spid="27">
+                                            <p:txEl>
+                                              <p:pRg st="3" end="3"/>
+                                            </p:txEl>
+                                          </p:spTgt>
+                                        </p:tgtEl>
+                                      </p:cBhvr>
+                                    </p:animEffect>
+                                  </p:childTnLst>
+                                </p:cTn>
+                              </p:par>
+                            </p:childTnLst>
+                          </p:cTn>
+                        </p:par>
+                      </p:childTnLst>
+                    </p:cTn>
+                  </p:par>
+                  <p:par>
+                    <p:cTn id="17" fill="hold">
+                      <p:stCondLst>
+                        <p:cond delay="indefinite"/>
+                      </p:stCondLst>
+                      <p:childTnLst>
+                        <p:par>
+                          <p:cTn id="18" fill="hold">
+                            <p:stCondLst>
+                              <p:cond delay="0"/>
+                            </p:stCondLst>
+                            <p:childTnLst>
+                              <p:par>
+                                <p:cTn id="19" presetID="9" presetClass="entr" presetSubtype="0" fill="hold" grpId="0" nodeType="clickEffect">
+                                  <p:stCondLst>
+                                    <p:cond delay="0"/>
+                                  </p:stCondLst>
+                                  <p:childTnLst>
+                                    <p:set>
+                                      <p:cBhvr>
+                                        <p:cTn id="20" dur="1" fill="hold">
+                                          <p:stCondLst>
+                                            <p:cond delay="0"/>
+                                          </p:stCondLst>
+                                        </p:cTn>
+                                        <p:tgtEl>
+                                          <p:spTgt spid="27">
+                                            <p:txEl>
+                                              <p:pRg st="5" end="5"/>
+                                            </p:txEl>
+                                          </p:spTgt>
+                                        </p:tgtEl>
+                                        <p:attrNameLst>
+                                          <p:attrName>style.visibility</p:attrName>
+                                        </p:attrNameLst>
+                                      </p:cBhvr>
+                                      <p:to>
+                                        <p:strVal val="visible"/>
+                                      </p:to>
+                                    </p:set>
+                                    <p:animEffect transition="in" filter="dissolve">
+                                      <p:cBhvr>
+                                        <p:cTn id="21" dur="500"/>
+                                        <p:tgtEl>
+                                          <p:spTgt spid="27">
+                                            <p:txEl>
+                                              <p:pRg st="5" end="5"/>
+                                            </p:txEl>
+                                          </p:spTgt>
+                                        </p:tgtEl>
+                                      </p:cBhvr>
+                                    </p:animEffect>
+                                  </p:childTnLst>
+                                </p:cTn>
+                              </p:par>
+                              <p:par>
+                                <p:cTn id="22" presetID="9" presetClass="entr" presetSubtype="0" fill="hold" grpId="0" nodeType="withEffect">
+                                  <p:stCondLst>
+                                    <p:cond delay="0"/>
+                                  </p:stCondLst>
+                                  <p:childTnLst>
+                                    <p:set>
+                                      <p:cBhvr>
+                                        <p:cTn id="23" dur="1" fill="hold">
+                                          <p:stCondLst>
+                                            <p:cond delay="0"/>
+                                          </p:stCondLst>
+                                        </p:cTn>
+                                        <p:tgtEl>
+                                          <p:spTgt spid="27">
+                                            <p:txEl>
+                                              <p:pRg st="6" end="6"/>
+                                            </p:txEl>
+                                          </p:spTgt>
+                                        </p:tgtEl>
+                                        <p:attrNameLst>
+                                          <p:attrName>style.visibility</p:attrName>
+                                        </p:attrNameLst>
+                                      </p:cBhvr>
+                                      <p:to>
+                                        <p:strVal val="visible"/>
+                                      </p:to>
+                                    </p:set>
+                                    <p:animEffect transition="in" filter="dissolve">
+                                      <p:cBhvr>
+                                        <p:cTn id="24" dur="500"/>
+                                        <p:tgtEl>
+                                          <p:spTgt spid="27">
+                                            <p:txEl>
+                                              <p:pRg st="6" end="6"/>
+                                            </p:txEl>
+                                          </p:spTgt>
+                                        </p:tgtEl>
+                                      </p:cBhvr>
+                                    </p:animEffect>
+                                  </p:childTnLst>
+                                </p:cTn>
+                              </p:par>
+                              <p:par>
+                                <p:cTn id="25" presetID="9" presetClass="entr" presetSubtype="0" fill="hold" grpId="0" nodeType="withEffect">
+                                  <p:stCondLst>
+                                    <p:cond delay="0"/>
+                                  </p:stCondLst>
+                                  <p:childTnLst>
+                                    <p:set>
+                                      <p:cBhvr>
+                                        <p:cTn id="26" dur="1" fill="hold">
+                                          <p:stCondLst>
+                                            <p:cond delay="0"/>
+                                          </p:stCondLst>
+                                        </p:cTn>
+                                        <p:tgtEl>
+                                          <p:spTgt spid="27">
+                                            <p:txEl>
+                                              <p:pRg st="7" end="7"/>
+                                            </p:txEl>
+                                          </p:spTgt>
+                                        </p:tgtEl>
+                                        <p:attrNameLst>
+                                          <p:attrName>style.visibility</p:attrName>
+                                        </p:attrNameLst>
+                                      </p:cBhvr>
+                                      <p:to>
+                                        <p:strVal val="visible"/>
+                                      </p:to>
+                                    </p:set>
+                                    <p:animEffect transition="in" filter="dissolve">
+                                      <p:cBhvr>
+                                        <p:cTn id="27" dur="500"/>
+                                        <p:tgtEl>
+                                          <p:spTgt spid="27">
+                                            <p:txEl>
+                                              <p:pRg st="7" end="7"/>
+                                            </p:txEl>
+                                          </p:spTgt>
+                                        </p:tgtEl>
+                                      </p:cBhvr>
+                                    </p:animEffect>
+                                  </p:childTnLst>
+                                </p:cTn>
+                              </p:par>
+                              <p:par>
+                                <p:cTn id="28" presetID="9" presetClass="entr" presetSubtype="0" fill="hold" grpId="0" nodeType="withEffect">
+                                  <p:stCondLst>
+                                    <p:cond delay="0"/>
+                                  </p:stCondLst>
+                                  <p:childTnLst>
+                                    <p:set>
+                                      <p:cBhvr>
+                                        <p:cTn id="29" dur="1" fill="hold">
+                                          <p:stCondLst>
+                                            <p:cond delay="0"/>
+                                          </p:stCondLst>
+                                        </p:cTn>
+                                        <p:tgtEl>
+                                          <p:spTgt spid="27">
+                                            <p:txEl>
+                                              <p:pRg st="8" end="8"/>
+                                            </p:txEl>
+                                          </p:spTgt>
+                                        </p:tgtEl>
+                                        <p:attrNameLst>
+                                          <p:attrName>style.visibility</p:attrName>
+                                        </p:attrNameLst>
+                                      </p:cBhvr>
+                                      <p:to>
+                                        <p:strVal val="visible"/>
+                                      </p:to>
+                                    </p:set>
+                                    <p:animEffect transition="in" filter="dissolve">
+                                      <p:cBhvr>
+                                        <p:cTn id="30" dur="500"/>
+                                        <p:tgtEl>
+                                          <p:spTgt spid="27">
+                                            <p:txEl>
+                                              <p:pRg st="8" end="8"/>
+                                            </p:txEl>
+                                          </p:spTgt>
+                                        </p:tgtEl>
+                                      </p:cBhvr>
+                                    </p:animEffect>
+                                  </p:childTnLst>
+                                </p:cTn>
+                              </p:par>
+                            </p:childTnLst>
+                          </p:cTn>
+                        </p:par>
+                      </p:childTnLst>
+                    </p:cTn>
+                  </p:par>
+                </p:childTnLst>
+              </p:cTn>
+              <p:prevCondLst>
+                <p:cond evt="onPrev" delay="0">
+                  <p:tgtEl>
+                    <p:sldTgt/>
+                  </p:tgtEl>
+                </p:cond>
+              </p:prevCondLst>
+              <p:nextCondLst>
+                <p:cond evt="onNext" delay="0">
+                  <p:tgtEl>
+                    <p:sldTgt/>
+                  </p:tgtEl>
+                </p:cond>
+              </p:nextCondLst>
+            </p:seq>
+          </p:childTnLst>
+        </p:cTn>
+      </p:par>
+    </p:tnLst>
+    <p:bldLst>
+      <p:bldP spid="27" grpId="0" uiExpand="1" build="p"/>
+    </p:bldLst>
+  </p:timing>
+</p:sld>
+</file>
+
+<file path=ppt/slides/slide15.xml><?xml version="1.0" encoding="utf-8"?>
+<p:sld xmlns:a="http://schemas.openxmlformats.org/drawingml/2006/main" xmlns:r="http://schemas.openxmlformats.org/officeDocument/2006/relationships" xmlns:p="http://schemas.openxmlformats.org/presentationml/2006/main">
+  <p:cSld>
+    <p:spTree>
+      <p:nvGrpSpPr>
+        <p:cNvPr id="1" name=""/>
+        <p:cNvGrpSpPr/>
+        <p:nvPr/>
+      </p:nvGrpSpPr>
+      <p:grpSpPr>
+        <a:xfrm>
+          <a:off x="0" y="0"/>
+          <a:ext cx="0" cy="0"/>
+          <a:chOff x="0" y="0"/>
+          <a:chExt cx="0" cy="0"/>
+        </a:xfrm>
+      </p:grpSpPr>
+      <p:sp>
+        <p:nvSpPr>
+          <p:cNvPr id="2" name="Title 1">
+            <a:extLst>
+              <a:ext uri="{FF2B5EF4-FFF2-40B4-BE49-F238E27FC236}">
+                <a16:creationId xmlns:a16="http://schemas.microsoft.com/office/drawing/2014/main" id="{2BE7FA5A-4350-5843-97F8-51487A3D14D3}"/>
+              </a:ext>
+            </a:extLst>
+          </p:cNvPr>
+          <p:cNvSpPr>
+            <a:spLocks noGrp="1"/>
+          </p:cNvSpPr>
+          <p:nvPr>
+            <p:ph type="title"/>
+          </p:nvPr>
+        </p:nvSpPr>
+        <p:spPr>
+          <a:xfrm>
+            <a:off x="864742" y="18255"/>
+            <a:ext cx="10515600" cy="1325563"/>
+          </a:xfrm>
+        </p:spPr>
+        <p:txBody>
+          <a:bodyPr/>
+          <a:lstStyle/>
+          <a:p>
+            <a:r>
+              <a:rPr lang="en-US" b="1" dirty="0"/>
+              <a:t>Outline Today</a:t>
+            </a:r>
+            <a:endParaRPr lang="en-CN" b="1" dirty="0"/>
+          </a:p>
+        </p:txBody>
+      </p:sp>
+      <p:sp>
+        <p:nvSpPr>
+          <p:cNvPr id="5" name="Slide Number Placeholder 4">
+            <a:extLst>
+              <a:ext uri="{FF2B5EF4-FFF2-40B4-BE49-F238E27FC236}">
+                <a16:creationId xmlns:a16="http://schemas.microsoft.com/office/drawing/2014/main" id="{B3A4222A-46DB-6D44-BC20-9862E8346A24}"/>
+              </a:ext>
+            </a:extLst>
+          </p:cNvPr>
+          <p:cNvSpPr>
+            <a:spLocks noGrp="1"/>
+          </p:cNvSpPr>
+          <p:nvPr>
+            <p:ph type="sldNum" sz="quarter" idx="12"/>
+          </p:nvPr>
+        </p:nvSpPr>
+        <p:spPr/>
+        <p:txBody>
+          <a:bodyPr/>
+          <a:lstStyle/>
+          <a:p>
+            <a:fld id="{4B226B15-CD18-AD48-B4A6-8B862AAA934E}" type="slidenum">
+              <a:rPr kumimoji="1" lang="zh-CN" altLang="en-US" smtClean="0"/>
+              <a:t>15</a:t>
             </a:fld>
             <a:endParaRPr kumimoji="1" lang="zh-CN" altLang="en-US"/>
           </a:p>
@@ -17007,7 +18227,7 @@
 </p:sld>
 </file>
 
-<file path=ppt/slides/slide15.xml><?xml version="1.0" encoding="utf-8"?>
+<file path=ppt/slides/slide16.xml><?xml version="1.0" encoding="utf-8"?>
 <p:sld xmlns:a="http://schemas.openxmlformats.org/drawingml/2006/main" xmlns:r="http://schemas.openxmlformats.org/officeDocument/2006/relationships" xmlns:p="http://schemas.openxmlformats.org/presentationml/2006/main">
   <p:cSld>
     <p:spTree>
@@ -17024,36 +18244,6 @@
           <a:chExt cx="0" cy="0"/>
         </a:xfrm>
       </p:grpSpPr>
-      <p:pic>
-        <p:nvPicPr>
-          <p:cNvPr id="5" name="图片 4">
-            <a:extLst>
-              <a:ext uri="{FF2B5EF4-FFF2-40B4-BE49-F238E27FC236}">
-                <a16:creationId xmlns:a16="http://schemas.microsoft.com/office/drawing/2014/main" id="{601C1D86-90F0-A3DE-AF8A-CBBD192E03ED}"/>
-              </a:ext>
-            </a:extLst>
-          </p:cNvPr>
-          <p:cNvPicPr>
-            <a:picLocks noChangeAspect="1"/>
-          </p:cNvPicPr>
-          <p:nvPr/>
-        </p:nvPicPr>
-        <p:blipFill>
-          <a:blip r:embed="rId2"/>
-          <a:stretch>
-            <a:fillRect/>
-          </a:stretch>
-        </p:blipFill>
-        <p:spPr>
-          <a:xfrm>
-            <a:off x="6307429" y="2280863"/>
-            <a:ext cx="5071789" cy="3915952"/>
-          </a:xfrm>
-          <a:prstGeom prst="rect">
-            <a:avLst/>
-          </a:prstGeom>
-        </p:spPr>
-      </p:pic>
       <p:sp>
         <p:nvSpPr>
           <p:cNvPr id="6" name="Title 1">
@@ -17282,8 +18472,8 @@
           </a:p>
         </p:txBody>
       </p:sp>
-      <mc:AlternateContent xmlns:mc="http://schemas.openxmlformats.org/markup-compatibility/2006">
-        <mc:Choice xmlns:a14="http://schemas.microsoft.com/office/drawing/2010/main" Requires="a14">
+      <mc:AlternateContent xmlns:mc="http://schemas.openxmlformats.org/markup-compatibility/2006" xmlns:a14="http://schemas.microsoft.com/office/drawing/2010/main">
+        <mc:Choice Requires="a14">
           <p:sp>
             <p:nvSpPr>
               <p:cNvPr id="18" name="文本框 17">
@@ -17312,6 +18502,7 @@
               </a:bodyPr>
               <a:lstStyle/>
               <a:p>
+                <a:pPr/>
                 <a14:m>
                   <m:oMathPara xmlns:m="http://schemas.openxmlformats.org/officeDocument/2006/math">
                     <m:oMathParaPr>
@@ -17441,7 +18632,7 @@
             </p:txBody>
           </p:sp>
         </mc:Choice>
-        <mc:Fallback>
+        <mc:Fallback xmlns="">
           <p:sp>
             <p:nvSpPr>
               <p:cNvPr id="18" name="文本框 17">
@@ -17521,22 +18712,16 @@
               <a:t>There is overlap between two convex polygons if their </a:t>
             </a:r>
             <a:r>
-              <a:rPr lang="en-US" altLang="zh-CN" sz="2400" i="1" dirty="0" err="1">
+              <a:rPr lang="en-US" altLang="zh-CN" sz="2400" dirty="0" err="1">
                 <a:latin typeface="+mn-ea"/>
               </a:rPr>
               <a:t>Minkowski</a:t>
             </a:r>
             <a:r>
-              <a:rPr lang="en-US" altLang="zh-CN" sz="2400" i="1" dirty="0">
-                <a:latin typeface="+mn-ea"/>
-              </a:rPr>
-              <a:t> difference </a:t>
-            </a:r>
-            <a:r>
               <a:rPr lang="en-US" altLang="zh-CN" sz="2400" dirty="0">
                 <a:latin typeface="+mn-ea"/>
               </a:rPr>
-              <a:t>contains the origin (0, 0).</a:t>
+              <a:t> difference contains the origin (0, 0).</a:t>
             </a:r>
             <a:endParaRPr lang="zh-CN" altLang="en-US" sz="2400" dirty="0">
               <a:latin typeface="+mn-ea"/>
@@ -17544,6 +18729,36 @@
           </a:p>
         </p:txBody>
       </p:sp>
+      <p:pic>
+        <p:nvPicPr>
+          <p:cNvPr id="8" name="图片 7">
+            <a:extLst>
+              <a:ext uri="{FF2B5EF4-FFF2-40B4-BE49-F238E27FC236}">
+                <a16:creationId xmlns:a16="http://schemas.microsoft.com/office/drawing/2014/main" id="{E5CE2877-3078-5877-6DFE-612A0DC2A47F}"/>
+              </a:ext>
+            </a:extLst>
+          </p:cNvPr>
+          <p:cNvPicPr>
+            <a:picLocks noChangeAspect="1"/>
+          </p:cNvPicPr>
+          <p:nvPr/>
+        </p:nvPicPr>
+        <p:blipFill>
+          <a:blip r:embed="rId4"/>
+          <a:stretch>
+            <a:fillRect/>
+          </a:stretch>
+        </p:blipFill>
+        <p:spPr>
+          <a:xfrm>
+            <a:off x="5958673" y="2220738"/>
+            <a:ext cx="5368585" cy="3411341"/>
+          </a:xfrm>
+          <a:prstGeom prst="rect">
+            <a:avLst/>
+          </a:prstGeom>
+        </p:spPr>
+      </p:pic>
     </p:spTree>
     <p:extLst>
       <p:ext uri="{BB962C8B-B14F-4D97-AF65-F5344CB8AC3E}">
@@ -17557,7 +18772,6791 @@
 </p:sld>
 </file>
 
-<file path=ppt/slides/slide16.xml><?xml version="1.0" encoding="utf-8"?>
+<file path=ppt/slides/slide17.xml><?xml version="1.0" encoding="utf-8"?>
+<p:sld xmlns:a="http://schemas.openxmlformats.org/drawingml/2006/main" xmlns:r="http://schemas.openxmlformats.org/officeDocument/2006/relationships" xmlns:p="http://schemas.openxmlformats.org/presentationml/2006/main">
+  <p:cSld>
+    <p:spTree>
+      <p:nvGrpSpPr>
+        <p:cNvPr id="1" name=""/>
+        <p:cNvGrpSpPr/>
+        <p:nvPr/>
+      </p:nvGrpSpPr>
+      <p:grpSpPr>
+        <a:xfrm>
+          <a:off x="0" y="0"/>
+          <a:ext cx="0" cy="0"/>
+          <a:chOff x="0" y="0"/>
+          <a:chExt cx="0" cy="0"/>
+        </a:xfrm>
+      </p:grpSpPr>
+      <p:sp>
+        <p:nvSpPr>
+          <p:cNvPr id="6" name="Title 1">
+            <a:extLst>
+              <a:ext uri="{FF2B5EF4-FFF2-40B4-BE49-F238E27FC236}">
+                <a16:creationId xmlns:a16="http://schemas.microsoft.com/office/drawing/2014/main" id="{CC540A02-69BC-A262-B4B9-1EFA092D55CA}"/>
+              </a:ext>
+            </a:extLst>
+          </p:cNvPr>
+          <p:cNvSpPr>
+            <a:spLocks noGrp="1"/>
+          </p:cNvSpPr>
+          <p:nvPr>
+            <p:ph type="title"/>
+          </p:nvPr>
+        </p:nvSpPr>
+        <p:spPr>
+          <a:xfrm>
+            <a:off x="864742" y="18255"/>
+            <a:ext cx="10515600" cy="1325563"/>
+          </a:xfrm>
+        </p:spPr>
+        <p:txBody>
+          <a:bodyPr>
+            <a:normAutofit/>
+          </a:bodyPr>
+          <a:lstStyle/>
+          <a:p>
+            <a:r>
+              <a:rPr lang="en-US" b="1" dirty="0"/>
+              <a:t>Gilbert–Johnson–Keerthi (GJK)</a:t>
+            </a:r>
+            <a:endParaRPr lang="en-CN" b="1" dirty="0"/>
+          </a:p>
+        </p:txBody>
+      </p:sp>
+      <p:sp>
+        <p:nvSpPr>
+          <p:cNvPr id="2" name="Title 1">
+            <a:extLst>
+              <a:ext uri="{FF2B5EF4-FFF2-40B4-BE49-F238E27FC236}">
+                <a16:creationId xmlns:a16="http://schemas.microsoft.com/office/drawing/2014/main" id="{0815BC5E-5800-797F-6567-C69DC2C4EF25}"/>
+              </a:ext>
+            </a:extLst>
+          </p:cNvPr>
+          <p:cNvSpPr txBox="1">
+            <a:spLocks/>
+          </p:cNvSpPr>
+          <p:nvPr/>
+        </p:nvSpPr>
+        <p:spPr>
+          <a:xfrm>
+            <a:off x="811658" y="1022958"/>
+            <a:ext cx="10839785" cy="1068598"/>
+          </a:xfrm>
+          <a:prstGeom prst="rect">
+            <a:avLst/>
+          </a:prstGeom>
+        </p:spPr>
+        <p:txBody>
+          <a:bodyPr vert="horz" lIns="91440" tIns="45720" rIns="91440" bIns="45720" rtlCol="0" anchor="ctr">
+            <a:normAutofit/>
+          </a:bodyPr>
+          <a:lstStyle>
+            <a:lvl1pPr algn="l" defTabSz="914400" rtl="0" eaLnBrk="1" latinLnBrk="0" hangingPunct="1">
+              <a:lnSpc>
+                <a:spcPct val="90000"/>
+              </a:lnSpc>
+              <a:spcBef>
+                <a:spcPct val="0"/>
+              </a:spcBef>
+              <a:buNone/>
+              <a:defRPr sz="4400" kern="1200">
+                <a:solidFill>
+                  <a:schemeClr val="tx1"/>
+                </a:solidFill>
+                <a:latin typeface="+mj-lt"/>
+                <a:ea typeface="+mj-ea"/>
+                <a:cs typeface="+mj-cs"/>
+              </a:defRPr>
+            </a:lvl1pPr>
+          </a:lstStyle>
+          <a:p>
+            <a:r>
+              <a:rPr lang="en-US" sz="2400" dirty="0"/>
+              <a:t>The </a:t>
+            </a:r>
+            <a:r>
+              <a:rPr lang="en-US" sz="2400" dirty="0" err="1"/>
+              <a:t>Minkowski</a:t>
+            </a:r>
+            <a:r>
+              <a:rPr lang="en-US" sz="2400" dirty="0"/>
+              <a:t> difference is quite expensive. So we look for a simplex closest to the origin in the </a:t>
+            </a:r>
+            <a:r>
+              <a:rPr lang="en-US" sz="2400" dirty="0" err="1"/>
+              <a:t>Minkowski</a:t>
+            </a:r>
+            <a:r>
+              <a:rPr lang="en-US" sz="2400" dirty="0"/>
+              <a:t> difference.</a:t>
+            </a:r>
+            <a:endParaRPr lang="en-CN" sz="2400" dirty="0"/>
+          </a:p>
+        </p:txBody>
+      </p:sp>
+      <p:sp>
+        <p:nvSpPr>
+          <p:cNvPr id="3" name="文本框 2">
+            <a:extLst>
+              <a:ext uri="{FF2B5EF4-FFF2-40B4-BE49-F238E27FC236}">
+                <a16:creationId xmlns:a16="http://schemas.microsoft.com/office/drawing/2014/main" id="{28FAF37A-A5EE-1FDE-6F85-252138E4529F}"/>
+              </a:ext>
+            </a:extLst>
+          </p:cNvPr>
+          <p:cNvSpPr txBox="1"/>
+          <p:nvPr/>
+        </p:nvSpPr>
+        <p:spPr>
+          <a:xfrm>
+            <a:off x="864742" y="2348521"/>
+            <a:ext cx="5231258" cy="1569660"/>
+          </a:xfrm>
+          <a:prstGeom prst="rect">
+            <a:avLst/>
+          </a:prstGeom>
+          <a:noFill/>
+        </p:spPr>
+        <p:txBody>
+          <a:bodyPr wrap="square">
+            <a:spAutoFit/>
+          </a:bodyPr>
+          <a:lstStyle/>
+          <a:p>
+            <a:r>
+              <a:rPr lang="en-US" altLang="zh-CN" sz="2400" b="1" i="1" dirty="0">
+                <a:solidFill>
+                  <a:srgbClr val="121212"/>
+                </a:solidFill>
+                <a:effectLst/>
+                <a:latin typeface="-apple-system"/>
+              </a:rPr>
+              <a:t>Simplex:</a:t>
+            </a:r>
+          </a:p>
+          <a:p>
+            <a:r>
+              <a:rPr lang="en-US" altLang="zh-CN" sz="2400" i="0" dirty="0">
+                <a:solidFill>
+                  <a:srgbClr val="121212"/>
+                </a:solidFill>
+                <a:effectLst/>
+                <a:latin typeface="+mn-ea"/>
+              </a:rPr>
+              <a:t>Specifically, a k-simplex is a k-dimensional polytope which is the convex hull of its k + 1 vertices. </a:t>
+            </a:r>
+            <a:endParaRPr lang="zh-CN" altLang="en-US" sz="2400" dirty="0">
+              <a:latin typeface="+mn-ea"/>
+            </a:endParaRPr>
+          </a:p>
+        </p:txBody>
+      </p:sp>
+      <p:sp>
+        <p:nvSpPr>
+          <p:cNvPr id="7" name="椭圆 6">
+            <a:extLst>
+              <a:ext uri="{FF2B5EF4-FFF2-40B4-BE49-F238E27FC236}">
+                <a16:creationId xmlns:a16="http://schemas.microsoft.com/office/drawing/2014/main" id="{06C80B77-5190-35C7-F6D5-4B0342546BFC}"/>
+              </a:ext>
+            </a:extLst>
+          </p:cNvPr>
+          <p:cNvSpPr/>
+          <p:nvPr/>
+        </p:nvSpPr>
+        <p:spPr>
+          <a:xfrm>
+            <a:off x="688368" y="4612333"/>
+            <a:ext cx="154112" cy="154112"/>
+          </a:xfrm>
+          <a:prstGeom prst="ellipse">
+            <a:avLst/>
+          </a:prstGeom>
+        </p:spPr>
+        <p:style>
+          <a:lnRef idx="2">
+            <a:schemeClr val="dk1">
+              <a:shade val="50000"/>
+            </a:schemeClr>
+          </a:lnRef>
+          <a:fillRef idx="1">
+            <a:schemeClr val="dk1"/>
+          </a:fillRef>
+          <a:effectRef idx="0">
+            <a:schemeClr val="dk1"/>
+          </a:effectRef>
+          <a:fontRef idx="minor">
+            <a:schemeClr val="lt1"/>
+          </a:fontRef>
+        </p:style>
+        <p:txBody>
+          <a:bodyPr rtlCol="0" anchor="ctr"/>
+          <a:lstStyle/>
+          <a:p>
+            <a:pPr algn="ctr"/>
+            <a:endParaRPr lang="zh-CN" altLang="en-US"/>
+          </a:p>
+        </p:txBody>
+      </p:sp>
+      <p:sp>
+        <p:nvSpPr>
+          <p:cNvPr id="8" name="椭圆 7">
+            <a:extLst>
+              <a:ext uri="{FF2B5EF4-FFF2-40B4-BE49-F238E27FC236}">
+                <a16:creationId xmlns:a16="http://schemas.microsoft.com/office/drawing/2014/main" id="{AA4D25BA-361A-8F52-5167-3028F251E5C5}"/>
+              </a:ext>
+            </a:extLst>
+          </p:cNvPr>
+          <p:cNvSpPr/>
+          <p:nvPr/>
+        </p:nvSpPr>
+        <p:spPr>
+          <a:xfrm>
+            <a:off x="1405846" y="4605484"/>
+            <a:ext cx="154112" cy="154112"/>
+          </a:xfrm>
+          <a:prstGeom prst="ellipse">
+            <a:avLst/>
+          </a:prstGeom>
+        </p:spPr>
+        <p:style>
+          <a:lnRef idx="2">
+            <a:schemeClr val="dk1">
+              <a:shade val="50000"/>
+            </a:schemeClr>
+          </a:lnRef>
+          <a:fillRef idx="1">
+            <a:schemeClr val="dk1"/>
+          </a:fillRef>
+          <a:effectRef idx="0">
+            <a:schemeClr val="dk1"/>
+          </a:effectRef>
+          <a:fontRef idx="minor">
+            <a:schemeClr val="lt1"/>
+          </a:fontRef>
+        </p:style>
+        <p:txBody>
+          <a:bodyPr rtlCol="0" anchor="ctr"/>
+          <a:lstStyle/>
+          <a:p>
+            <a:pPr algn="ctr"/>
+            <a:endParaRPr lang="zh-CN" altLang="en-US"/>
+          </a:p>
+        </p:txBody>
+      </p:sp>
+      <p:sp>
+        <p:nvSpPr>
+          <p:cNvPr id="9" name="椭圆 8">
+            <a:extLst>
+              <a:ext uri="{FF2B5EF4-FFF2-40B4-BE49-F238E27FC236}">
+                <a16:creationId xmlns:a16="http://schemas.microsoft.com/office/drawing/2014/main" id="{06EDAD5B-219E-E22B-C2D4-F8A10A0FC113}"/>
+              </a:ext>
+            </a:extLst>
+          </p:cNvPr>
+          <p:cNvSpPr/>
+          <p:nvPr/>
+        </p:nvSpPr>
+        <p:spPr>
+          <a:xfrm>
+            <a:off x="2123324" y="4612333"/>
+            <a:ext cx="154112" cy="154112"/>
+          </a:xfrm>
+          <a:prstGeom prst="ellipse">
+            <a:avLst/>
+          </a:prstGeom>
+        </p:spPr>
+        <p:style>
+          <a:lnRef idx="2">
+            <a:schemeClr val="dk1">
+              <a:shade val="50000"/>
+            </a:schemeClr>
+          </a:lnRef>
+          <a:fillRef idx="1">
+            <a:schemeClr val="dk1"/>
+          </a:fillRef>
+          <a:effectRef idx="0">
+            <a:schemeClr val="dk1"/>
+          </a:effectRef>
+          <a:fontRef idx="minor">
+            <a:schemeClr val="lt1"/>
+          </a:fontRef>
+        </p:style>
+        <p:txBody>
+          <a:bodyPr rtlCol="0" anchor="ctr"/>
+          <a:lstStyle/>
+          <a:p>
+            <a:pPr algn="ctr"/>
+            <a:endParaRPr lang="zh-CN" altLang="en-US"/>
+          </a:p>
+        </p:txBody>
+      </p:sp>
+      <p:sp>
+        <p:nvSpPr>
+          <p:cNvPr id="10" name="椭圆 9">
+            <a:extLst>
+              <a:ext uri="{FF2B5EF4-FFF2-40B4-BE49-F238E27FC236}">
+                <a16:creationId xmlns:a16="http://schemas.microsoft.com/office/drawing/2014/main" id="{073BF33A-EACB-0C6C-4EAF-D097C1D5DD30}"/>
+              </a:ext>
+            </a:extLst>
+          </p:cNvPr>
+          <p:cNvSpPr/>
+          <p:nvPr/>
+        </p:nvSpPr>
+        <p:spPr>
+          <a:xfrm>
+            <a:off x="2638745" y="5091463"/>
+            <a:ext cx="154112" cy="154112"/>
+          </a:xfrm>
+          <a:prstGeom prst="ellipse">
+            <a:avLst/>
+          </a:prstGeom>
+        </p:spPr>
+        <p:style>
+          <a:lnRef idx="2">
+            <a:schemeClr val="dk1">
+              <a:shade val="50000"/>
+            </a:schemeClr>
+          </a:lnRef>
+          <a:fillRef idx="1">
+            <a:schemeClr val="dk1"/>
+          </a:fillRef>
+          <a:effectRef idx="0">
+            <a:schemeClr val="dk1"/>
+          </a:effectRef>
+          <a:fontRef idx="minor">
+            <a:schemeClr val="lt1"/>
+          </a:fontRef>
+        </p:style>
+        <p:txBody>
+          <a:bodyPr rtlCol="0" anchor="ctr"/>
+          <a:lstStyle/>
+          <a:p>
+            <a:pPr algn="ctr"/>
+            <a:endParaRPr lang="zh-CN" altLang="en-US"/>
+          </a:p>
+        </p:txBody>
+      </p:sp>
+      <p:sp>
+        <p:nvSpPr>
+          <p:cNvPr id="12" name="椭圆 11">
+            <a:extLst>
+              <a:ext uri="{FF2B5EF4-FFF2-40B4-BE49-F238E27FC236}">
+                <a16:creationId xmlns:a16="http://schemas.microsoft.com/office/drawing/2014/main" id="{09090CC4-36BA-36A0-0F04-018E33E0F74D}"/>
+              </a:ext>
+            </a:extLst>
+          </p:cNvPr>
+          <p:cNvSpPr/>
+          <p:nvPr/>
+        </p:nvSpPr>
+        <p:spPr>
+          <a:xfrm>
+            <a:off x="3230770" y="4241428"/>
+            <a:ext cx="154112" cy="154112"/>
+          </a:xfrm>
+          <a:prstGeom prst="ellipse">
+            <a:avLst/>
+          </a:prstGeom>
+        </p:spPr>
+        <p:style>
+          <a:lnRef idx="2">
+            <a:schemeClr val="dk1">
+              <a:shade val="50000"/>
+            </a:schemeClr>
+          </a:lnRef>
+          <a:fillRef idx="1">
+            <a:schemeClr val="dk1"/>
+          </a:fillRef>
+          <a:effectRef idx="0">
+            <a:schemeClr val="dk1"/>
+          </a:effectRef>
+          <a:fontRef idx="minor">
+            <a:schemeClr val="lt1"/>
+          </a:fontRef>
+        </p:style>
+        <p:txBody>
+          <a:bodyPr rtlCol="0" anchor="ctr"/>
+          <a:lstStyle/>
+          <a:p>
+            <a:pPr algn="ctr"/>
+            <a:endParaRPr lang="zh-CN" altLang="en-US"/>
+          </a:p>
+        </p:txBody>
+      </p:sp>
+      <p:sp>
+        <p:nvSpPr>
+          <p:cNvPr id="14" name="椭圆 13">
+            <a:extLst>
+              <a:ext uri="{FF2B5EF4-FFF2-40B4-BE49-F238E27FC236}">
+                <a16:creationId xmlns:a16="http://schemas.microsoft.com/office/drawing/2014/main" id="{67C8FC75-06CA-D94A-73F3-CE8C610A09AE}"/>
+              </a:ext>
+            </a:extLst>
+          </p:cNvPr>
+          <p:cNvSpPr/>
+          <p:nvPr/>
+        </p:nvSpPr>
+        <p:spPr>
+          <a:xfrm>
+            <a:off x="3779177" y="5091463"/>
+            <a:ext cx="154112" cy="154112"/>
+          </a:xfrm>
+          <a:prstGeom prst="ellipse">
+            <a:avLst/>
+          </a:prstGeom>
+        </p:spPr>
+        <p:style>
+          <a:lnRef idx="2">
+            <a:schemeClr val="dk1">
+              <a:shade val="50000"/>
+            </a:schemeClr>
+          </a:lnRef>
+          <a:fillRef idx="1">
+            <a:schemeClr val="dk1"/>
+          </a:fillRef>
+          <a:effectRef idx="0">
+            <a:schemeClr val="dk1"/>
+          </a:effectRef>
+          <a:fontRef idx="minor">
+            <a:schemeClr val="lt1"/>
+          </a:fontRef>
+        </p:style>
+        <p:txBody>
+          <a:bodyPr rtlCol="0" anchor="ctr"/>
+          <a:lstStyle/>
+          <a:p>
+            <a:pPr algn="ctr"/>
+            <a:endParaRPr lang="zh-CN" altLang="en-US"/>
+          </a:p>
+        </p:txBody>
+      </p:sp>
+      <p:sp>
+        <p:nvSpPr>
+          <p:cNvPr id="16" name="椭圆 15">
+            <a:extLst>
+              <a:ext uri="{FF2B5EF4-FFF2-40B4-BE49-F238E27FC236}">
+                <a16:creationId xmlns:a16="http://schemas.microsoft.com/office/drawing/2014/main" id="{A0321920-F4C0-7B75-B6FB-EF664B1B0D3A}"/>
+              </a:ext>
+            </a:extLst>
+          </p:cNvPr>
+          <p:cNvSpPr/>
+          <p:nvPr/>
+        </p:nvSpPr>
+        <p:spPr>
+          <a:xfrm>
+            <a:off x="4355789" y="5091463"/>
+            <a:ext cx="154112" cy="154112"/>
+          </a:xfrm>
+          <a:prstGeom prst="ellipse">
+            <a:avLst/>
+          </a:prstGeom>
+        </p:spPr>
+        <p:style>
+          <a:lnRef idx="2">
+            <a:schemeClr val="dk1">
+              <a:shade val="50000"/>
+            </a:schemeClr>
+          </a:lnRef>
+          <a:fillRef idx="1">
+            <a:schemeClr val="dk1"/>
+          </a:fillRef>
+          <a:effectRef idx="0">
+            <a:schemeClr val="dk1"/>
+          </a:effectRef>
+          <a:fontRef idx="minor">
+            <a:schemeClr val="lt1"/>
+          </a:fontRef>
+        </p:style>
+        <p:txBody>
+          <a:bodyPr rtlCol="0" anchor="ctr"/>
+          <a:lstStyle/>
+          <a:p>
+            <a:pPr algn="ctr"/>
+            <a:endParaRPr lang="zh-CN" altLang="en-US"/>
+          </a:p>
+        </p:txBody>
+      </p:sp>
+      <p:sp>
+        <p:nvSpPr>
+          <p:cNvPr id="17" name="椭圆 16">
+            <a:extLst>
+              <a:ext uri="{FF2B5EF4-FFF2-40B4-BE49-F238E27FC236}">
+                <a16:creationId xmlns:a16="http://schemas.microsoft.com/office/drawing/2014/main" id="{B1C50C6F-ADFD-A8E8-A19D-866220F4E5FF}"/>
+              </a:ext>
+            </a:extLst>
+          </p:cNvPr>
+          <p:cNvSpPr/>
+          <p:nvPr/>
+        </p:nvSpPr>
+        <p:spPr>
+          <a:xfrm>
+            <a:off x="4947814" y="4241428"/>
+            <a:ext cx="154112" cy="154112"/>
+          </a:xfrm>
+          <a:prstGeom prst="ellipse">
+            <a:avLst/>
+          </a:prstGeom>
+        </p:spPr>
+        <p:style>
+          <a:lnRef idx="2">
+            <a:schemeClr val="dk1">
+              <a:shade val="50000"/>
+            </a:schemeClr>
+          </a:lnRef>
+          <a:fillRef idx="1">
+            <a:schemeClr val="dk1"/>
+          </a:fillRef>
+          <a:effectRef idx="0">
+            <a:schemeClr val="dk1"/>
+          </a:effectRef>
+          <a:fontRef idx="minor">
+            <a:schemeClr val="lt1"/>
+          </a:fontRef>
+        </p:style>
+        <p:txBody>
+          <a:bodyPr rtlCol="0" anchor="ctr"/>
+          <a:lstStyle/>
+          <a:p>
+            <a:pPr algn="ctr"/>
+            <a:endParaRPr lang="zh-CN" altLang="en-US"/>
+          </a:p>
+        </p:txBody>
+      </p:sp>
+      <p:sp>
+        <p:nvSpPr>
+          <p:cNvPr id="20" name="椭圆 19">
+            <a:extLst>
+              <a:ext uri="{FF2B5EF4-FFF2-40B4-BE49-F238E27FC236}">
+                <a16:creationId xmlns:a16="http://schemas.microsoft.com/office/drawing/2014/main" id="{A66E5C58-7EE7-EC8F-59FC-F1854E4B380F}"/>
+              </a:ext>
+            </a:extLst>
+          </p:cNvPr>
+          <p:cNvSpPr/>
+          <p:nvPr/>
+        </p:nvSpPr>
+        <p:spPr>
+          <a:xfrm>
+            <a:off x="5496221" y="5091463"/>
+            <a:ext cx="154112" cy="154112"/>
+          </a:xfrm>
+          <a:prstGeom prst="ellipse">
+            <a:avLst/>
+          </a:prstGeom>
+        </p:spPr>
+        <p:style>
+          <a:lnRef idx="2">
+            <a:schemeClr val="dk1">
+              <a:shade val="50000"/>
+            </a:schemeClr>
+          </a:lnRef>
+          <a:fillRef idx="1">
+            <a:schemeClr val="dk1"/>
+          </a:fillRef>
+          <a:effectRef idx="0">
+            <a:schemeClr val="dk1"/>
+          </a:effectRef>
+          <a:fontRef idx="minor">
+            <a:schemeClr val="lt1"/>
+          </a:fontRef>
+        </p:style>
+        <p:txBody>
+          <a:bodyPr rtlCol="0" anchor="ctr"/>
+          <a:lstStyle/>
+          <a:p>
+            <a:pPr algn="ctr"/>
+            <a:endParaRPr lang="zh-CN" altLang="en-US"/>
+          </a:p>
+        </p:txBody>
+      </p:sp>
+      <p:sp>
+        <p:nvSpPr>
+          <p:cNvPr id="21" name="椭圆 20">
+            <a:extLst>
+              <a:ext uri="{FF2B5EF4-FFF2-40B4-BE49-F238E27FC236}">
+                <a16:creationId xmlns:a16="http://schemas.microsoft.com/office/drawing/2014/main" id="{AA045241-3A63-C6E1-4558-92D330794042}"/>
+              </a:ext>
+            </a:extLst>
+          </p:cNvPr>
+          <p:cNvSpPr/>
+          <p:nvPr/>
+        </p:nvSpPr>
+        <p:spPr>
+          <a:xfrm>
+            <a:off x="5563456" y="4440767"/>
+            <a:ext cx="154112" cy="154112"/>
+          </a:xfrm>
+          <a:prstGeom prst="ellipse">
+            <a:avLst/>
+          </a:prstGeom>
+        </p:spPr>
+        <p:style>
+          <a:lnRef idx="2">
+            <a:schemeClr val="dk1">
+              <a:shade val="50000"/>
+            </a:schemeClr>
+          </a:lnRef>
+          <a:fillRef idx="1">
+            <a:schemeClr val="dk1"/>
+          </a:fillRef>
+          <a:effectRef idx="0">
+            <a:schemeClr val="dk1"/>
+          </a:effectRef>
+          <a:fontRef idx="minor">
+            <a:schemeClr val="lt1"/>
+          </a:fontRef>
+        </p:style>
+        <p:txBody>
+          <a:bodyPr rtlCol="0" anchor="ctr"/>
+          <a:lstStyle/>
+          <a:p>
+            <a:pPr algn="ctr"/>
+            <a:endParaRPr lang="zh-CN" altLang="en-US"/>
+          </a:p>
+        </p:txBody>
+      </p:sp>
+      <p:cxnSp>
+        <p:nvCxnSpPr>
+          <p:cNvPr id="23" name="直接连接符 22">
+            <a:extLst>
+              <a:ext uri="{FF2B5EF4-FFF2-40B4-BE49-F238E27FC236}">
+                <a16:creationId xmlns:a16="http://schemas.microsoft.com/office/drawing/2014/main" id="{440AB338-822B-03D1-E875-6CB398C7CC73}"/>
+              </a:ext>
+            </a:extLst>
+          </p:cNvPr>
+          <p:cNvCxnSpPr>
+            <a:cxnSpLocks/>
+            <a:stCxn id="8" idx="6"/>
+            <a:endCxn id="9" idx="2"/>
+          </p:cNvCxnSpPr>
+          <p:nvPr/>
+        </p:nvCxnSpPr>
+        <p:spPr>
+          <a:xfrm>
+            <a:off x="1559958" y="4682540"/>
+            <a:ext cx="563366" cy="6849"/>
+          </a:xfrm>
+          <a:prstGeom prst="line">
+            <a:avLst/>
+          </a:prstGeom>
+          <a:ln w="57150">
+            <a:solidFill>
+              <a:srgbClr val="FF0000"/>
+            </a:solidFill>
+          </a:ln>
+        </p:spPr>
+        <p:style>
+          <a:lnRef idx="1">
+            <a:schemeClr val="dk1"/>
+          </a:lnRef>
+          <a:fillRef idx="0">
+            <a:schemeClr val="dk1"/>
+          </a:fillRef>
+          <a:effectRef idx="0">
+            <a:schemeClr val="dk1"/>
+          </a:effectRef>
+          <a:fontRef idx="minor">
+            <a:schemeClr val="tx1"/>
+          </a:fontRef>
+        </p:style>
+      </p:cxnSp>
+      <p:cxnSp>
+        <p:nvCxnSpPr>
+          <p:cNvPr id="28" name="直接连接符 27">
+            <a:extLst>
+              <a:ext uri="{FF2B5EF4-FFF2-40B4-BE49-F238E27FC236}">
+                <a16:creationId xmlns:a16="http://schemas.microsoft.com/office/drawing/2014/main" id="{8DFDA654-7557-2DDD-5B55-EF838A6695F1}"/>
+              </a:ext>
+            </a:extLst>
+          </p:cNvPr>
+          <p:cNvCxnSpPr>
+            <a:stCxn id="10" idx="7"/>
+            <a:endCxn id="12" idx="3"/>
+          </p:cNvCxnSpPr>
+          <p:nvPr/>
+        </p:nvCxnSpPr>
+        <p:spPr>
+          <a:xfrm flipV="1">
+            <a:off x="2770288" y="4372971"/>
+            <a:ext cx="483051" cy="741061"/>
+          </a:xfrm>
+          <a:prstGeom prst="line">
+            <a:avLst/>
+          </a:prstGeom>
+          <a:ln w="57150">
+            <a:solidFill>
+              <a:srgbClr val="FF0000"/>
+            </a:solidFill>
+          </a:ln>
+        </p:spPr>
+        <p:style>
+          <a:lnRef idx="1">
+            <a:schemeClr val="accent1"/>
+          </a:lnRef>
+          <a:fillRef idx="0">
+            <a:schemeClr val="accent1"/>
+          </a:fillRef>
+          <a:effectRef idx="0">
+            <a:schemeClr val="accent1"/>
+          </a:effectRef>
+          <a:fontRef idx="minor">
+            <a:schemeClr val="tx1"/>
+          </a:fontRef>
+        </p:style>
+      </p:cxnSp>
+      <p:cxnSp>
+        <p:nvCxnSpPr>
+          <p:cNvPr id="29" name="直接连接符 28">
+            <a:extLst>
+              <a:ext uri="{FF2B5EF4-FFF2-40B4-BE49-F238E27FC236}">
+                <a16:creationId xmlns:a16="http://schemas.microsoft.com/office/drawing/2014/main" id="{384324C4-CB37-7975-92F2-DC4D01928671}"/>
+              </a:ext>
+            </a:extLst>
+          </p:cNvPr>
+          <p:cNvCxnSpPr>
+            <a:cxnSpLocks/>
+            <a:stCxn id="10" idx="6"/>
+            <a:endCxn id="14" idx="2"/>
+          </p:cNvCxnSpPr>
+          <p:nvPr/>
+        </p:nvCxnSpPr>
+        <p:spPr>
+          <a:xfrm>
+            <a:off x="2792857" y="5168519"/>
+            <a:ext cx="986320" cy="0"/>
+          </a:xfrm>
+          <a:prstGeom prst="line">
+            <a:avLst/>
+          </a:prstGeom>
+          <a:ln w="57150">
+            <a:solidFill>
+              <a:srgbClr val="FF0000"/>
+            </a:solidFill>
+          </a:ln>
+        </p:spPr>
+        <p:style>
+          <a:lnRef idx="1">
+            <a:schemeClr val="accent1"/>
+          </a:lnRef>
+          <a:fillRef idx="0">
+            <a:schemeClr val="accent1"/>
+          </a:fillRef>
+          <a:effectRef idx="0">
+            <a:schemeClr val="accent1"/>
+          </a:effectRef>
+          <a:fontRef idx="minor">
+            <a:schemeClr val="tx1"/>
+          </a:fontRef>
+        </p:style>
+      </p:cxnSp>
+      <p:cxnSp>
+        <p:nvCxnSpPr>
+          <p:cNvPr id="32" name="直接连接符 31">
+            <a:extLst>
+              <a:ext uri="{FF2B5EF4-FFF2-40B4-BE49-F238E27FC236}">
+                <a16:creationId xmlns:a16="http://schemas.microsoft.com/office/drawing/2014/main" id="{2061579E-5EBA-1843-8E51-24CB1E1C517F}"/>
+              </a:ext>
+            </a:extLst>
+          </p:cNvPr>
+          <p:cNvCxnSpPr>
+            <a:cxnSpLocks/>
+            <a:stCxn id="14" idx="1"/>
+            <a:endCxn id="12" idx="5"/>
+          </p:cNvCxnSpPr>
+          <p:nvPr/>
+        </p:nvCxnSpPr>
+        <p:spPr>
+          <a:xfrm flipH="1" flipV="1">
+            <a:off x="3362313" y="4372971"/>
+            <a:ext cx="439433" cy="741061"/>
+          </a:xfrm>
+          <a:prstGeom prst="line">
+            <a:avLst/>
+          </a:prstGeom>
+          <a:ln w="57150">
+            <a:solidFill>
+              <a:srgbClr val="FF0000"/>
+            </a:solidFill>
+          </a:ln>
+        </p:spPr>
+        <p:style>
+          <a:lnRef idx="1">
+            <a:schemeClr val="accent1"/>
+          </a:lnRef>
+          <a:fillRef idx="0">
+            <a:schemeClr val="accent1"/>
+          </a:fillRef>
+          <a:effectRef idx="0">
+            <a:schemeClr val="accent1"/>
+          </a:effectRef>
+          <a:fontRef idx="minor">
+            <a:schemeClr val="tx1"/>
+          </a:fontRef>
+        </p:style>
+      </p:cxnSp>
+      <p:cxnSp>
+        <p:nvCxnSpPr>
+          <p:cNvPr id="35" name="直接连接符 34">
+            <a:extLst>
+              <a:ext uri="{FF2B5EF4-FFF2-40B4-BE49-F238E27FC236}">
+                <a16:creationId xmlns:a16="http://schemas.microsoft.com/office/drawing/2014/main" id="{AAC9C499-A2FE-4A60-A170-9129582A37A9}"/>
+              </a:ext>
+            </a:extLst>
+          </p:cNvPr>
+          <p:cNvCxnSpPr>
+            <a:cxnSpLocks/>
+            <a:stCxn id="16" idx="7"/>
+            <a:endCxn id="17" idx="3"/>
+          </p:cNvCxnSpPr>
+          <p:nvPr/>
+        </p:nvCxnSpPr>
+        <p:spPr>
+          <a:xfrm flipV="1">
+            <a:off x="4487332" y="4372971"/>
+            <a:ext cx="483051" cy="741061"/>
+          </a:xfrm>
+          <a:prstGeom prst="line">
+            <a:avLst/>
+          </a:prstGeom>
+          <a:ln w="57150">
+            <a:solidFill>
+              <a:srgbClr val="FF0000"/>
+            </a:solidFill>
+          </a:ln>
+        </p:spPr>
+        <p:style>
+          <a:lnRef idx="1">
+            <a:schemeClr val="accent1"/>
+          </a:lnRef>
+          <a:fillRef idx="0">
+            <a:schemeClr val="accent1"/>
+          </a:fillRef>
+          <a:effectRef idx="0">
+            <a:schemeClr val="accent1"/>
+          </a:effectRef>
+          <a:fontRef idx="minor">
+            <a:schemeClr val="tx1"/>
+          </a:fontRef>
+        </p:style>
+      </p:cxnSp>
+      <p:cxnSp>
+        <p:nvCxnSpPr>
+          <p:cNvPr id="38" name="直接连接符 37">
+            <a:extLst>
+              <a:ext uri="{FF2B5EF4-FFF2-40B4-BE49-F238E27FC236}">
+                <a16:creationId xmlns:a16="http://schemas.microsoft.com/office/drawing/2014/main" id="{629DDE43-161F-8B16-1F97-9EABA074A5FA}"/>
+              </a:ext>
+            </a:extLst>
+          </p:cNvPr>
+          <p:cNvCxnSpPr>
+            <a:cxnSpLocks/>
+            <a:stCxn id="20" idx="1"/>
+            <a:endCxn id="17" idx="5"/>
+          </p:cNvCxnSpPr>
+          <p:nvPr/>
+        </p:nvCxnSpPr>
+        <p:spPr>
+          <a:xfrm flipH="1" flipV="1">
+            <a:off x="5079357" y="4372971"/>
+            <a:ext cx="439433" cy="741061"/>
+          </a:xfrm>
+          <a:prstGeom prst="line">
+            <a:avLst/>
+          </a:prstGeom>
+          <a:ln w="57150">
+            <a:solidFill>
+              <a:srgbClr val="FF0000"/>
+            </a:solidFill>
+            <a:prstDash val="sysDot"/>
+          </a:ln>
+        </p:spPr>
+        <p:style>
+          <a:lnRef idx="1">
+            <a:schemeClr val="accent1"/>
+          </a:lnRef>
+          <a:fillRef idx="0">
+            <a:schemeClr val="accent1"/>
+          </a:fillRef>
+          <a:effectRef idx="0">
+            <a:schemeClr val="accent1"/>
+          </a:effectRef>
+          <a:fontRef idx="minor">
+            <a:schemeClr val="tx1"/>
+          </a:fontRef>
+        </p:style>
+      </p:cxnSp>
+      <p:cxnSp>
+        <p:nvCxnSpPr>
+          <p:cNvPr id="41" name="直接连接符 40">
+            <a:extLst>
+              <a:ext uri="{FF2B5EF4-FFF2-40B4-BE49-F238E27FC236}">
+                <a16:creationId xmlns:a16="http://schemas.microsoft.com/office/drawing/2014/main" id="{D4983843-8213-B174-04D8-12245577E3C9}"/>
+              </a:ext>
+            </a:extLst>
+          </p:cNvPr>
+          <p:cNvCxnSpPr>
+            <a:cxnSpLocks/>
+            <a:stCxn id="16" idx="6"/>
+            <a:endCxn id="20" idx="2"/>
+          </p:cNvCxnSpPr>
+          <p:nvPr/>
+        </p:nvCxnSpPr>
+        <p:spPr>
+          <a:xfrm>
+            <a:off x="4509901" y="5168519"/>
+            <a:ext cx="986320" cy="0"/>
+          </a:xfrm>
+          <a:prstGeom prst="line">
+            <a:avLst/>
+          </a:prstGeom>
+          <a:ln w="57150">
+            <a:solidFill>
+              <a:srgbClr val="FF0000"/>
+            </a:solidFill>
+          </a:ln>
+        </p:spPr>
+        <p:style>
+          <a:lnRef idx="1">
+            <a:schemeClr val="accent1"/>
+          </a:lnRef>
+          <a:fillRef idx="0">
+            <a:schemeClr val="accent1"/>
+          </a:fillRef>
+          <a:effectRef idx="0">
+            <a:schemeClr val="accent1"/>
+          </a:effectRef>
+          <a:fontRef idx="minor">
+            <a:schemeClr val="tx1"/>
+          </a:fontRef>
+        </p:style>
+      </p:cxnSp>
+      <p:cxnSp>
+        <p:nvCxnSpPr>
+          <p:cNvPr id="44" name="直接连接符 43">
+            <a:extLst>
+              <a:ext uri="{FF2B5EF4-FFF2-40B4-BE49-F238E27FC236}">
+                <a16:creationId xmlns:a16="http://schemas.microsoft.com/office/drawing/2014/main" id="{6A85DA83-D80E-AAEF-F4FC-ABBA8877D6DB}"/>
+              </a:ext>
+            </a:extLst>
+          </p:cNvPr>
+          <p:cNvCxnSpPr>
+            <a:cxnSpLocks/>
+            <a:stCxn id="21" idx="2"/>
+            <a:endCxn id="17" idx="6"/>
+          </p:cNvCxnSpPr>
+          <p:nvPr/>
+        </p:nvCxnSpPr>
+        <p:spPr>
+          <a:xfrm flipH="1" flipV="1">
+            <a:off x="5101926" y="4318484"/>
+            <a:ext cx="461530" cy="199339"/>
+          </a:xfrm>
+          <a:prstGeom prst="line">
+            <a:avLst/>
+          </a:prstGeom>
+          <a:ln w="57150">
+            <a:solidFill>
+              <a:srgbClr val="FF0000"/>
+            </a:solidFill>
+          </a:ln>
+        </p:spPr>
+        <p:style>
+          <a:lnRef idx="1">
+            <a:schemeClr val="accent1"/>
+          </a:lnRef>
+          <a:fillRef idx="0">
+            <a:schemeClr val="accent1"/>
+          </a:fillRef>
+          <a:effectRef idx="0">
+            <a:schemeClr val="accent1"/>
+          </a:effectRef>
+          <a:fontRef idx="minor">
+            <a:schemeClr val="tx1"/>
+          </a:fontRef>
+        </p:style>
+      </p:cxnSp>
+      <p:cxnSp>
+        <p:nvCxnSpPr>
+          <p:cNvPr id="47" name="直接连接符 46">
+            <a:extLst>
+              <a:ext uri="{FF2B5EF4-FFF2-40B4-BE49-F238E27FC236}">
+                <a16:creationId xmlns:a16="http://schemas.microsoft.com/office/drawing/2014/main" id="{37A34179-5D72-C293-D251-EE6F0EBFC26E}"/>
+              </a:ext>
+            </a:extLst>
+          </p:cNvPr>
+          <p:cNvCxnSpPr>
+            <a:cxnSpLocks/>
+            <a:stCxn id="20" idx="0"/>
+            <a:endCxn id="21" idx="4"/>
+          </p:cNvCxnSpPr>
+          <p:nvPr/>
+        </p:nvCxnSpPr>
+        <p:spPr>
+          <a:xfrm flipV="1">
+            <a:off x="5573277" y="4594879"/>
+            <a:ext cx="67235" cy="496584"/>
+          </a:xfrm>
+          <a:prstGeom prst="line">
+            <a:avLst/>
+          </a:prstGeom>
+          <a:ln w="57150">
+            <a:solidFill>
+              <a:srgbClr val="FF0000"/>
+            </a:solidFill>
+          </a:ln>
+        </p:spPr>
+        <p:style>
+          <a:lnRef idx="1">
+            <a:schemeClr val="accent1"/>
+          </a:lnRef>
+          <a:fillRef idx="0">
+            <a:schemeClr val="accent1"/>
+          </a:fillRef>
+          <a:effectRef idx="0">
+            <a:schemeClr val="accent1"/>
+          </a:effectRef>
+          <a:fontRef idx="minor">
+            <a:schemeClr val="tx1"/>
+          </a:fontRef>
+        </p:style>
+      </p:cxnSp>
+      <p:cxnSp>
+        <p:nvCxnSpPr>
+          <p:cNvPr id="50" name="直接连接符 49">
+            <a:extLst>
+              <a:ext uri="{FF2B5EF4-FFF2-40B4-BE49-F238E27FC236}">
+                <a16:creationId xmlns:a16="http://schemas.microsoft.com/office/drawing/2014/main" id="{EA635B2B-993A-174C-C538-3D1F7AB4027C}"/>
+              </a:ext>
+            </a:extLst>
+          </p:cNvPr>
+          <p:cNvCxnSpPr>
+            <a:cxnSpLocks/>
+            <a:stCxn id="16" idx="7"/>
+            <a:endCxn id="21" idx="3"/>
+          </p:cNvCxnSpPr>
+          <p:nvPr/>
+        </p:nvCxnSpPr>
+        <p:spPr>
+          <a:xfrm flipV="1">
+            <a:off x="4487332" y="4572310"/>
+            <a:ext cx="1098693" cy="541722"/>
+          </a:xfrm>
+          <a:prstGeom prst="line">
+            <a:avLst/>
+          </a:prstGeom>
+          <a:ln w="57150">
+            <a:solidFill>
+              <a:srgbClr val="FF0000"/>
+            </a:solidFill>
+          </a:ln>
+        </p:spPr>
+        <p:style>
+          <a:lnRef idx="1">
+            <a:schemeClr val="accent1"/>
+          </a:lnRef>
+          <a:fillRef idx="0">
+            <a:schemeClr val="accent1"/>
+          </a:fillRef>
+          <a:effectRef idx="0">
+            <a:schemeClr val="accent1"/>
+          </a:effectRef>
+          <a:fontRef idx="minor">
+            <a:schemeClr val="tx1"/>
+          </a:fontRef>
+        </p:style>
+      </p:cxnSp>
+      <p:sp>
+        <p:nvSpPr>
+          <p:cNvPr id="54" name="文本框 53">
+            <a:extLst>
+              <a:ext uri="{FF2B5EF4-FFF2-40B4-BE49-F238E27FC236}">
+                <a16:creationId xmlns:a16="http://schemas.microsoft.com/office/drawing/2014/main" id="{4E8F4928-32F1-8B85-BD38-1E0F9EAED7EF}"/>
+              </a:ext>
+            </a:extLst>
+          </p:cNvPr>
+          <p:cNvSpPr txBox="1"/>
+          <p:nvPr/>
+        </p:nvSpPr>
+        <p:spPr>
+          <a:xfrm>
+            <a:off x="480730" y="5558319"/>
+            <a:ext cx="569387" cy="369332"/>
+          </a:xfrm>
+          <a:prstGeom prst="rect">
+            <a:avLst/>
+          </a:prstGeom>
+          <a:noFill/>
+        </p:spPr>
+        <p:txBody>
+          <a:bodyPr wrap="none" rtlCol="0">
+            <a:spAutoFit/>
+          </a:bodyPr>
+          <a:lstStyle/>
+          <a:p>
+            <a:r>
+              <a:rPr lang="en-US" altLang="zh-CN" dirty="0"/>
+              <a:t>k=0</a:t>
+            </a:r>
+          </a:p>
+        </p:txBody>
+      </p:sp>
+      <p:sp>
+        <p:nvSpPr>
+          <p:cNvPr id="55" name="文本框 54">
+            <a:extLst>
+              <a:ext uri="{FF2B5EF4-FFF2-40B4-BE49-F238E27FC236}">
+                <a16:creationId xmlns:a16="http://schemas.microsoft.com/office/drawing/2014/main" id="{779D3987-6A14-0BB4-515A-8E8A6C192293}"/>
+              </a:ext>
+            </a:extLst>
+          </p:cNvPr>
+          <p:cNvSpPr txBox="1"/>
+          <p:nvPr/>
+        </p:nvSpPr>
+        <p:spPr>
+          <a:xfrm>
+            <a:off x="1559958" y="5558319"/>
+            <a:ext cx="569387" cy="369332"/>
+          </a:xfrm>
+          <a:prstGeom prst="rect">
+            <a:avLst/>
+          </a:prstGeom>
+          <a:noFill/>
+        </p:spPr>
+        <p:txBody>
+          <a:bodyPr wrap="none" rtlCol="0">
+            <a:spAutoFit/>
+          </a:bodyPr>
+          <a:lstStyle/>
+          <a:p>
+            <a:r>
+              <a:rPr lang="en-US" altLang="zh-CN" dirty="0"/>
+              <a:t>k=1</a:t>
+            </a:r>
+          </a:p>
+        </p:txBody>
+      </p:sp>
+      <p:sp>
+        <p:nvSpPr>
+          <p:cNvPr id="56" name="文本框 55">
+            <a:extLst>
+              <a:ext uri="{FF2B5EF4-FFF2-40B4-BE49-F238E27FC236}">
+                <a16:creationId xmlns:a16="http://schemas.microsoft.com/office/drawing/2014/main" id="{78E4F6F9-BEA5-7F57-1E5D-B373DF4D0326}"/>
+              </a:ext>
+            </a:extLst>
+          </p:cNvPr>
+          <p:cNvSpPr txBox="1"/>
+          <p:nvPr/>
+        </p:nvSpPr>
+        <p:spPr>
+          <a:xfrm>
+            <a:off x="2968645" y="5558319"/>
+            <a:ext cx="569387" cy="369332"/>
+          </a:xfrm>
+          <a:prstGeom prst="rect">
+            <a:avLst/>
+          </a:prstGeom>
+          <a:noFill/>
+        </p:spPr>
+        <p:txBody>
+          <a:bodyPr wrap="none" rtlCol="0">
+            <a:spAutoFit/>
+          </a:bodyPr>
+          <a:lstStyle/>
+          <a:p>
+            <a:r>
+              <a:rPr lang="en-US" altLang="zh-CN" dirty="0"/>
+              <a:t>k=2</a:t>
+            </a:r>
+          </a:p>
+        </p:txBody>
+      </p:sp>
+      <p:sp>
+        <p:nvSpPr>
+          <p:cNvPr id="57" name="文本框 56">
+            <a:extLst>
+              <a:ext uri="{FF2B5EF4-FFF2-40B4-BE49-F238E27FC236}">
+                <a16:creationId xmlns:a16="http://schemas.microsoft.com/office/drawing/2014/main" id="{5023A24C-53D4-C2B5-44F0-5C6121BBDD31}"/>
+              </a:ext>
+            </a:extLst>
+          </p:cNvPr>
+          <p:cNvSpPr txBox="1"/>
+          <p:nvPr/>
+        </p:nvSpPr>
+        <p:spPr>
+          <a:xfrm>
+            <a:off x="4751984" y="5558319"/>
+            <a:ext cx="569387" cy="369332"/>
+          </a:xfrm>
+          <a:prstGeom prst="rect">
+            <a:avLst/>
+          </a:prstGeom>
+          <a:noFill/>
+        </p:spPr>
+        <p:txBody>
+          <a:bodyPr wrap="none" rtlCol="0">
+            <a:spAutoFit/>
+          </a:bodyPr>
+          <a:lstStyle/>
+          <a:p>
+            <a:r>
+              <a:rPr lang="en-US" altLang="zh-CN" dirty="0"/>
+              <a:t>k=3</a:t>
+            </a:r>
+          </a:p>
+        </p:txBody>
+      </p:sp>
+      <p:pic>
+        <p:nvPicPr>
+          <p:cNvPr id="63" name="图片 62">
+            <a:extLst>
+              <a:ext uri="{FF2B5EF4-FFF2-40B4-BE49-F238E27FC236}">
+                <a16:creationId xmlns:a16="http://schemas.microsoft.com/office/drawing/2014/main" id="{2B290F4C-8F43-3E85-F841-CF7A018E4599}"/>
+              </a:ext>
+            </a:extLst>
+          </p:cNvPr>
+          <p:cNvPicPr>
+            <a:picLocks noChangeAspect="1"/>
+          </p:cNvPicPr>
+          <p:nvPr/>
+        </p:nvPicPr>
+        <p:blipFill>
+          <a:blip r:embed="rId3"/>
+          <a:stretch>
+            <a:fillRect/>
+          </a:stretch>
+        </p:blipFill>
+        <p:spPr>
+          <a:xfrm>
+            <a:off x="5958673" y="2220738"/>
+            <a:ext cx="5368585" cy="3411341"/>
+          </a:xfrm>
+          <a:prstGeom prst="rect">
+            <a:avLst/>
+          </a:prstGeom>
+        </p:spPr>
+      </p:pic>
+    </p:spTree>
+    <p:extLst>
+      <p:ext uri="{BB962C8B-B14F-4D97-AF65-F5344CB8AC3E}">
+        <p14:creationId xmlns:p14="http://schemas.microsoft.com/office/powerpoint/2010/main" val="1789284626"/>
+      </p:ext>
+    </p:extLst>
+  </p:cSld>
+  <p:clrMapOvr>
+    <a:masterClrMapping/>
+  </p:clrMapOvr>
+</p:sld>
+</file>
+
+<file path=ppt/slides/slide18.xml><?xml version="1.0" encoding="utf-8"?>
+<p:sld xmlns:a="http://schemas.openxmlformats.org/drawingml/2006/main" xmlns:r="http://schemas.openxmlformats.org/officeDocument/2006/relationships" xmlns:p="http://schemas.openxmlformats.org/presentationml/2006/main">
+  <p:cSld>
+    <p:spTree>
+      <p:nvGrpSpPr>
+        <p:cNvPr id="1" name=""/>
+        <p:cNvGrpSpPr/>
+        <p:nvPr/>
+      </p:nvGrpSpPr>
+      <p:grpSpPr>
+        <a:xfrm>
+          <a:off x="0" y="0"/>
+          <a:ext cx="0" cy="0"/>
+          <a:chOff x="0" y="0"/>
+          <a:chExt cx="0" cy="0"/>
+        </a:xfrm>
+      </p:grpSpPr>
+      <p:pic>
+        <p:nvPicPr>
+          <p:cNvPr id="33" name="图片 32">
+            <a:extLst>
+              <a:ext uri="{FF2B5EF4-FFF2-40B4-BE49-F238E27FC236}">
+                <a16:creationId xmlns:a16="http://schemas.microsoft.com/office/drawing/2014/main" id="{4FFB696D-F70E-86BE-DF6F-53537062B55A}"/>
+              </a:ext>
+            </a:extLst>
+          </p:cNvPr>
+          <p:cNvPicPr>
+            <a:picLocks noChangeAspect="1"/>
+          </p:cNvPicPr>
+          <p:nvPr/>
+        </p:nvPicPr>
+        <p:blipFill>
+          <a:blip r:embed="rId3"/>
+          <a:stretch>
+            <a:fillRect/>
+          </a:stretch>
+        </p:blipFill>
+        <p:spPr>
+          <a:xfrm>
+            <a:off x="2409912" y="1974188"/>
+            <a:ext cx="7643276" cy="4856740"/>
+          </a:xfrm>
+          <a:prstGeom prst="rect">
+            <a:avLst/>
+          </a:prstGeom>
+        </p:spPr>
+      </p:pic>
+      <p:sp>
+        <p:nvSpPr>
+          <p:cNvPr id="6" name="Title 1">
+            <a:extLst>
+              <a:ext uri="{FF2B5EF4-FFF2-40B4-BE49-F238E27FC236}">
+                <a16:creationId xmlns:a16="http://schemas.microsoft.com/office/drawing/2014/main" id="{CC540A02-69BC-A262-B4B9-1EFA092D55CA}"/>
+              </a:ext>
+            </a:extLst>
+          </p:cNvPr>
+          <p:cNvSpPr>
+            <a:spLocks noGrp="1"/>
+          </p:cNvSpPr>
+          <p:nvPr>
+            <p:ph type="title"/>
+          </p:nvPr>
+        </p:nvSpPr>
+        <p:spPr>
+          <a:xfrm>
+            <a:off x="864742" y="18255"/>
+            <a:ext cx="10515600" cy="1325563"/>
+          </a:xfrm>
+        </p:spPr>
+        <p:txBody>
+          <a:bodyPr>
+            <a:normAutofit/>
+          </a:bodyPr>
+          <a:lstStyle/>
+          <a:p>
+            <a:r>
+              <a:rPr lang="en-US" b="1" dirty="0"/>
+              <a:t>Gilbert–Johnson–Keerthi (GJK)</a:t>
+            </a:r>
+            <a:endParaRPr lang="en-CN" b="1" dirty="0"/>
+          </a:p>
+        </p:txBody>
+      </p:sp>
+      <p:sp>
+        <p:nvSpPr>
+          <p:cNvPr id="2" name="Title 1">
+            <a:extLst>
+              <a:ext uri="{FF2B5EF4-FFF2-40B4-BE49-F238E27FC236}">
+                <a16:creationId xmlns:a16="http://schemas.microsoft.com/office/drawing/2014/main" id="{0815BC5E-5800-797F-6567-C69DC2C4EF25}"/>
+              </a:ext>
+            </a:extLst>
+          </p:cNvPr>
+          <p:cNvSpPr txBox="1">
+            <a:spLocks/>
+          </p:cNvSpPr>
+          <p:nvPr/>
+        </p:nvSpPr>
+        <p:spPr>
+          <a:xfrm>
+            <a:off x="811658" y="1022958"/>
+            <a:ext cx="10839785" cy="1068598"/>
+          </a:xfrm>
+          <a:prstGeom prst="rect">
+            <a:avLst/>
+          </a:prstGeom>
+        </p:spPr>
+        <p:txBody>
+          <a:bodyPr vert="horz" lIns="91440" tIns="45720" rIns="91440" bIns="45720" rtlCol="0" anchor="ctr">
+            <a:normAutofit/>
+          </a:bodyPr>
+          <a:lstStyle>
+            <a:lvl1pPr algn="l" defTabSz="914400" rtl="0" eaLnBrk="1" latinLnBrk="0" hangingPunct="1">
+              <a:lnSpc>
+                <a:spcPct val="90000"/>
+              </a:lnSpc>
+              <a:spcBef>
+                <a:spcPct val="0"/>
+              </a:spcBef>
+              <a:buNone/>
+              <a:defRPr sz="4400" kern="1200">
+                <a:solidFill>
+                  <a:schemeClr val="tx1"/>
+                </a:solidFill>
+                <a:latin typeface="+mj-lt"/>
+                <a:ea typeface="+mj-ea"/>
+                <a:cs typeface="+mj-cs"/>
+              </a:defRPr>
+            </a:lvl1pPr>
+          </a:lstStyle>
+          <a:p>
+            <a:r>
+              <a:rPr lang="en-US" sz="2400" dirty="0"/>
+              <a:t>First, we choose the direction, project the two convex sides, and find the points that form the simplex.</a:t>
+            </a:r>
+            <a:endParaRPr lang="en-CN" sz="2400" dirty="0"/>
+          </a:p>
+        </p:txBody>
+      </p:sp>
+      <p:cxnSp>
+        <p:nvCxnSpPr>
+          <p:cNvPr id="25" name="直接箭头连接符 24">
+            <a:extLst>
+              <a:ext uri="{FF2B5EF4-FFF2-40B4-BE49-F238E27FC236}">
+                <a16:creationId xmlns:a16="http://schemas.microsoft.com/office/drawing/2014/main" id="{2F1E4E03-3D47-2B10-4749-A39A3987A0FD}"/>
+              </a:ext>
+            </a:extLst>
+          </p:cNvPr>
+          <p:cNvCxnSpPr/>
+          <p:nvPr/>
+        </p:nvCxnSpPr>
+        <p:spPr>
+          <a:xfrm flipV="1">
+            <a:off x="1520575" y="3041151"/>
+            <a:ext cx="0" cy="2496620"/>
+          </a:xfrm>
+          <a:prstGeom prst="straightConnector1">
+            <a:avLst/>
+          </a:prstGeom>
+          <a:ln w="76200">
+            <a:solidFill>
+              <a:srgbClr val="FF0000"/>
+            </a:solidFill>
+            <a:tailEnd type="triangle"/>
+          </a:ln>
+        </p:spPr>
+        <p:style>
+          <a:lnRef idx="1">
+            <a:schemeClr val="accent1"/>
+          </a:lnRef>
+          <a:fillRef idx="0">
+            <a:schemeClr val="accent1"/>
+          </a:fillRef>
+          <a:effectRef idx="0">
+            <a:schemeClr val="accent1"/>
+          </a:effectRef>
+          <a:fontRef idx="minor">
+            <a:schemeClr val="tx1"/>
+          </a:fontRef>
+        </p:style>
+      </p:cxnSp>
+      <p:sp>
+        <p:nvSpPr>
+          <p:cNvPr id="26" name="椭圆 25">
+            <a:extLst>
+              <a:ext uri="{FF2B5EF4-FFF2-40B4-BE49-F238E27FC236}">
+                <a16:creationId xmlns:a16="http://schemas.microsoft.com/office/drawing/2014/main" id="{692418EB-E5AA-5AE5-4295-6AEB1620EC8C}"/>
+              </a:ext>
+            </a:extLst>
+          </p:cNvPr>
+          <p:cNvSpPr/>
+          <p:nvPr/>
+        </p:nvSpPr>
+        <p:spPr>
+          <a:xfrm>
+            <a:off x="7813770" y="1974188"/>
+            <a:ext cx="426104" cy="421241"/>
+          </a:xfrm>
+          <a:prstGeom prst="ellipse">
+            <a:avLst/>
+          </a:prstGeom>
+          <a:noFill/>
+          <a:ln w="28575">
+            <a:solidFill>
+              <a:srgbClr val="FF0000"/>
+            </a:solidFill>
+          </a:ln>
+        </p:spPr>
+        <p:style>
+          <a:lnRef idx="2">
+            <a:schemeClr val="accent1">
+              <a:shade val="50000"/>
+            </a:schemeClr>
+          </a:lnRef>
+          <a:fillRef idx="1">
+            <a:schemeClr val="accent1"/>
+          </a:fillRef>
+          <a:effectRef idx="0">
+            <a:schemeClr val="accent1"/>
+          </a:effectRef>
+          <a:fontRef idx="minor">
+            <a:schemeClr val="lt1"/>
+          </a:fontRef>
+        </p:style>
+        <p:txBody>
+          <a:bodyPr rtlCol="0" anchor="ctr"/>
+          <a:lstStyle/>
+          <a:p>
+            <a:pPr algn="ctr"/>
+            <a:endParaRPr lang="zh-CN" altLang="en-US"/>
+          </a:p>
+        </p:txBody>
+      </p:sp>
+      <p:sp>
+        <p:nvSpPr>
+          <p:cNvPr id="27" name="椭圆 26">
+            <a:extLst>
+              <a:ext uri="{FF2B5EF4-FFF2-40B4-BE49-F238E27FC236}">
+                <a16:creationId xmlns:a16="http://schemas.microsoft.com/office/drawing/2014/main" id="{253CDF02-97B6-56F7-2C6C-E32E412C3619}"/>
+              </a:ext>
+            </a:extLst>
+          </p:cNvPr>
+          <p:cNvSpPr/>
+          <p:nvPr/>
+        </p:nvSpPr>
+        <p:spPr>
+          <a:xfrm>
+            <a:off x="6517514" y="4191937"/>
+            <a:ext cx="426104" cy="421241"/>
+          </a:xfrm>
+          <a:prstGeom prst="ellipse">
+            <a:avLst/>
+          </a:prstGeom>
+          <a:noFill/>
+          <a:ln w="28575">
+            <a:solidFill>
+              <a:srgbClr val="FF0000"/>
+            </a:solidFill>
+          </a:ln>
+        </p:spPr>
+        <p:style>
+          <a:lnRef idx="2">
+            <a:schemeClr val="accent1">
+              <a:shade val="50000"/>
+            </a:schemeClr>
+          </a:lnRef>
+          <a:fillRef idx="1">
+            <a:schemeClr val="accent1"/>
+          </a:fillRef>
+          <a:effectRef idx="0">
+            <a:schemeClr val="accent1"/>
+          </a:effectRef>
+          <a:fontRef idx="minor">
+            <a:schemeClr val="lt1"/>
+          </a:fontRef>
+        </p:style>
+        <p:txBody>
+          <a:bodyPr rtlCol="0" anchor="ctr"/>
+          <a:lstStyle/>
+          <a:p>
+            <a:pPr algn="ctr"/>
+            <a:endParaRPr lang="zh-CN" altLang="en-US"/>
+          </a:p>
+        </p:txBody>
+      </p:sp>
+      <p:sp>
+        <p:nvSpPr>
+          <p:cNvPr id="34" name="椭圆 33">
+            <a:extLst>
+              <a:ext uri="{FF2B5EF4-FFF2-40B4-BE49-F238E27FC236}">
+                <a16:creationId xmlns:a16="http://schemas.microsoft.com/office/drawing/2014/main" id="{84D0A617-2EEF-E6BE-B866-F4E6C0ADFFD2}"/>
+              </a:ext>
+            </a:extLst>
+          </p:cNvPr>
+          <p:cNvSpPr/>
+          <p:nvPr/>
+        </p:nvSpPr>
+        <p:spPr>
+          <a:xfrm>
+            <a:off x="4317132" y="3739874"/>
+            <a:ext cx="426104" cy="421241"/>
+          </a:xfrm>
+          <a:prstGeom prst="ellipse">
+            <a:avLst/>
+          </a:prstGeom>
+          <a:noFill/>
+          <a:ln w="28575">
+            <a:solidFill>
+              <a:srgbClr val="FF0000"/>
+            </a:solidFill>
+          </a:ln>
+        </p:spPr>
+        <p:style>
+          <a:lnRef idx="2">
+            <a:schemeClr val="accent1">
+              <a:shade val="50000"/>
+            </a:schemeClr>
+          </a:lnRef>
+          <a:fillRef idx="1">
+            <a:schemeClr val="accent1"/>
+          </a:fillRef>
+          <a:effectRef idx="0">
+            <a:schemeClr val="accent1"/>
+          </a:effectRef>
+          <a:fontRef idx="minor">
+            <a:schemeClr val="lt1"/>
+          </a:fontRef>
+        </p:style>
+        <p:txBody>
+          <a:bodyPr rtlCol="0" anchor="ctr"/>
+          <a:lstStyle/>
+          <a:p>
+            <a:pPr algn="ctr"/>
+            <a:endParaRPr lang="zh-CN" altLang="en-US"/>
+          </a:p>
+        </p:txBody>
+      </p:sp>
+      <p:cxnSp>
+        <p:nvCxnSpPr>
+          <p:cNvPr id="36" name="直接箭头连接符 35">
+            <a:extLst>
+              <a:ext uri="{FF2B5EF4-FFF2-40B4-BE49-F238E27FC236}">
+                <a16:creationId xmlns:a16="http://schemas.microsoft.com/office/drawing/2014/main" id="{6C970619-AAB9-1E70-FAAC-BFEFAE2FBB6F}"/>
+              </a:ext>
+            </a:extLst>
+          </p:cNvPr>
+          <p:cNvCxnSpPr>
+            <a:cxnSpLocks/>
+          </p:cNvCxnSpPr>
+          <p:nvPr/>
+        </p:nvCxnSpPr>
+        <p:spPr>
+          <a:xfrm>
+            <a:off x="1530849" y="3058112"/>
+            <a:ext cx="0" cy="2479659"/>
+          </a:xfrm>
+          <a:prstGeom prst="straightConnector1">
+            <a:avLst/>
+          </a:prstGeom>
+          <a:ln w="76200">
+            <a:solidFill>
+              <a:srgbClr val="FF0000"/>
+            </a:solidFill>
+            <a:tailEnd type="triangle"/>
+          </a:ln>
+        </p:spPr>
+        <p:style>
+          <a:lnRef idx="1">
+            <a:schemeClr val="accent1"/>
+          </a:lnRef>
+          <a:fillRef idx="0">
+            <a:schemeClr val="accent1"/>
+          </a:fillRef>
+          <a:effectRef idx="0">
+            <a:schemeClr val="accent1"/>
+          </a:effectRef>
+          <a:fontRef idx="minor">
+            <a:schemeClr val="tx1"/>
+          </a:fontRef>
+        </p:style>
+      </p:cxnSp>
+      <p:sp>
+        <p:nvSpPr>
+          <p:cNvPr id="40" name="椭圆 39">
+            <a:extLst>
+              <a:ext uri="{FF2B5EF4-FFF2-40B4-BE49-F238E27FC236}">
+                <a16:creationId xmlns:a16="http://schemas.microsoft.com/office/drawing/2014/main" id="{1C1254BC-8180-1B73-29B6-23A3E599A642}"/>
+              </a:ext>
+            </a:extLst>
+          </p:cNvPr>
+          <p:cNvSpPr/>
+          <p:nvPr/>
+        </p:nvSpPr>
+        <p:spPr>
+          <a:xfrm>
+            <a:off x="7813770" y="3318633"/>
+            <a:ext cx="426104" cy="421241"/>
+          </a:xfrm>
+          <a:prstGeom prst="ellipse">
+            <a:avLst/>
+          </a:prstGeom>
+          <a:noFill/>
+          <a:ln w="28575">
+            <a:solidFill>
+              <a:srgbClr val="FF0000"/>
+            </a:solidFill>
+          </a:ln>
+        </p:spPr>
+        <p:style>
+          <a:lnRef idx="2">
+            <a:schemeClr val="accent1">
+              <a:shade val="50000"/>
+            </a:schemeClr>
+          </a:lnRef>
+          <a:fillRef idx="1">
+            <a:schemeClr val="accent1"/>
+          </a:fillRef>
+          <a:effectRef idx="0">
+            <a:schemeClr val="accent1"/>
+          </a:effectRef>
+          <a:fontRef idx="minor">
+            <a:schemeClr val="lt1"/>
+          </a:fontRef>
+        </p:style>
+        <p:txBody>
+          <a:bodyPr rtlCol="0" anchor="ctr"/>
+          <a:lstStyle/>
+          <a:p>
+            <a:pPr algn="ctr"/>
+            <a:endParaRPr lang="zh-CN" altLang="en-US"/>
+          </a:p>
+        </p:txBody>
+      </p:sp>
+      <p:sp>
+        <p:nvSpPr>
+          <p:cNvPr id="42" name="椭圆 41">
+            <a:extLst>
+              <a:ext uri="{FF2B5EF4-FFF2-40B4-BE49-F238E27FC236}">
+                <a16:creationId xmlns:a16="http://schemas.microsoft.com/office/drawing/2014/main" id="{24EDA5F8-CAB1-6B2B-DC08-46AEB28C9672}"/>
+              </a:ext>
+            </a:extLst>
+          </p:cNvPr>
+          <p:cNvSpPr/>
+          <p:nvPr/>
+        </p:nvSpPr>
+        <p:spPr>
+          <a:xfrm>
+            <a:off x="6517514" y="2830530"/>
+            <a:ext cx="426104" cy="421241"/>
+          </a:xfrm>
+          <a:prstGeom prst="ellipse">
+            <a:avLst/>
+          </a:prstGeom>
+          <a:noFill/>
+          <a:ln w="28575">
+            <a:solidFill>
+              <a:srgbClr val="FF0000"/>
+            </a:solidFill>
+          </a:ln>
+        </p:spPr>
+        <p:style>
+          <a:lnRef idx="2">
+            <a:schemeClr val="accent1">
+              <a:shade val="50000"/>
+            </a:schemeClr>
+          </a:lnRef>
+          <a:fillRef idx="1">
+            <a:schemeClr val="accent1"/>
+          </a:fillRef>
+          <a:effectRef idx="0">
+            <a:schemeClr val="accent1"/>
+          </a:effectRef>
+          <a:fontRef idx="minor">
+            <a:schemeClr val="lt1"/>
+          </a:fontRef>
+        </p:style>
+        <p:txBody>
+          <a:bodyPr rtlCol="0" anchor="ctr"/>
+          <a:lstStyle/>
+          <a:p>
+            <a:pPr algn="ctr"/>
+            <a:endParaRPr lang="zh-CN" altLang="en-US"/>
+          </a:p>
+        </p:txBody>
+      </p:sp>
+      <p:sp>
+        <p:nvSpPr>
+          <p:cNvPr id="43" name="椭圆 42">
+            <a:extLst>
+              <a:ext uri="{FF2B5EF4-FFF2-40B4-BE49-F238E27FC236}">
+                <a16:creationId xmlns:a16="http://schemas.microsoft.com/office/drawing/2014/main" id="{7E7CB526-46A3-01CF-0372-C2052AD46447}"/>
+              </a:ext>
+            </a:extLst>
+          </p:cNvPr>
+          <p:cNvSpPr/>
+          <p:nvPr/>
+        </p:nvSpPr>
+        <p:spPr>
+          <a:xfrm>
+            <a:off x="4265042" y="6409687"/>
+            <a:ext cx="426104" cy="421241"/>
+          </a:xfrm>
+          <a:prstGeom prst="ellipse">
+            <a:avLst/>
+          </a:prstGeom>
+          <a:noFill/>
+          <a:ln w="28575">
+            <a:solidFill>
+              <a:srgbClr val="FF0000"/>
+            </a:solidFill>
+          </a:ln>
+        </p:spPr>
+        <p:style>
+          <a:lnRef idx="2">
+            <a:schemeClr val="accent1">
+              <a:shade val="50000"/>
+            </a:schemeClr>
+          </a:lnRef>
+          <a:fillRef idx="1">
+            <a:schemeClr val="accent1"/>
+          </a:fillRef>
+          <a:effectRef idx="0">
+            <a:schemeClr val="accent1"/>
+          </a:effectRef>
+          <a:fontRef idx="minor">
+            <a:schemeClr val="lt1"/>
+          </a:fontRef>
+        </p:style>
+        <p:txBody>
+          <a:bodyPr rtlCol="0" anchor="ctr"/>
+          <a:lstStyle/>
+          <a:p>
+            <a:pPr algn="ctr"/>
+            <a:endParaRPr lang="zh-CN" altLang="en-US"/>
+          </a:p>
+        </p:txBody>
+      </p:sp>
+    </p:spTree>
+    <p:extLst>
+      <p:ext uri="{BB962C8B-B14F-4D97-AF65-F5344CB8AC3E}">
+        <p14:creationId xmlns:p14="http://schemas.microsoft.com/office/powerpoint/2010/main" val="2337331519"/>
+      </p:ext>
+    </p:extLst>
+  </p:cSld>
+  <p:clrMapOvr>
+    <a:masterClrMapping/>
+  </p:clrMapOvr>
+  <p:timing>
+    <p:tnLst>
+      <p:par>
+        <p:cTn id="1" dur="indefinite" restart="never" nodeType="tmRoot">
+          <p:childTnLst>
+            <p:seq concurrent="1" nextAc="seek">
+              <p:cTn id="2" dur="indefinite" nodeType="mainSeq">
+                <p:childTnLst>
+                  <p:par>
+                    <p:cTn id="3" fill="hold">
+                      <p:stCondLst>
+                        <p:cond delay="indefinite"/>
+                      </p:stCondLst>
+                      <p:childTnLst>
+                        <p:par>
+                          <p:cTn id="4" fill="hold">
+                            <p:stCondLst>
+                              <p:cond delay="0"/>
+                            </p:stCondLst>
+                            <p:childTnLst>
+                              <p:par>
+                                <p:cTn id="5" presetID="10" presetClass="entr" presetSubtype="0" fill="hold" nodeType="clickEffect">
+                                  <p:stCondLst>
+                                    <p:cond delay="0"/>
+                                  </p:stCondLst>
+                                  <p:childTnLst>
+                                    <p:set>
+                                      <p:cBhvr>
+                                        <p:cTn id="6" dur="1" fill="hold">
+                                          <p:stCondLst>
+                                            <p:cond delay="0"/>
+                                          </p:stCondLst>
+                                        </p:cTn>
+                                        <p:tgtEl>
+                                          <p:spTgt spid="25"/>
+                                        </p:tgtEl>
+                                        <p:attrNameLst>
+                                          <p:attrName>style.visibility</p:attrName>
+                                        </p:attrNameLst>
+                                      </p:cBhvr>
+                                      <p:to>
+                                        <p:strVal val="visible"/>
+                                      </p:to>
+                                    </p:set>
+                                    <p:animEffect transition="in" filter="fade">
+                                      <p:cBhvr>
+                                        <p:cTn id="7" dur="500"/>
+                                        <p:tgtEl>
+                                          <p:spTgt spid="25"/>
+                                        </p:tgtEl>
+                                      </p:cBhvr>
+                                    </p:animEffect>
+                                  </p:childTnLst>
+                                </p:cTn>
+                              </p:par>
+                              <p:par>
+                                <p:cTn id="8" presetID="10" presetClass="entr" presetSubtype="0" fill="hold" grpId="0" nodeType="withEffect">
+                                  <p:stCondLst>
+                                    <p:cond delay="0"/>
+                                  </p:stCondLst>
+                                  <p:childTnLst>
+                                    <p:set>
+                                      <p:cBhvr>
+                                        <p:cTn id="9" dur="1" fill="hold">
+                                          <p:stCondLst>
+                                            <p:cond delay="0"/>
+                                          </p:stCondLst>
+                                        </p:cTn>
+                                        <p:tgtEl>
+                                          <p:spTgt spid="34"/>
+                                        </p:tgtEl>
+                                        <p:attrNameLst>
+                                          <p:attrName>style.visibility</p:attrName>
+                                        </p:attrNameLst>
+                                      </p:cBhvr>
+                                      <p:to>
+                                        <p:strVal val="visible"/>
+                                      </p:to>
+                                    </p:set>
+                                    <p:animEffect transition="in" filter="fade">
+                                      <p:cBhvr>
+                                        <p:cTn id="10" dur="500"/>
+                                        <p:tgtEl>
+                                          <p:spTgt spid="34"/>
+                                        </p:tgtEl>
+                                      </p:cBhvr>
+                                    </p:animEffect>
+                                  </p:childTnLst>
+                                </p:cTn>
+                              </p:par>
+                              <p:par>
+                                <p:cTn id="11" presetID="10" presetClass="entr" presetSubtype="0" fill="hold" grpId="0" nodeType="withEffect">
+                                  <p:stCondLst>
+                                    <p:cond delay="0"/>
+                                  </p:stCondLst>
+                                  <p:childTnLst>
+                                    <p:set>
+                                      <p:cBhvr>
+                                        <p:cTn id="12" dur="1" fill="hold">
+                                          <p:stCondLst>
+                                            <p:cond delay="0"/>
+                                          </p:stCondLst>
+                                        </p:cTn>
+                                        <p:tgtEl>
+                                          <p:spTgt spid="27"/>
+                                        </p:tgtEl>
+                                        <p:attrNameLst>
+                                          <p:attrName>style.visibility</p:attrName>
+                                        </p:attrNameLst>
+                                      </p:cBhvr>
+                                      <p:to>
+                                        <p:strVal val="visible"/>
+                                      </p:to>
+                                    </p:set>
+                                    <p:animEffect transition="in" filter="fade">
+                                      <p:cBhvr>
+                                        <p:cTn id="13" dur="500"/>
+                                        <p:tgtEl>
+                                          <p:spTgt spid="27"/>
+                                        </p:tgtEl>
+                                      </p:cBhvr>
+                                    </p:animEffect>
+                                  </p:childTnLst>
+                                </p:cTn>
+                              </p:par>
+                              <p:par>
+                                <p:cTn id="14" presetID="10" presetClass="entr" presetSubtype="0" fill="hold" grpId="0" nodeType="withEffect">
+                                  <p:stCondLst>
+                                    <p:cond delay="0"/>
+                                  </p:stCondLst>
+                                  <p:childTnLst>
+                                    <p:set>
+                                      <p:cBhvr>
+                                        <p:cTn id="15" dur="1" fill="hold">
+                                          <p:stCondLst>
+                                            <p:cond delay="0"/>
+                                          </p:stCondLst>
+                                        </p:cTn>
+                                        <p:tgtEl>
+                                          <p:spTgt spid="26"/>
+                                        </p:tgtEl>
+                                        <p:attrNameLst>
+                                          <p:attrName>style.visibility</p:attrName>
+                                        </p:attrNameLst>
+                                      </p:cBhvr>
+                                      <p:to>
+                                        <p:strVal val="visible"/>
+                                      </p:to>
+                                    </p:set>
+                                    <p:animEffect transition="in" filter="fade">
+                                      <p:cBhvr>
+                                        <p:cTn id="16" dur="500"/>
+                                        <p:tgtEl>
+                                          <p:spTgt spid="26"/>
+                                        </p:tgtEl>
+                                      </p:cBhvr>
+                                    </p:animEffect>
+                                  </p:childTnLst>
+                                </p:cTn>
+                              </p:par>
+                            </p:childTnLst>
+                          </p:cTn>
+                        </p:par>
+                      </p:childTnLst>
+                    </p:cTn>
+                  </p:par>
+                  <p:par>
+                    <p:cTn id="17" fill="hold">
+                      <p:stCondLst>
+                        <p:cond delay="indefinite"/>
+                      </p:stCondLst>
+                      <p:childTnLst>
+                        <p:par>
+                          <p:cTn id="18" fill="hold">
+                            <p:stCondLst>
+                              <p:cond delay="0"/>
+                            </p:stCondLst>
+                            <p:childTnLst>
+                              <p:par>
+                                <p:cTn id="19" presetID="10" presetClass="exit" presetSubtype="0" fill="hold" nodeType="clickEffect">
+                                  <p:stCondLst>
+                                    <p:cond delay="0"/>
+                                  </p:stCondLst>
+                                  <p:childTnLst>
+                                    <p:animEffect transition="out" filter="fade">
+                                      <p:cBhvr>
+                                        <p:cTn id="20" dur="500"/>
+                                        <p:tgtEl>
+                                          <p:spTgt spid="25"/>
+                                        </p:tgtEl>
+                                      </p:cBhvr>
+                                    </p:animEffect>
+                                    <p:set>
+                                      <p:cBhvr>
+                                        <p:cTn id="21" dur="1" fill="hold">
+                                          <p:stCondLst>
+                                            <p:cond delay="499"/>
+                                          </p:stCondLst>
+                                        </p:cTn>
+                                        <p:tgtEl>
+                                          <p:spTgt spid="25"/>
+                                        </p:tgtEl>
+                                        <p:attrNameLst>
+                                          <p:attrName>style.visibility</p:attrName>
+                                        </p:attrNameLst>
+                                      </p:cBhvr>
+                                      <p:to>
+                                        <p:strVal val="hidden"/>
+                                      </p:to>
+                                    </p:set>
+                                  </p:childTnLst>
+                                </p:cTn>
+                              </p:par>
+                              <p:par>
+                                <p:cTn id="22" presetID="10" presetClass="exit" presetSubtype="0" fill="hold" grpId="1" nodeType="withEffect">
+                                  <p:stCondLst>
+                                    <p:cond delay="0"/>
+                                  </p:stCondLst>
+                                  <p:childTnLst>
+                                    <p:animEffect transition="out" filter="fade">
+                                      <p:cBhvr>
+                                        <p:cTn id="23" dur="500"/>
+                                        <p:tgtEl>
+                                          <p:spTgt spid="34"/>
+                                        </p:tgtEl>
+                                      </p:cBhvr>
+                                    </p:animEffect>
+                                    <p:set>
+                                      <p:cBhvr>
+                                        <p:cTn id="24" dur="1" fill="hold">
+                                          <p:stCondLst>
+                                            <p:cond delay="499"/>
+                                          </p:stCondLst>
+                                        </p:cTn>
+                                        <p:tgtEl>
+                                          <p:spTgt spid="34"/>
+                                        </p:tgtEl>
+                                        <p:attrNameLst>
+                                          <p:attrName>style.visibility</p:attrName>
+                                        </p:attrNameLst>
+                                      </p:cBhvr>
+                                      <p:to>
+                                        <p:strVal val="hidden"/>
+                                      </p:to>
+                                    </p:set>
+                                  </p:childTnLst>
+                                </p:cTn>
+                              </p:par>
+                              <p:par>
+                                <p:cTn id="25" presetID="10" presetClass="exit" presetSubtype="0" fill="hold" grpId="1" nodeType="withEffect">
+                                  <p:stCondLst>
+                                    <p:cond delay="0"/>
+                                  </p:stCondLst>
+                                  <p:childTnLst>
+                                    <p:animEffect transition="out" filter="fade">
+                                      <p:cBhvr>
+                                        <p:cTn id="26" dur="500"/>
+                                        <p:tgtEl>
+                                          <p:spTgt spid="27"/>
+                                        </p:tgtEl>
+                                      </p:cBhvr>
+                                    </p:animEffect>
+                                    <p:set>
+                                      <p:cBhvr>
+                                        <p:cTn id="27" dur="1" fill="hold">
+                                          <p:stCondLst>
+                                            <p:cond delay="499"/>
+                                          </p:stCondLst>
+                                        </p:cTn>
+                                        <p:tgtEl>
+                                          <p:spTgt spid="27"/>
+                                        </p:tgtEl>
+                                        <p:attrNameLst>
+                                          <p:attrName>style.visibility</p:attrName>
+                                        </p:attrNameLst>
+                                      </p:cBhvr>
+                                      <p:to>
+                                        <p:strVal val="hidden"/>
+                                      </p:to>
+                                    </p:set>
+                                  </p:childTnLst>
+                                </p:cTn>
+                              </p:par>
+                              <p:par>
+                                <p:cTn id="28" presetID="10" presetClass="exit" presetSubtype="0" fill="hold" grpId="1" nodeType="withEffect">
+                                  <p:stCondLst>
+                                    <p:cond delay="0"/>
+                                  </p:stCondLst>
+                                  <p:childTnLst>
+                                    <p:animEffect transition="out" filter="fade">
+                                      <p:cBhvr>
+                                        <p:cTn id="29" dur="500"/>
+                                        <p:tgtEl>
+                                          <p:spTgt spid="26"/>
+                                        </p:tgtEl>
+                                      </p:cBhvr>
+                                    </p:animEffect>
+                                    <p:set>
+                                      <p:cBhvr>
+                                        <p:cTn id="30" dur="1" fill="hold">
+                                          <p:stCondLst>
+                                            <p:cond delay="499"/>
+                                          </p:stCondLst>
+                                        </p:cTn>
+                                        <p:tgtEl>
+                                          <p:spTgt spid="26"/>
+                                        </p:tgtEl>
+                                        <p:attrNameLst>
+                                          <p:attrName>style.visibility</p:attrName>
+                                        </p:attrNameLst>
+                                      </p:cBhvr>
+                                      <p:to>
+                                        <p:strVal val="hidden"/>
+                                      </p:to>
+                                    </p:set>
+                                  </p:childTnLst>
+                                </p:cTn>
+                              </p:par>
+                            </p:childTnLst>
+                          </p:cTn>
+                        </p:par>
+                      </p:childTnLst>
+                    </p:cTn>
+                  </p:par>
+                  <p:par>
+                    <p:cTn id="31" fill="hold">
+                      <p:stCondLst>
+                        <p:cond delay="indefinite"/>
+                      </p:stCondLst>
+                      <p:childTnLst>
+                        <p:par>
+                          <p:cTn id="32" fill="hold">
+                            <p:stCondLst>
+                              <p:cond delay="0"/>
+                            </p:stCondLst>
+                            <p:childTnLst>
+                              <p:par>
+                                <p:cTn id="33" presetID="10" presetClass="entr" presetSubtype="0" fill="hold" nodeType="clickEffect">
+                                  <p:stCondLst>
+                                    <p:cond delay="0"/>
+                                  </p:stCondLst>
+                                  <p:childTnLst>
+                                    <p:set>
+                                      <p:cBhvr>
+                                        <p:cTn id="34" dur="1" fill="hold">
+                                          <p:stCondLst>
+                                            <p:cond delay="0"/>
+                                          </p:stCondLst>
+                                        </p:cTn>
+                                        <p:tgtEl>
+                                          <p:spTgt spid="36"/>
+                                        </p:tgtEl>
+                                        <p:attrNameLst>
+                                          <p:attrName>style.visibility</p:attrName>
+                                        </p:attrNameLst>
+                                      </p:cBhvr>
+                                      <p:to>
+                                        <p:strVal val="visible"/>
+                                      </p:to>
+                                    </p:set>
+                                    <p:animEffect transition="in" filter="fade">
+                                      <p:cBhvr>
+                                        <p:cTn id="35" dur="500"/>
+                                        <p:tgtEl>
+                                          <p:spTgt spid="36"/>
+                                        </p:tgtEl>
+                                      </p:cBhvr>
+                                    </p:animEffect>
+                                  </p:childTnLst>
+                                </p:cTn>
+                              </p:par>
+                              <p:par>
+                                <p:cTn id="36" presetID="10" presetClass="entr" presetSubtype="0" fill="hold" grpId="0" nodeType="withEffect">
+                                  <p:stCondLst>
+                                    <p:cond delay="0"/>
+                                  </p:stCondLst>
+                                  <p:childTnLst>
+                                    <p:set>
+                                      <p:cBhvr>
+                                        <p:cTn id="37" dur="1" fill="hold">
+                                          <p:stCondLst>
+                                            <p:cond delay="0"/>
+                                          </p:stCondLst>
+                                        </p:cTn>
+                                        <p:tgtEl>
+                                          <p:spTgt spid="43"/>
+                                        </p:tgtEl>
+                                        <p:attrNameLst>
+                                          <p:attrName>style.visibility</p:attrName>
+                                        </p:attrNameLst>
+                                      </p:cBhvr>
+                                      <p:to>
+                                        <p:strVal val="visible"/>
+                                      </p:to>
+                                    </p:set>
+                                    <p:animEffect transition="in" filter="fade">
+                                      <p:cBhvr>
+                                        <p:cTn id="38" dur="500"/>
+                                        <p:tgtEl>
+                                          <p:spTgt spid="43"/>
+                                        </p:tgtEl>
+                                      </p:cBhvr>
+                                    </p:animEffect>
+                                  </p:childTnLst>
+                                </p:cTn>
+                              </p:par>
+                              <p:par>
+                                <p:cTn id="39" presetID="10" presetClass="entr" presetSubtype="0" fill="hold" grpId="0" nodeType="withEffect">
+                                  <p:stCondLst>
+                                    <p:cond delay="0"/>
+                                  </p:stCondLst>
+                                  <p:childTnLst>
+                                    <p:set>
+                                      <p:cBhvr>
+                                        <p:cTn id="40" dur="1" fill="hold">
+                                          <p:stCondLst>
+                                            <p:cond delay="0"/>
+                                          </p:stCondLst>
+                                        </p:cTn>
+                                        <p:tgtEl>
+                                          <p:spTgt spid="42"/>
+                                        </p:tgtEl>
+                                        <p:attrNameLst>
+                                          <p:attrName>style.visibility</p:attrName>
+                                        </p:attrNameLst>
+                                      </p:cBhvr>
+                                      <p:to>
+                                        <p:strVal val="visible"/>
+                                      </p:to>
+                                    </p:set>
+                                    <p:animEffect transition="in" filter="fade">
+                                      <p:cBhvr>
+                                        <p:cTn id="41" dur="500"/>
+                                        <p:tgtEl>
+                                          <p:spTgt spid="42"/>
+                                        </p:tgtEl>
+                                      </p:cBhvr>
+                                    </p:animEffect>
+                                  </p:childTnLst>
+                                </p:cTn>
+                              </p:par>
+                              <p:par>
+                                <p:cTn id="42" presetID="10" presetClass="entr" presetSubtype="0" fill="hold" grpId="0" nodeType="withEffect">
+                                  <p:stCondLst>
+                                    <p:cond delay="0"/>
+                                  </p:stCondLst>
+                                  <p:childTnLst>
+                                    <p:set>
+                                      <p:cBhvr>
+                                        <p:cTn id="43" dur="1" fill="hold">
+                                          <p:stCondLst>
+                                            <p:cond delay="0"/>
+                                          </p:stCondLst>
+                                        </p:cTn>
+                                        <p:tgtEl>
+                                          <p:spTgt spid="40"/>
+                                        </p:tgtEl>
+                                        <p:attrNameLst>
+                                          <p:attrName>style.visibility</p:attrName>
+                                        </p:attrNameLst>
+                                      </p:cBhvr>
+                                      <p:to>
+                                        <p:strVal val="visible"/>
+                                      </p:to>
+                                    </p:set>
+                                    <p:animEffect transition="in" filter="fade">
+                                      <p:cBhvr>
+                                        <p:cTn id="44" dur="500"/>
+                                        <p:tgtEl>
+                                          <p:spTgt spid="40"/>
+                                        </p:tgtEl>
+                                      </p:cBhvr>
+                                    </p:animEffect>
+                                  </p:childTnLst>
+                                </p:cTn>
+                              </p:par>
+                            </p:childTnLst>
+                          </p:cTn>
+                        </p:par>
+                      </p:childTnLst>
+                    </p:cTn>
+                  </p:par>
+                  <p:par>
+                    <p:cTn id="45" fill="hold">
+                      <p:stCondLst>
+                        <p:cond delay="indefinite"/>
+                      </p:stCondLst>
+                      <p:childTnLst>
+                        <p:par>
+                          <p:cTn id="46" fill="hold">
+                            <p:stCondLst>
+                              <p:cond delay="0"/>
+                            </p:stCondLst>
+                            <p:childTnLst>
+                              <p:par>
+                                <p:cTn id="47" presetID="10" presetClass="exit" presetSubtype="0" fill="hold" nodeType="clickEffect">
+                                  <p:stCondLst>
+                                    <p:cond delay="0"/>
+                                  </p:stCondLst>
+                                  <p:childTnLst>
+                                    <p:animEffect transition="out" filter="fade">
+                                      <p:cBhvr>
+                                        <p:cTn id="48" dur="500"/>
+                                        <p:tgtEl>
+                                          <p:spTgt spid="36"/>
+                                        </p:tgtEl>
+                                      </p:cBhvr>
+                                    </p:animEffect>
+                                    <p:set>
+                                      <p:cBhvr>
+                                        <p:cTn id="49" dur="1" fill="hold">
+                                          <p:stCondLst>
+                                            <p:cond delay="499"/>
+                                          </p:stCondLst>
+                                        </p:cTn>
+                                        <p:tgtEl>
+                                          <p:spTgt spid="36"/>
+                                        </p:tgtEl>
+                                        <p:attrNameLst>
+                                          <p:attrName>style.visibility</p:attrName>
+                                        </p:attrNameLst>
+                                      </p:cBhvr>
+                                      <p:to>
+                                        <p:strVal val="hidden"/>
+                                      </p:to>
+                                    </p:set>
+                                  </p:childTnLst>
+                                </p:cTn>
+                              </p:par>
+                              <p:par>
+                                <p:cTn id="50" presetID="10" presetClass="exit" presetSubtype="0" fill="hold" grpId="1" nodeType="withEffect">
+                                  <p:stCondLst>
+                                    <p:cond delay="0"/>
+                                  </p:stCondLst>
+                                  <p:childTnLst>
+                                    <p:animEffect transition="out" filter="fade">
+                                      <p:cBhvr>
+                                        <p:cTn id="51" dur="500"/>
+                                        <p:tgtEl>
+                                          <p:spTgt spid="42"/>
+                                        </p:tgtEl>
+                                      </p:cBhvr>
+                                    </p:animEffect>
+                                    <p:set>
+                                      <p:cBhvr>
+                                        <p:cTn id="52" dur="1" fill="hold">
+                                          <p:stCondLst>
+                                            <p:cond delay="499"/>
+                                          </p:stCondLst>
+                                        </p:cTn>
+                                        <p:tgtEl>
+                                          <p:spTgt spid="42"/>
+                                        </p:tgtEl>
+                                        <p:attrNameLst>
+                                          <p:attrName>style.visibility</p:attrName>
+                                        </p:attrNameLst>
+                                      </p:cBhvr>
+                                      <p:to>
+                                        <p:strVal val="hidden"/>
+                                      </p:to>
+                                    </p:set>
+                                  </p:childTnLst>
+                                </p:cTn>
+                              </p:par>
+                              <p:par>
+                                <p:cTn id="53" presetID="10" presetClass="exit" presetSubtype="0" fill="hold" grpId="1" nodeType="withEffect">
+                                  <p:stCondLst>
+                                    <p:cond delay="0"/>
+                                  </p:stCondLst>
+                                  <p:childTnLst>
+                                    <p:animEffect transition="out" filter="fade">
+                                      <p:cBhvr>
+                                        <p:cTn id="54" dur="500"/>
+                                        <p:tgtEl>
+                                          <p:spTgt spid="40"/>
+                                        </p:tgtEl>
+                                      </p:cBhvr>
+                                    </p:animEffect>
+                                    <p:set>
+                                      <p:cBhvr>
+                                        <p:cTn id="55" dur="1" fill="hold">
+                                          <p:stCondLst>
+                                            <p:cond delay="499"/>
+                                          </p:stCondLst>
+                                        </p:cTn>
+                                        <p:tgtEl>
+                                          <p:spTgt spid="40"/>
+                                        </p:tgtEl>
+                                        <p:attrNameLst>
+                                          <p:attrName>style.visibility</p:attrName>
+                                        </p:attrNameLst>
+                                      </p:cBhvr>
+                                      <p:to>
+                                        <p:strVal val="hidden"/>
+                                      </p:to>
+                                    </p:set>
+                                  </p:childTnLst>
+                                </p:cTn>
+                              </p:par>
+                              <p:par>
+                                <p:cTn id="56" presetID="10" presetClass="exit" presetSubtype="0" fill="hold" grpId="1" nodeType="withEffect">
+                                  <p:stCondLst>
+                                    <p:cond delay="0"/>
+                                  </p:stCondLst>
+                                  <p:childTnLst>
+                                    <p:animEffect transition="out" filter="fade">
+                                      <p:cBhvr>
+                                        <p:cTn id="57" dur="500"/>
+                                        <p:tgtEl>
+                                          <p:spTgt spid="43"/>
+                                        </p:tgtEl>
+                                      </p:cBhvr>
+                                    </p:animEffect>
+                                    <p:set>
+                                      <p:cBhvr>
+                                        <p:cTn id="58" dur="1" fill="hold">
+                                          <p:stCondLst>
+                                            <p:cond delay="499"/>
+                                          </p:stCondLst>
+                                        </p:cTn>
+                                        <p:tgtEl>
+                                          <p:spTgt spid="43"/>
+                                        </p:tgtEl>
+                                        <p:attrNameLst>
+                                          <p:attrName>style.visibility</p:attrName>
+                                        </p:attrNameLst>
+                                      </p:cBhvr>
+                                      <p:to>
+                                        <p:strVal val="hidden"/>
+                                      </p:to>
+                                    </p:set>
+                                  </p:childTnLst>
+                                </p:cTn>
+                              </p:par>
+                            </p:childTnLst>
+                          </p:cTn>
+                        </p:par>
+                      </p:childTnLst>
+                    </p:cTn>
+                  </p:par>
+                </p:childTnLst>
+              </p:cTn>
+              <p:prevCondLst>
+                <p:cond evt="onPrev" delay="0">
+                  <p:tgtEl>
+                    <p:sldTgt/>
+                  </p:tgtEl>
+                </p:cond>
+              </p:prevCondLst>
+              <p:nextCondLst>
+                <p:cond evt="onNext" delay="0">
+                  <p:tgtEl>
+                    <p:sldTgt/>
+                  </p:tgtEl>
+                </p:cond>
+              </p:nextCondLst>
+            </p:seq>
+          </p:childTnLst>
+        </p:cTn>
+      </p:par>
+    </p:tnLst>
+    <p:bldLst>
+      <p:bldP spid="26" grpId="0" animBg="1"/>
+      <p:bldP spid="26" grpId="1" animBg="1"/>
+      <p:bldP spid="27" grpId="0" animBg="1"/>
+      <p:bldP spid="27" grpId="1" animBg="1"/>
+      <p:bldP spid="34" grpId="0" animBg="1"/>
+      <p:bldP spid="34" grpId="1" animBg="1"/>
+      <p:bldP spid="40" grpId="0" animBg="1"/>
+      <p:bldP spid="40" grpId="1" animBg="1"/>
+      <p:bldP spid="42" grpId="0" animBg="1"/>
+      <p:bldP spid="42" grpId="1" animBg="1"/>
+      <p:bldP spid="43" grpId="0" animBg="1"/>
+      <p:bldP spid="43" grpId="1" animBg="1"/>
+    </p:bldLst>
+  </p:timing>
+</p:sld>
+</file>
+
+<file path=ppt/slides/slide19.xml><?xml version="1.0" encoding="utf-8"?>
+<p:sld xmlns:a="http://schemas.openxmlformats.org/drawingml/2006/main" xmlns:r="http://schemas.openxmlformats.org/officeDocument/2006/relationships" xmlns:p="http://schemas.openxmlformats.org/presentationml/2006/main">
+  <p:cSld>
+    <p:spTree>
+      <p:nvGrpSpPr>
+        <p:cNvPr id="1" name=""/>
+        <p:cNvGrpSpPr/>
+        <p:nvPr/>
+      </p:nvGrpSpPr>
+      <p:grpSpPr>
+        <a:xfrm>
+          <a:off x="0" y="0"/>
+          <a:ext cx="0" cy="0"/>
+          <a:chOff x="0" y="0"/>
+          <a:chExt cx="0" cy="0"/>
+        </a:xfrm>
+      </p:grpSpPr>
+      <p:sp>
+        <p:nvSpPr>
+          <p:cNvPr id="6" name="Title 1">
+            <a:extLst>
+              <a:ext uri="{FF2B5EF4-FFF2-40B4-BE49-F238E27FC236}">
+                <a16:creationId xmlns:a16="http://schemas.microsoft.com/office/drawing/2014/main" id="{CC540A02-69BC-A262-B4B9-1EFA092D55CA}"/>
+              </a:ext>
+            </a:extLst>
+          </p:cNvPr>
+          <p:cNvSpPr>
+            <a:spLocks noGrp="1"/>
+          </p:cNvSpPr>
+          <p:nvPr>
+            <p:ph type="title"/>
+          </p:nvPr>
+        </p:nvSpPr>
+        <p:spPr>
+          <a:xfrm>
+            <a:off x="864742" y="18255"/>
+            <a:ext cx="10515600" cy="1325563"/>
+          </a:xfrm>
+        </p:spPr>
+        <p:txBody>
+          <a:bodyPr>
+            <a:normAutofit/>
+          </a:bodyPr>
+          <a:lstStyle/>
+          <a:p>
+            <a:r>
+              <a:rPr lang="en-US" b="1" dirty="0"/>
+              <a:t>Gilbert–Johnson–Keerthi (GJK)</a:t>
+            </a:r>
+            <a:endParaRPr lang="en-CN" b="1" dirty="0"/>
+          </a:p>
+        </p:txBody>
+      </p:sp>
+      <p:sp>
+        <p:nvSpPr>
+          <p:cNvPr id="2" name="Title 1">
+            <a:extLst>
+              <a:ext uri="{FF2B5EF4-FFF2-40B4-BE49-F238E27FC236}">
+                <a16:creationId xmlns:a16="http://schemas.microsoft.com/office/drawing/2014/main" id="{0815BC5E-5800-797F-6567-C69DC2C4EF25}"/>
+              </a:ext>
+            </a:extLst>
+          </p:cNvPr>
+          <p:cNvSpPr txBox="1">
+            <a:spLocks/>
+          </p:cNvSpPr>
+          <p:nvPr/>
+        </p:nvSpPr>
+        <p:spPr>
+          <a:xfrm>
+            <a:off x="811658" y="1022958"/>
+            <a:ext cx="10839785" cy="1068598"/>
+          </a:xfrm>
+          <a:prstGeom prst="rect">
+            <a:avLst/>
+          </a:prstGeom>
+        </p:spPr>
+        <p:txBody>
+          <a:bodyPr vert="horz" lIns="91440" tIns="45720" rIns="91440" bIns="45720" rtlCol="0" anchor="ctr">
+            <a:normAutofit/>
+          </a:bodyPr>
+          <a:lstStyle>
+            <a:lvl1pPr algn="l" defTabSz="914400" rtl="0" eaLnBrk="1" latinLnBrk="0" hangingPunct="1">
+              <a:lnSpc>
+                <a:spcPct val="90000"/>
+              </a:lnSpc>
+              <a:spcBef>
+                <a:spcPct val="0"/>
+              </a:spcBef>
+              <a:buNone/>
+              <a:defRPr sz="4400" kern="1200">
+                <a:solidFill>
+                  <a:schemeClr val="tx1"/>
+                </a:solidFill>
+                <a:latin typeface="+mj-lt"/>
+                <a:ea typeface="+mj-ea"/>
+                <a:cs typeface="+mj-cs"/>
+              </a:defRPr>
+            </a:lvl1pPr>
+          </a:lstStyle>
+          <a:p>
+            <a:r>
+              <a:rPr lang="en-US" sz="2400" dirty="0"/>
+              <a:t>First, we choose the direction, project the two convex sides, and find the points that form the simplex.</a:t>
+            </a:r>
+            <a:endParaRPr lang="en-CN" sz="2400" dirty="0"/>
+          </a:p>
+        </p:txBody>
+      </p:sp>
+      <p:pic>
+        <p:nvPicPr>
+          <p:cNvPr id="7" name="图片 6">
+            <a:extLst>
+              <a:ext uri="{FF2B5EF4-FFF2-40B4-BE49-F238E27FC236}">
+                <a16:creationId xmlns:a16="http://schemas.microsoft.com/office/drawing/2014/main" id="{A0741562-2EA6-782E-0DED-FBE949638755}"/>
+              </a:ext>
+            </a:extLst>
+          </p:cNvPr>
+          <p:cNvPicPr>
+            <a:picLocks noChangeAspect="1"/>
+          </p:cNvPicPr>
+          <p:nvPr/>
+        </p:nvPicPr>
+        <p:blipFill>
+          <a:blip r:embed="rId3"/>
+          <a:stretch>
+            <a:fillRect/>
+          </a:stretch>
+        </p:blipFill>
+        <p:spPr>
+          <a:xfrm>
+            <a:off x="2499232" y="1962364"/>
+            <a:ext cx="7421958" cy="4867107"/>
+          </a:xfrm>
+          <a:prstGeom prst="rect">
+            <a:avLst/>
+          </a:prstGeom>
+        </p:spPr>
+      </p:pic>
+      <p:cxnSp>
+        <p:nvCxnSpPr>
+          <p:cNvPr id="9" name="直接箭头连接符 8">
+            <a:extLst>
+              <a:ext uri="{FF2B5EF4-FFF2-40B4-BE49-F238E27FC236}">
+                <a16:creationId xmlns:a16="http://schemas.microsoft.com/office/drawing/2014/main" id="{BB9A7A31-5BD6-6E5B-6455-CBAF0E831C87}"/>
+              </a:ext>
+            </a:extLst>
+          </p:cNvPr>
+          <p:cNvCxnSpPr/>
+          <p:nvPr/>
+        </p:nvCxnSpPr>
+        <p:spPr>
+          <a:xfrm flipH="1">
+            <a:off x="636998" y="4048018"/>
+            <a:ext cx="1315092" cy="0"/>
+          </a:xfrm>
+          <a:prstGeom prst="straightConnector1">
+            <a:avLst/>
+          </a:prstGeom>
+          <a:ln w="76200">
+            <a:solidFill>
+              <a:srgbClr val="FF0000"/>
+            </a:solidFill>
+            <a:tailEnd type="triangle"/>
+          </a:ln>
+        </p:spPr>
+        <p:style>
+          <a:lnRef idx="1">
+            <a:schemeClr val="accent1"/>
+          </a:lnRef>
+          <a:fillRef idx="0">
+            <a:schemeClr val="accent1"/>
+          </a:fillRef>
+          <a:effectRef idx="0">
+            <a:schemeClr val="accent1"/>
+          </a:effectRef>
+          <a:fontRef idx="minor">
+            <a:schemeClr val="tx1"/>
+          </a:fontRef>
+        </p:style>
+      </p:cxnSp>
+      <p:sp>
+        <p:nvSpPr>
+          <p:cNvPr id="10" name="椭圆 9">
+            <a:extLst>
+              <a:ext uri="{FF2B5EF4-FFF2-40B4-BE49-F238E27FC236}">
+                <a16:creationId xmlns:a16="http://schemas.microsoft.com/office/drawing/2014/main" id="{202F5CD1-8CA0-8EFE-15BB-C07D0675CDB7}"/>
+              </a:ext>
+            </a:extLst>
+          </p:cNvPr>
+          <p:cNvSpPr/>
+          <p:nvPr/>
+        </p:nvSpPr>
+        <p:spPr>
+          <a:xfrm>
+            <a:off x="7705618" y="2009564"/>
+            <a:ext cx="493160" cy="493160"/>
+          </a:xfrm>
+          <a:prstGeom prst="ellipse">
+            <a:avLst/>
+          </a:prstGeom>
+          <a:noFill/>
+          <a:ln w="28575">
+            <a:solidFill>
+              <a:srgbClr val="FF0000"/>
+            </a:solidFill>
+          </a:ln>
+        </p:spPr>
+        <p:style>
+          <a:lnRef idx="2">
+            <a:schemeClr val="accent1">
+              <a:shade val="50000"/>
+            </a:schemeClr>
+          </a:lnRef>
+          <a:fillRef idx="1">
+            <a:schemeClr val="accent1"/>
+          </a:fillRef>
+          <a:effectRef idx="0">
+            <a:schemeClr val="accent1"/>
+          </a:effectRef>
+          <a:fontRef idx="minor">
+            <a:schemeClr val="lt1"/>
+          </a:fontRef>
+        </p:style>
+        <p:txBody>
+          <a:bodyPr rtlCol="0" anchor="ctr"/>
+          <a:lstStyle/>
+          <a:p>
+            <a:pPr algn="ctr"/>
+            <a:endParaRPr lang="zh-CN" altLang="en-US"/>
+          </a:p>
+        </p:txBody>
+      </p:sp>
+      <p:sp>
+        <p:nvSpPr>
+          <p:cNvPr id="11" name="椭圆 10">
+            <a:extLst>
+              <a:ext uri="{FF2B5EF4-FFF2-40B4-BE49-F238E27FC236}">
+                <a16:creationId xmlns:a16="http://schemas.microsoft.com/office/drawing/2014/main" id="{2B18A4BF-5CC3-D4FA-7F00-6DD24809B7A3}"/>
+              </a:ext>
+            </a:extLst>
+          </p:cNvPr>
+          <p:cNvSpPr/>
+          <p:nvPr/>
+        </p:nvSpPr>
+        <p:spPr>
+          <a:xfrm>
+            <a:off x="8155967" y="2843755"/>
+            <a:ext cx="493160" cy="493160"/>
+          </a:xfrm>
+          <a:prstGeom prst="ellipse">
+            <a:avLst/>
+          </a:prstGeom>
+          <a:noFill/>
+          <a:ln w="28575">
+            <a:solidFill>
+              <a:srgbClr val="FF0000"/>
+            </a:solidFill>
+          </a:ln>
+        </p:spPr>
+        <p:style>
+          <a:lnRef idx="2">
+            <a:schemeClr val="accent1">
+              <a:shade val="50000"/>
+            </a:schemeClr>
+          </a:lnRef>
+          <a:fillRef idx="1">
+            <a:schemeClr val="accent1"/>
+          </a:fillRef>
+          <a:effectRef idx="0">
+            <a:schemeClr val="accent1"/>
+          </a:effectRef>
+          <a:fontRef idx="minor">
+            <a:schemeClr val="lt1"/>
+          </a:fontRef>
+        </p:style>
+        <p:txBody>
+          <a:bodyPr rtlCol="0" anchor="ctr"/>
+          <a:lstStyle/>
+          <a:p>
+            <a:pPr algn="ctr"/>
+            <a:endParaRPr lang="zh-CN" altLang="en-US"/>
+          </a:p>
+        </p:txBody>
+      </p:sp>
+      <p:sp>
+        <p:nvSpPr>
+          <p:cNvPr id="12" name="椭圆 11">
+            <a:extLst>
+              <a:ext uri="{FF2B5EF4-FFF2-40B4-BE49-F238E27FC236}">
+                <a16:creationId xmlns:a16="http://schemas.microsoft.com/office/drawing/2014/main" id="{4FFB5E98-E066-0A7F-5D10-8B885E25CA5C}"/>
+              </a:ext>
+            </a:extLst>
+          </p:cNvPr>
+          <p:cNvSpPr/>
+          <p:nvPr/>
+        </p:nvSpPr>
+        <p:spPr>
+          <a:xfrm>
+            <a:off x="2519780" y="5018179"/>
+            <a:ext cx="493160" cy="493160"/>
+          </a:xfrm>
+          <a:prstGeom prst="ellipse">
+            <a:avLst/>
+          </a:prstGeom>
+          <a:noFill/>
+          <a:ln w="28575">
+            <a:solidFill>
+              <a:srgbClr val="FF0000"/>
+            </a:solidFill>
+          </a:ln>
+        </p:spPr>
+        <p:style>
+          <a:lnRef idx="2">
+            <a:schemeClr val="accent1">
+              <a:shade val="50000"/>
+            </a:schemeClr>
+          </a:lnRef>
+          <a:fillRef idx="1">
+            <a:schemeClr val="accent1"/>
+          </a:fillRef>
+          <a:effectRef idx="0">
+            <a:schemeClr val="accent1"/>
+          </a:effectRef>
+          <a:fontRef idx="minor">
+            <a:schemeClr val="lt1"/>
+          </a:fontRef>
+        </p:style>
+        <p:txBody>
+          <a:bodyPr rtlCol="0" anchor="ctr"/>
+          <a:lstStyle/>
+          <a:p>
+            <a:pPr algn="ctr"/>
+            <a:endParaRPr lang="zh-CN" altLang="en-US"/>
+          </a:p>
+        </p:txBody>
+      </p:sp>
+    </p:spTree>
+    <p:extLst>
+      <p:ext uri="{BB962C8B-B14F-4D97-AF65-F5344CB8AC3E}">
+        <p14:creationId xmlns:p14="http://schemas.microsoft.com/office/powerpoint/2010/main" val="753028371"/>
+      </p:ext>
+    </p:extLst>
+  </p:cSld>
+  <p:clrMapOvr>
+    <a:masterClrMapping/>
+  </p:clrMapOvr>
+  <p:timing>
+    <p:tnLst>
+      <p:par>
+        <p:cTn id="1" dur="indefinite" restart="never" nodeType="tmRoot">
+          <p:childTnLst>
+            <p:seq concurrent="1" nextAc="seek">
+              <p:cTn id="2" dur="indefinite" nodeType="mainSeq">
+                <p:childTnLst>
+                  <p:par>
+                    <p:cTn id="3" fill="hold">
+                      <p:stCondLst>
+                        <p:cond delay="indefinite"/>
+                      </p:stCondLst>
+                      <p:childTnLst>
+                        <p:par>
+                          <p:cTn id="4" fill="hold">
+                            <p:stCondLst>
+                              <p:cond delay="0"/>
+                            </p:stCondLst>
+                            <p:childTnLst>
+                              <p:par>
+                                <p:cTn id="5" presetID="10" presetClass="entr" presetSubtype="0" fill="hold" nodeType="clickEffect">
+                                  <p:stCondLst>
+                                    <p:cond delay="0"/>
+                                  </p:stCondLst>
+                                  <p:childTnLst>
+                                    <p:set>
+                                      <p:cBhvr>
+                                        <p:cTn id="6" dur="1" fill="hold">
+                                          <p:stCondLst>
+                                            <p:cond delay="0"/>
+                                          </p:stCondLst>
+                                        </p:cTn>
+                                        <p:tgtEl>
+                                          <p:spTgt spid="9"/>
+                                        </p:tgtEl>
+                                        <p:attrNameLst>
+                                          <p:attrName>style.visibility</p:attrName>
+                                        </p:attrNameLst>
+                                      </p:cBhvr>
+                                      <p:to>
+                                        <p:strVal val="visible"/>
+                                      </p:to>
+                                    </p:set>
+                                    <p:animEffect transition="in" filter="fade">
+                                      <p:cBhvr>
+                                        <p:cTn id="7" dur="500"/>
+                                        <p:tgtEl>
+                                          <p:spTgt spid="9"/>
+                                        </p:tgtEl>
+                                      </p:cBhvr>
+                                    </p:animEffect>
+                                  </p:childTnLst>
+                                </p:cTn>
+                              </p:par>
+                              <p:par>
+                                <p:cTn id="8" presetID="10" presetClass="entr" presetSubtype="0" fill="hold" grpId="0" nodeType="withEffect">
+                                  <p:stCondLst>
+                                    <p:cond delay="0"/>
+                                  </p:stCondLst>
+                                  <p:childTnLst>
+                                    <p:set>
+                                      <p:cBhvr>
+                                        <p:cTn id="9" dur="1" fill="hold">
+                                          <p:stCondLst>
+                                            <p:cond delay="0"/>
+                                          </p:stCondLst>
+                                        </p:cTn>
+                                        <p:tgtEl>
+                                          <p:spTgt spid="12"/>
+                                        </p:tgtEl>
+                                        <p:attrNameLst>
+                                          <p:attrName>style.visibility</p:attrName>
+                                        </p:attrNameLst>
+                                      </p:cBhvr>
+                                      <p:to>
+                                        <p:strVal val="visible"/>
+                                      </p:to>
+                                    </p:set>
+                                    <p:animEffect transition="in" filter="fade">
+                                      <p:cBhvr>
+                                        <p:cTn id="10" dur="500"/>
+                                        <p:tgtEl>
+                                          <p:spTgt spid="12"/>
+                                        </p:tgtEl>
+                                      </p:cBhvr>
+                                    </p:animEffect>
+                                  </p:childTnLst>
+                                </p:cTn>
+                              </p:par>
+                              <p:par>
+                                <p:cTn id="11" presetID="10" presetClass="entr" presetSubtype="0" fill="hold" grpId="0" nodeType="withEffect">
+                                  <p:stCondLst>
+                                    <p:cond delay="0"/>
+                                  </p:stCondLst>
+                                  <p:childTnLst>
+                                    <p:set>
+                                      <p:cBhvr>
+                                        <p:cTn id="12" dur="1" fill="hold">
+                                          <p:stCondLst>
+                                            <p:cond delay="0"/>
+                                          </p:stCondLst>
+                                        </p:cTn>
+                                        <p:tgtEl>
+                                          <p:spTgt spid="11"/>
+                                        </p:tgtEl>
+                                        <p:attrNameLst>
+                                          <p:attrName>style.visibility</p:attrName>
+                                        </p:attrNameLst>
+                                      </p:cBhvr>
+                                      <p:to>
+                                        <p:strVal val="visible"/>
+                                      </p:to>
+                                    </p:set>
+                                    <p:animEffect transition="in" filter="fade">
+                                      <p:cBhvr>
+                                        <p:cTn id="13" dur="500"/>
+                                        <p:tgtEl>
+                                          <p:spTgt spid="11"/>
+                                        </p:tgtEl>
+                                      </p:cBhvr>
+                                    </p:animEffect>
+                                  </p:childTnLst>
+                                </p:cTn>
+                              </p:par>
+                              <p:par>
+                                <p:cTn id="14" presetID="10" presetClass="entr" presetSubtype="0" fill="hold" grpId="0" nodeType="withEffect">
+                                  <p:stCondLst>
+                                    <p:cond delay="0"/>
+                                  </p:stCondLst>
+                                  <p:childTnLst>
+                                    <p:set>
+                                      <p:cBhvr>
+                                        <p:cTn id="15" dur="1" fill="hold">
+                                          <p:stCondLst>
+                                            <p:cond delay="0"/>
+                                          </p:stCondLst>
+                                        </p:cTn>
+                                        <p:tgtEl>
+                                          <p:spTgt spid="10"/>
+                                        </p:tgtEl>
+                                        <p:attrNameLst>
+                                          <p:attrName>style.visibility</p:attrName>
+                                        </p:attrNameLst>
+                                      </p:cBhvr>
+                                      <p:to>
+                                        <p:strVal val="visible"/>
+                                      </p:to>
+                                    </p:set>
+                                    <p:animEffect transition="in" filter="fade">
+                                      <p:cBhvr>
+                                        <p:cTn id="16" dur="500"/>
+                                        <p:tgtEl>
+                                          <p:spTgt spid="10"/>
+                                        </p:tgtEl>
+                                      </p:cBhvr>
+                                    </p:animEffect>
+                                  </p:childTnLst>
+                                </p:cTn>
+                              </p:par>
+                            </p:childTnLst>
+                          </p:cTn>
+                        </p:par>
+                      </p:childTnLst>
+                    </p:cTn>
+                  </p:par>
+                  <p:par>
+                    <p:cTn id="17" fill="hold">
+                      <p:stCondLst>
+                        <p:cond delay="indefinite"/>
+                      </p:stCondLst>
+                      <p:childTnLst>
+                        <p:par>
+                          <p:cTn id="18" fill="hold">
+                            <p:stCondLst>
+                              <p:cond delay="0"/>
+                            </p:stCondLst>
+                            <p:childTnLst>
+                              <p:par>
+                                <p:cTn id="19" presetID="10" presetClass="exit" presetSubtype="0" fill="hold" nodeType="clickEffect">
+                                  <p:stCondLst>
+                                    <p:cond delay="0"/>
+                                  </p:stCondLst>
+                                  <p:childTnLst>
+                                    <p:animEffect transition="out" filter="fade">
+                                      <p:cBhvr>
+                                        <p:cTn id="20" dur="500"/>
+                                        <p:tgtEl>
+                                          <p:spTgt spid="9"/>
+                                        </p:tgtEl>
+                                      </p:cBhvr>
+                                    </p:animEffect>
+                                    <p:set>
+                                      <p:cBhvr>
+                                        <p:cTn id="21" dur="1" fill="hold">
+                                          <p:stCondLst>
+                                            <p:cond delay="499"/>
+                                          </p:stCondLst>
+                                        </p:cTn>
+                                        <p:tgtEl>
+                                          <p:spTgt spid="9"/>
+                                        </p:tgtEl>
+                                        <p:attrNameLst>
+                                          <p:attrName>style.visibility</p:attrName>
+                                        </p:attrNameLst>
+                                      </p:cBhvr>
+                                      <p:to>
+                                        <p:strVal val="hidden"/>
+                                      </p:to>
+                                    </p:set>
+                                  </p:childTnLst>
+                                </p:cTn>
+                              </p:par>
+                              <p:par>
+                                <p:cTn id="22" presetID="10" presetClass="exit" presetSubtype="0" fill="hold" grpId="1" nodeType="withEffect">
+                                  <p:stCondLst>
+                                    <p:cond delay="0"/>
+                                  </p:stCondLst>
+                                  <p:childTnLst>
+                                    <p:animEffect transition="out" filter="fade">
+                                      <p:cBhvr>
+                                        <p:cTn id="23" dur="500"/>
+                                        <p:tgtEl>
+                                          <p:spTgt spid="12"/>
+                                        </p:tgtEl>
+                                      </p:cBhvr>
+                                    </p:animEffect>
+                                    <p:set>
+                                      <p:cBhvr>
+                                        <p:cTn id="24" dur="1" fill="hold">
+                                          <p:stCondLst>
+                                            <p:cond delay="499"/>
+                                          </p:stCondLst>
+                                        </p:cTn>
+                                        <p:tgtEl>
+                                          <p:spTgt spid="12"/>
+                                        </p:tgtEl>
+                                        <p:attrNameLst>
+                                          <p:attrName>style.visibility</p:attrName>
+                                        </p:attrNameLst>
+                                      </p:cBhvr>
+                                      <p:to>
+                                        <p:strVal val="hidden"/>
+                                      </p:to>
+                                    </p:set>
+                                  </p:childTnLst>
+                                </p:cTn>
+                              </p:par>
+                              <p:par>
+                                <p:cTn id="25" presetID="10" presetClass="exit" presetSubtype="0" fill="hold" grpId="1" nodeType="withEffect">
+                                  <p:stCondLst>
+                                    <p:cond delay="0"/>
+                                  </p:stCondLst>
+                                  <p:childTnLst>
+                                    <p:animEffect transition="out" filter="fade">
+                                      <p:cBhvr>
+                                        <p:cTn id="26" dur="500"/>
+                                        <p:tgtEl>
+                                          <p:spTgt spid="11"/>
+                                        </p:tgtEl>
+                                      </p:cBhvr>
+                                    </p:animEffect>
+                                    <p:set>
+                                      <p:cBhvr>
+                                        <p:cTn id="27" dur="1" fill="hold">
+                                          <p:stCondLst>
+                                            <p:cond delay="499"/>
+                                          </p:stCondLst>
+                                        </p:cTn>
+                                        <p:tgtEl>
+                                          <p:spTgt spid="11"/>
+                                        </p:tgtEl>
+                                        <p:attrNameLst>
+                                          <p:attrName>style.visibility</p:attrName>
+                                        </p:attrNameLst>
+                                      </p:cBhvr>
+                                      <p:to>
+                                        <p:strVal val="hidden"/>
+                                      </p:to>
+                                    </p:set>
+                                  </p:childTnLst>
+                                </p:cTn>
+                              </p:par>
+                              <p:par>
+                                <p:cTn id="28" presetID="10" presetClass="exit" presetSubtype="0" fill="hold" grpId="1" nodeType="withEffect">
+                                  <p:stCondLst>
+                                    <p:cond delay="0"/>
+                                  </p:stCondLst>
+                                  <p:childTnLst>
+                                    <p:animEffect transition="out" filter="fade">
+                                      <p:cBhvr>
+                                        <p:cTn id="29" dur="500"/>
+                                        <p:tgtEl>
+                                          <p:spTgt spid="10"/>
+                                        </p:tgtEl>
+                                      </p:cBhvr>
+                                    </p:animEffect>
+                                    <p:set>
+                                      <p:cBhvr>
+                                        <p:cTn id="30" dur="1" fill="hold">
+                                          <p:stCondLst>
+                                            <p:cond delay="499"/>
+                                          </p:stCondLst>
+                                        </p:cTn>
+                                        <p:tgtEl>
+                                          <p:spTgt spid="10"/>
+                                        </p:tgtEl>
+                                        <p:attrNameLst>
+                                          <p:attrName>style.visibility</p:attrName>
+                                        </p:attrNameLst>
+                                      </p:cBhvr>
+                                      <p:to>
+                                        <p:strVal val="hidden"/>
+                                      </p:to>
+                                    </p:set>
+                                  </p:childTnLst>
+                                </p:cTn>
+                              </p:par>
+                            </p:childTnLst>
+                          </p:cTn>
+                        </p:par>
+                      </p:childTnLst>
+                    </p:cTn>
+                  </p:par>
+                </p:childTnLst>
+              </p:cTn>
+              <p:prevCondLst>
+                <p:cond evt="onPrev" delay="0">
+                  <p:tgtEl>
+                    <p:sldTgt/>
+                  </p:tgtEl>
+                </p:cond>
+              </p:prevCondLst>
+              <p:nextCondLst>
+                <p:cond evt="onNext" delay="0">
+                  <p:tgtEl>
+                    <p:sldTgt/>
+                  </p:tgtEl>
+                </p:cond>
+              </p:nextCondLst>
+            </p:seq>
+          </p:childTnLst>
+        </p:cTn>
+      </p:par>
+    </p:tnLst>
+    <p:bldLst>
+      <p:bldP spid="10" grpId="0" animBg="1"/>
+      <p:bldP spid="10" grpId="1" animBg="1"/>
+      <p:bldP spid="11" grpId="0" animBg="1"/>
+      <p:bldP spid="11" grpId="1" animBg="1"/>
+      <p:bldP spid="12" grpId="0" animBg="1"/>
+      <p:bldP spid="12" grpId="1" animBg="1"/>
+    </p:bldLst>
+  </p:timing>
+</p:sld>
+</file>
+
+<file path=ppt/slides/slide2.xml><?xml version="1.0" encoding="utf-8"?>
+<p:sld xmlns:a="http://schemas.openxmlformats.org/drawingml/2006/main" xmlns:r="http://schemas.openxmlformats.org/officeDocument/2006/relationships" xmlns:p="http://schemas.openxmlformats.org/presentationml/2006/main">
+  <p:cSld>
+    <p:spTree>
+      <p:nvGrpSpPr>
+        <p:cNvPr id="1" name=""/>
+        <p:cNvGrpSpPr/>
+        <p:nvPr/>
+      </p:nvGrpSpPr>
+      <p:grpSpPr>
+        <a:xfrm>
+          <a:off x="0" y="0"/>
+          <a:ext cx="0" cy="0"/>
+          <a:chOff x="0" y="0"/>
+          <a:chExt cx="0" cy="0"/>
+        </a:xfrm>
+      </p:grpSpPr>
+      <p:sp>
+        <p:nvSpPr>
+          <p:cNvPr id="2" name="Title 1">
+            <a:extLst>
+              <a:ext uri="{FF2B5EF4-FFF2-40B4-BE49-F238E27FC236}">
+                <a16:creationId xmlns:a16="http://schemas.microsoft.com/office/drawing/2014/main" id="{2BE7FA5A-4350-5843-97F8-51487A3D14D3}"/>
+              </a:ext>
+            </a:extLst>
+          </p:cNvPr>
+          <p:cNvSpPr>
+            <a:spLocks noGrp="1"/>
+          </p:cNvSpPr>
+          <p:nvPr>
+            <p:ph type="title"/>
+          </p:nvPr>
+        </p:nvSpPr>
+        <p:spPr>
+          <a:xfrm>
+            <a:off x="864742" y="18255"/>
+            <a:ext cx="10515600" cy="1325563"/>
+          </a:xfrm>
+        </p:spPr>
+        <p:txBody>
+          <a:bodyPr/>
+          <a:lstStyle/>
+          <a:p>
+            <a:r>
+              <a:rPr lang="en-US" b="1" dirty="0"/>
+              <a:t>Outline Today</a:t>
+            </a:r>
+            <a:endParaRPr lang="en-CN" b="1" dirty="0"/>
+          </a:p>
+        </p:txBody>
+      </p:sp>
+      <p:sp>
+        <p:nvSpPr>
+          <p:cNvPr id="5" name="Slide Number Placeholder 4">
+            <a:extLst>
+              <a:ext uri="{FF2B5EF4-FFF2-40B4-BE49-F238E27FC236}">
+                <a16:creationId xmlns:a16="http://schemas.microsoft.com/office/drawing/2014/main" id="{B3A4222A-46DB-6D44-BC20-9862E8346A24}"/>
+              </a:ext>
+            </a:extLst>
+          </p:cNvPr>
+          <p:cNvSpPr>
+            <a:spLocks noGrp="1"/>
+          </p:cNvSpPr>
+          <p:nvPr>
+            <p:ph type="sldNum" sz="quarter" idx="12"/>
+          </p:nvPr>
+        </p:nvSpPr>
+        <p:spPr/>
+        <p:txBody>
+          <a:bodyPr/>
+          <a:lstStyle/>
+          <a:p>
+            <a:fld id="{4B226B15-CD18-AD48-B4A6-8B862AAA934E}" type="slidenum">
+              <a:rPr kumimoji="1" lang="zh-CN" altLang="en-US" smtClean="0"/>
+              <a:t>2</a:t>
+            </a:fld>
+            <a:endParaRPr kumimoji="1" lang="zh-CN" altLang="en-US"/>
+          </a:p>
+        </p:txBody>
+      </p:sp>
+      <p:sp>
+        <p:nvSpPr>
+          <p:cNvPr id="8" name="Rectangle 7">
+            <a:extLst>
+              <a:ext uri="{FF2B5EF4-FFF2-40B4-BE49-F238E27FC236}">
+                <a16:creationId xmlns:a16="http://schemas.microsoft.com/office/drawing/2014/main" id="{9D6B3B50-0E7A-9C4A-A2EA-CE9DB56ABCB2}"/>
+              </a:ext>
+            </a:extLst>
+          </p:cNvPr>
+          <p:cNvSpPr/>
+          <p:nvPr/>
+        </p:nvSpPr>
+        <p:spPr>
+          <a:xfrm>
+            <a:off x="2701453" y="2427893"/>
+            <a:ext cx="2601795" cy="914400"/>
+          </a:xfrm>
+          <a:prstGeom prst="rect">
+            <a:avLst/>
+          </a:prstGeom>
+        </p:spPr>
+        <p:style>
+          <a:lnRef idx="2">
+            <a:schemeClr val="accent1">
+              <a:shade val="50000"/>
+            </a:schemeClr>
+          </a:lnRef>
+          <a:fillRef idx="1">
+            <a:schemeClr val="accent1"/>
+          </a:fillRef>
+          <a:effectRef idx="0">
+            <a:schemeClr val="accent1"/>
+          </a:effectRef>
+          <a:fontRef idx="minor">
+            <a:schemeClr val="lt1"/>
+          </a:fontRef>
+        </p:style>
+        <p:txBody>
+          <a:bodyPr rtlCol="0" anchor="ctr"/>
+          <a:lstStyle/>
+          <a:p>
+            <a:pPr algn="ctr"/>
+            <a:r>
+              <a:rPr lang="en-CN" sz="2400" dirty="0"/>
+              <a:t>Spatial Hashing</a:t>
+            </a:r>
+          </a:p>
+        </p:txBody>
+      </p:sp>
+      <p:sp>
+        <p:nvSpPr>
+          <p:cNvPr id="10" name="Rectangle 9">
+            <a:extLst>
+              <a:ext uri="{FF2B5EF4-FFF2-40B4-BE49-F238E27FC236}">
+                <a16:creationId xmlns:a16="http://schemas.microsoft.com/office/drawing/2014/main" id="{96AA4538-C7B2-154B-9827-6B2190E97341}"/>
+              </a:ext>
+            </a:extLst>
+          </p:cNvPr>
+          <p:cNvSpPr/>
+          <p:nvPr/>
+        </p:nvSpPr>
+        <p:spPr>
+          <a:xfrm>
+            <a:off x="2701453" y="4058898"/>
+            <a:ext cx="2601795" cy="914400"/>
+          </a:xfrm>
+          <a:prstGeom prst="rect">
+            <a:avLst/>
+          </a:prstGeom>
+        </p:spPr>
+        <p:style>
+          <a:lnRef idx="2">
+            <a:schemeClr val="accent1">
+              <a:shade val="50000"/>
+            </a:schemeClr>
+          </a:lnRef>
+          <a:fillRef idx="1">
+            <a:schemeClr val="accent1"/>
+          </a:fillRef>
+          <a:effectRef idx="0">
+            <a:schemeClr val="accent1"/>
+          </a:effectRef>
+          <a:fontRef idx="minor">
+            <a:schemeClr val="lt1"/>
+          </a:fontRef>
+        </p:style>
+        <p:txBody>
+          <a:bodyPr rtlCol="0" anchor="ctr"/>
+          <a:lstStyle/>
+          <a:p>
+            <a:pPr algn="ctr"/>
+            <a:r>
+              <a:rPr lang="en-CN" sz="2400" dirty="0"/>
+              <a:t>Bounding Volume Hierarchy (BVH)</a:t>
+            </a:r>
+          </a:p>
+        </p:txBody>
+      </p:sp>
+      <p:cxnSp>
+        <p:nvCxnSpPr>
+          <p:cNvPr id="11" name="Straight Connector 10">
+            <a:extLst>
+              <a:ext uri="{FF2B5EF4-FFF2-40B4-BE49-F238E27FC236}">
+                <a16:creationId xmlns:a16="http://schemas.microsoft.com/office/drawing/2014/main" id="{EFFF4101-4D2C-4643-A20D-EAA85DA660D9}"/>
+              </a:ext>
+            </a:extLst>
+          </p:cNvPr>
+          <p:cNvCxnSpPr/>
+          <p:nvPr/>
+        </p:nvCxnSpPr>
+        <p:spPr>
+          <a:xfrm>
+            <a:off x="5908951" y="1507840"/>
+            <a:ext cx="0" cy="4492778"/>
+          </a:xfrm>
+          <a:prstGeom prst="line">
+            <a:avLst/>
+          </a:prstGeom>
+          <a:ln w="25400">
+            <a:solidFill>
+              <a:schemeClr val="tx1"/>
+            </a:solidFill>
+            <a:prstDash val="dash"/>
+          </a:ln>
+        </p:spPr>
+        <p:style>
+          <a:lnRef idx="1">
+            <a:schemeClr val="accent1"/>
+          </a:lnRef>
+          <a:fillRef idx="0">
+            <a:schemeClr val="accent1"/>
+          </a:fillRef>
+          <a:effectRef idx="0">
+            <a:schemeClr val="accent1"/>
+          </a:effectRef>
+          <a:fontRef idx="minor">
+            <a:schemeClr val="tx1"/>
+          </a:fontRef>
+        </p:style>
+      </p:cxnSp>
+      <p:cxnSp>
+        <p:nvCxnSpPr>
+          <p:cNvPr id="12" name="Straight Connector 11">
+            <a:extLst>
+              <a:ext uri="{FF2B5EF4-FFF2-40B4-BE49-F238E27FC236}">
+                <a16:creationId xmlns:a16="http://schemas.microsoft.com/office/drawing/2014/main" id="{198CBCAE-1CB9-934F-8127-61D4B4C58152}"/>
+              </a:ext>
+            </a:extLst>
+          </p:cNvPr>
+          <p:cNvCxnSpPr/>
+          <p:nvPr/>
+        </p:nvCxnSpPr>
+        <p:spPr>
+          <a:xfrm>
+            <a:off x="2024411" y="1461082"/>
+            <a:ext cx="0" cy="4492778"/>
+          </a:xfrm>
+          <a:prstGeom prst="line">
+            <a:avLst/>
+          </a:prstGeom>
+          <a:ln w="25400">
+            <a:solidFill>
+              <a:schemeClr val="tx1"/>
+            </a:solidFill>
+            <a:prstDash val="dash"/>
+          </a:ln>
+        </p:spPr>
+        <p:style>
+          <a:lnRef idx="1">
+            <a:schemeClr val="accent1"/>
+          </a:lnRef>
+          <a:fillRef idx="0">
+            <a:schemeClr val="accent1"/>
+          </a:fillRef>
+          <a:effectRef idx="0">
+            <a:schemeClr val="accent1"/>
+          </a:effectRef>
+          <a:fontRef idx="minor">
+            <a:schemeClr val="tx1"/>
+          </a:fontRef>
+        </p:style>
+      </p:cxnSp>
+      <p:cxnSp>
+        <p:nvCxnSpPr>
+          <p:cNvPr id="13" name="Straight Connector 12">
+            <a:extLst>
+              <a:ext uri="{FF2B5EF4-FFF2-40B4-BE49-F238E27FC236}">
+                <a16:creationId xmlns:a16="http://schemas.microsoft.com/office/drawing/2014/main" id="{000D070C-BC1E-0743-AA9B-C61FE8273A75}"/>
+              </a:ext>
+            </a:extLst>
+          </p:cNvPr>
+          <p:cNvCxnSpPr/>
+          <p:nvPr/>
+        </p:nvCxnSpPr>
+        <p:spPr>
+          <a:xfrm>
+            <a:off x="10508945" y="1507840"/>
+            <a:ext cx="0" cy="4492778"/>
+          </a:xfrm>
+          <a:prstGeom prst="line">
+            <a:avLst/>
+          </a:prstGeom>
+          <a:ln w="25400">
+            <a:solidFill>
+              <a:schemeClr val="tx1"/>
+            </a:solidFill>
+            <a:prstDash val="dash"/>
+          </a:ln>
+        </p:spPr>
+        <p:style>
+          <a:lnRef idx="1">
+            <a:schemeClr val="accent1"/>
+          </a:lnRef>
+          <a:fillRef idx="0">
+            <a:schemeClr val="accent1"/>
+          </a:fillRef>
+          <a:effectRef idx="0">
+            <a:schemeClr val="accent1"/>
+          </a:effectRef>
+          <a:fontRef idx="minor">
+            <a:schemeClr val="tx1"/>
+          </a:fontRef>
+        </p:style>
+      </p:cxnSp>
+      <p:sp>
+        <p:nvSpPr>
+          <p:cNvPr id="14" name="Rectangle 13">
+            <a:extLst>
+              <a:ext uri="{FF2B5EF4-FFF2-40B4-BE49-F238E27FC236}">
+                <a16:creationId xmlns:a16="http://schemas.microsoft.com/office/drawing/2014/main" id="{94F513E7-A611-BF42-B2EE-F76FA18FF988}"/>
+              </a:ext>
+            </a:extLst>
+          </p:cNvPr>
+          <p:cNvSpPr/>
+          <p:nvPr/>
+        </p:nvSpPr>
+        <p:spPr>
+          <a:xfrm>
+            <a:off x="6879314" y="2443133"/>
+            <a:ext cx="2741620" cy="914400"/>
+          </a:xfrm>
+          <a:prstGeom prst="rect">
+            <a:avLst/>
+          </a:prstGeom>
+        </p:spPr>
+        <p:style>
+          <a:lnRef idx="2">
+            <a:schemeClr val="accent6">
+              <a:shade val="50000"/>
+            </a:schemeClr>
+          </a:lnRef>
+          <a:fillRef idx="1">
+            <a:schemeClr val="accent6"/>
+          </a:fillRef>
+          <a:effectRef idx="0">
+            <a:schemeClr val="accent6"/>
+          </a:effectRef>
+          <a:fontRef idx="minor">
+            <a:schemeClr val="lt1"/>
+          </a:fontRef>
+        </p:style>
+        <p:txBody>
+          <a:bodyPr rtlCol="0" anchor="ctr"/>
+          <a:lstStyle/>
+          <a:p>
+            <a:pPr algn="ctr"/>
+            <a:r>
+              <a:rPr lang="en-US" sz="2400" dirty="0"/>
+              <a:t>Gilbert–Johnson–Keerthi </a:t>
+            </a:r>
+            <a:r>
+              <a:rPr lang="en-CN" sz="2400" dirty="0"/>
+              <a:t>(</a:t>
+            </a:r>
+            <a:r>
+              <a:rPr lang="en-US" sz="2400" dirty="0"/>
+              <a:t>GJK</a:t>
+            </a:r>
+            <a:r>
+              <a:rPr lang="en-CN" sz="2400" dirty="0"/>
+              <a:t>)</a:t>
+            </a:r>
+          </a:p>
+        </p:txBody>
+      </p:sp>
+      <p:sp>
+        <p:nvSpPr>
+          <p:cNvPr id="15" name="Rectangle 14">
+            <a:extLst>
+              <a:ext uri="{FF2B5EF4-FFF2-40B4-BE49-F238E27FC236}">
+                <a16:creationId xmlns:a16="http://schemas.microsoft.com/office/drawing/2014/main" id="{53DAC3E8-2A21-5A40-A3C2-D15A96FE9D03}"/>
+              </a:ext>
+            </a:extLst>
+          </p:cNvPr>
+          <p:cNvSpPr/>
+          <p:nvPr/>
+        </p:nvSpPr>
+        <p:spPr>
+          <a:xfrm>
+            <a:off x="6879314" y="4074137"/>
+            <a:ext cx="2741622" cy="1200981"/>
+          </a:xfrm>
+          <a:prstGeom prst="rect">
+            <a:avLst/>
+          </a:prstGeom>
+        </p:spPr>
+        <p:style>
+          <a:lnRef idx="2">
+            <a:schemeClr val="accent6">
+              <a:shade val="50000"/>
+            </a:schemeClr>
+          </a:lnRef>
+          <a:fillRef idx="1">
+            <a:schemeClr val="accent6"/>
+          </a:fillRef>
+          <a:effectRef idx="0">
+            <a:schemeClr val="accent6"/>
+          </a:effectRef>
+          <a:fontRef idx="minor">
+            <a:schemeClr val="lt1"/>
+          </a:fontRef>
+        </p:style>
+        <p:txBody>
+          <a:bodyPr rtlCol="0" anchor="ctr"/>
+          <a:lstStyle/>
+          <a:p>
+            <a:pPr algn="ctr"/>
+            <a:r>
+              <a:rPr lang="en-US" sz="2400" dirty="0"/>
+              <a:t>Separating Axis Theorem </a:t>
+            </a:r>
+            <a:r>
+              <a:rPr lang="en-CN" sz="2400" dirty="0"/>
+              <a:t>(</a:t>
+            </a:r>
+            <a:r>
+              <a:rPr lang="en-US" sz="2400" dirty="0"/>
+              <a:t>SAT</a:t>
+            </a:r>
+            <a:r>
+              <a:rPr lang="en-CN" sz="2400" dirty="0"/>
+              <a:t>)</a:t>
+            </a:r>
+          </a:p>
+        </p:txBody>
+      </p:sp>
+      <p:sp>
+        <p:nvSpPr>
+          <p:cNvPr id="9" name="Right Arrow 8">
+            <a:extLst>
+              <a:ext uri="{FF2B5EF4-FFF2-40B4-BE49-F238E27FC236}">
+                <a16:creationId xmlns:a16="http://schemas.microsoft.com/office/drawing/2014/main" id="{B0D6CF5A-B2B1-264D-9282-72748D7CA76E}"/>
+              </a:ext>
+            </a:extLst>
+          </p:cNvPr>
+          <p:cNvSpPr/>
+          <p:nvPr/>
+        </p:nvSpPr>
+        <p:spPr>
+          <a:xfrm>
+            <a:off x="472568" y="3079566"/>
+            <a:ext cx="2171258" cy="1282535"/>
+          </a:xfrm>
+          <a:prstGeom prst="rightArrow">
+            <a:avLst>
+              <a:gd name="adj1" fmla="val 50000"/>
+              <a:gd name="adj2" fmla="val 41667"/>
+            </a:avLst>
+          </a:prstGeom>
+        </p:spPr>
+        <p:style>
+          <a:lnRef idx="2">
+            <a:schemeClr val="accent3">
+              <a:shade val="50000"/>
+            </a:schemeClr>
+          </a:lnRef>
+          <a:fillRef idx="1">
+            <a:schemeClr val="accent3"/>
+          </a:fillRef>
+          <a:effectRef idx="0">
+            <a:schemeClr val="accent3"/>
+          </a:effectRef>
+          <a:fontRef idx="minor">
+            <a:schemeClr val="lt1"/>
+          </a:fontRef>
+        </p:style>
+        <p:txBody>
+          <a:bodyPr rtlCol="0" anchor="ctr"/>
+          <a:lstStyle/>
+          <a:p>
+            <a:pPr algn="ctr"/>
+            <a:endParaRPr lang="en-CN"/>
+          </a:p>
+        </p:txBody>
+      </p:sp>
+      <p:sp>
+        <p:nvSpPr>
+          <p:cNvPr id="17" name="Right Arrow 16">
+            <a:extLst>
+              <a:ext uri="{FF2B5EF4-FFF2-40B4-BE49-F238E27FC236}">
+                <a16:creationId xmlns:a16="http://schemas.microsoft.com/office/drawing/2014/main" id="{1A4C3306-247C-264F-B4CF-D19BA1BC02E2}"/>
+              </a:ext>
+            </a:extLst>
+          </p:cNvPr>
+          <p:cNvSpPr/>
+          <p:nvPr/>
+        </p:nvSpPr>
+        <p:spPr>
+          <a:xfrm>
+            <a:off x="5031801" y="3241167"/>
+            <a:ext cx="1852537" cy="918858"/>
+          </a:xfrm>
+          <a:prstGeom prst="rightArrow">
+            <a:avLst>
+              <a:gd name="adj1" fmla="val 54744"/>
+              <a:gd name="adj2" fmla="val 39815"/>
+            </a:avLst>
+          </a:prstGeom>
+        </p:spPr>
+        <p:style>
+          <a:lnRef idx="2">
+            <a:schemeClr val="accent3">
+              <a:shade val="50000"/>
+            </a:schemeClr>
+          </a:lnRef>
+          <a:fillRef idx="1">
+            <a:schemeClr val="accent3"/>
+          </a:fillRef>
+          <a:effectRef idx="0">
+            <a:schemeClr val="accent3"/>
+          </a:effectRef>
+          <a:fontRef idx="minor">
+            <a:schemeClr val="lt1"/>
+          </a:fontRef>
+        </p:style>
+        <p:txBody>
+          <a:bodyPr rtlCol="0" anchor="ctr"/>
+          <a:lstStyle/>
+          <a:p>
+            <a:pPr algn="ctr"/>
+            <a:r>
+              <a:rPr lang="en-CN" dirty="0"/>
+              <a:t>Pair Condidates</a:t>
+            </a:r>
+          </a:p>
+        </p:txBody>
+      </p:sp>
+      <mc:AlternateContent xmlns:mc="http://schemas.openxmlformats.org/markup-compatibility/2006" xmlns:a14="http://schemas.microsoft.com/office/drawing/2010/main">
+        <mc:Choice Requires="a14">
+          <p:sp>
+            <p:nvSpPr>
+              <p:cNvPr id="20" name="TextBox 19">
+                <a:extLst>
+                  <a:ext uri="{FF2B5EF4-FFF2-40B4-BE49-F238E27FC236}">
+                    <a16:creationId xmlns:a16="http://schemas.microsoft.com/office/drawing/2014/main" id="{A21D1045-1B97-1745-B273-1AC3541C31ED}"/>
+                  </a:ext>
+                </a:extLst>
+              </p:cNvPr>
+              <p:cNvSpPr txBox="1"/>
+              <p:nvPr/>
+            </p:nvSpPr>
+            <p:spPr>
+              <a:xfrm>
+                <a:off x="740488" y="3476638"/>
+                <a:ext cx="486013" cy="461665"/>
+              </a:xfrm>
+              <a:prstGeom prst="rect">
+                <a:avLst/>
+              </a:prstGeom>
+              <a:noFill/>
+            </p:spPr>
+            <p:txBody>
+              <a:bodyPr wrap="square" lIns="0" tIns="0" rIns="0" bIns="0" rtlCol="0">
+                <a:spAutoFit/>
+              </a:bodyPr>
+              <a:lstStyle/>
+              <a:p>
+                <a:pPr/>
+                <a14:m>
+                  <m:oMathPara xmlns:m="http://schemas.openxmlformats.org/officeDocument/2006/math">
+                    <m:oMathParaPr>
+                      <m:jc m:val="centerGroup"/>
+                    </m:oMathParaPr>
+                    <m:oMath xmlns:m="http://schemas.openxmlformats.org/officeDocument/2006/math">
+                      <m:sSup>
+                        <m:sSupPr>
+                          <m:ctrlPr>
+                            <a:rPr lang="en-US" sz="3000" b="1" i="1" smtClean="0">
+                              <a:solidFill>
+                                <a:schemeClr val="bg1"/>
+                              </a:solidFill>
+                              <a:latin typeface="Cambria Math" panose="02040503050406030204" pitchFamily="18" charset="0"/>
+                            </a:rPr>
+                          </m:ctrlPr>
+                        </m:sSupPr>
+                        <m:e>
+                          <m:r>
+                            <a:rPr lang="en-US" sz="3000" b="1" i="0" smtClean="0">
+                              <a:solidFill>
+                                <a:schemeClr val="bg1"/>
+                              </a:solidFill>
+                              <a:latin typeface="Cambria Math" panose="02040503050406030204" pitchFamily="18" charset="0"/>
+                            </a:rPr>
+                            <m:t>{</m:t>
+                          </m:r>
+                          <m:r>
+                            <a:rPr lang="en-US" sz="3000" b="1">
+                              <a:solidFill>
+                                <a:schemeClr val="bg1"/>
+                              </a:solidFill>
+                              <a:latin typeface="Cambria Math" panose="02040503050406030204" pitchFamily="18" charset="0"/>
+                            </a:rPr>
+                            <m:t>𝐱</m:t>
+                          </m:r>
+                          <m:r>
+                            <a:rPr lang="en-US" sz="3000" b="1" i="0" smtClean="0">
+                              <a:solidFill>
+                                <a:schemeClr val="bg1"/>
+                              </a:solidFill>
+                              <a:latin typeface="Cambria Math" panose="02040503050406030204" pitchFamily="18" charset="0"/>
+                            </a:rPr>
+                            <m:t>,</m:t>
+                          </m:r>
+                          <m:r>
+                            <a:rPr lang="en-US" sz="3000" b="1" smtClean="0">
+                              <a:solidFill>
+                                <a:schemeClr val="bg1"/>
+                              </a:solidFill>
+                              <a:latin typeface="Cambria Math" panose="02040503050406030204" pitchFamily="18" charset="0"/>
+                            </a:rPr>
+                            <m:t>𝐱</m:t>
+                          </m:r>
+                        </m:e>
+                        <m:sup>
+                          <m:r>
+                            <m:rPr>
+                              <m:sty m:val="p"/>
+                            </m:rPr>
+                            <a:rPr lang="en-US" sz="3000" b="0" i="0" smtClean="0">
+                              <a:solidFill>
+                                <a:schemeClr val="bg1"/>
+                              </a:solidFill>
+                              <a:latin typeface="Cambria Math" panose="02040503050406030204" pitchFamily="18" charset="0"/>
+                            </a:rPr>
+                            <m:t>new</m:t>
+                          </m:r>
+                        </m:sup>
+                      </m:sSup>
+                      <m:r>
+                        <a:rPr lang="en-US" sz="3000" b="1" i="1" smtClean="0">
+                          <a:solidFill>
+                            <a:schemeClr val="bg1"/>
+                          </a:solidFill>
+                          <a:latin typeface="Cambria Math" panose="02040503050406030204" pitchFamily="18" charset="0"/>
+                        </a:rPr>
+                        <m:t>}</m:t>
+                      </m:r>
+                    </m:oMath>
+                  </m:oMathPara>
+                </a14:m>
+                <a:endParaRPr lang="en-CN" sz="3000" i="1" dirty="0">
+                  <a:solidFill>
+                    <a:schemeClr val="bg1"/>
+                  </a:solidFill>
+                </a:endParaRPr>
+              </a:p>
+            </p:txBody>
+          </p:sp>
+        </mc:Choice>
+        <mc:Fallback xmlns="">
+          <p:sp>
+            <p:nvSpPr>
+              <p:cNvPr id="20" name="TextBox 19">
+                <a:extLst>
+                  <a:ext uri="{FF2B5EF4-FFF2-40B4-BE49-F238E27FC236}">
+                    <a16:creationId xmlns:a16="http://schemas.microsoft.com/office/drawing/2014/main" id="{A21D1045-1B97-1745-B273-1AC3541C31ED}"/>
+                  </a:ext>
+                </a:extLst>
+              </p:cNvPr>
+              <p:cNvSpPr txBox="1">
+                <a:spLocks noRot="1" noChangeAspect="1" noMove="1" noResize="1" noEditPoints="1" noAdjustHandles="1" noChangeArrowheads="1" noChangeShapeType="1" noTextEdit="1"/>
+              </p:cNvSpPr>
+              <p:nvPr/>
+            </p:nvSpPr>
+            <p:spPr>
+              <a:xfrm>
+                <a:off x="740488" y="3476638"/>
+                <a:ext cx="486013" cy="461665"/>
+              </a:xfrm>
+              <a:prstGeom prst="rect">
+                <a:avLst/>
+              </a:prstGeom>
+              <a:blipFill>
+                <a:blip r:embed="rId3"/>
+                <a:stretch>
+                  <a:fillRect l="-35897" r="-228205" b="-34211"/>
+                </a:stretch>
+              </a:blipFill>
+            </p:spPr>
+            <p:txBody>
+              <a:bodyPr/>
+              <a:lstStyle/>
+              <a:p>
+                <a:r>
+                  <a:rPr lang="en-CN">
+                    <a:noFill/>
+                  </a:rPr>
+                  <a:t> </a:t>
+                </a:r>
+              </a:p>
+            </p:txBody>
+          </p:sp>
+        </mc:Fallback>
+      </mc:AlternateContent>
+      <p:sp>
+        <p:nvSpPr>
+          <p:cNvPr id="21" name="Right Arrow 20">
+            <a:extLst>
+              <a:ext uri="{FF2B5EF4-FFF2-40B4-BE49-F238E27FC236}">
+                <a16:creationId xmlns:a16="http://schemas.microsoft.com/office/drawing/2014/main" id="{680CCD7E-2295-5042-90B0-EB50DDB104A3}"/>
+              </a:ext>
+            </a:extLst>
+          </p:cNvPr>
+          <p:cNvSpPr/>
+          <p:nvPr/>
+        </p:nvSpPr>
+        <p:spPr>
+          <a:xfrm>
+            <a:off x="9510342" y="3261404"/>
+            <a:ext cx="1852537" cy="918858"/>
+          </a:xfrm>
+          <a:prstGeom prst="rightArrow">
+            <a:avLst>
+              <a:gd name="adj1" fmla="val 31481"/>
+              <a:gd name="adj2" fmla="val 39815"/>
+            </a:avLst>
+          </a:prstGeom>
+        </p:spPr>
+        <p:style>
+          <a:lnRef idx="2">
+            <a:schemeClr val="accent3">
+              <a:shade val="50000"/>
+            </a:schemeClr>
+          </a:lnRef>
+          <a:fillRef idx="1">
+            <a:schemeClr val="accent3"/>
+          </a:fillRef>
+          <a:effectRef idx="0">
+            <a:schemeClr val="accent3"/>
+          </a:effectRef>
+          <a:fontRef idx="minor">
+            <a:schemeClr val="lt1"/>
+          </a:fontRef>
+        </p:style>
+        <p:txBody>
+          <a:bodyPr rtlCol="0" anchor="ctr"/>
+          <a:lstStyle/>
+          <a:p>
+            <a:pPr algn="ctr"/>
+            <a:r>
+              <a:rPr lang="en-CN" dirty="0"/>
+              <a:t>Colliding Pairs</a:t>
+            </a:r>
+          </a:p>
+        </p:txBody>
+      </p:sp>
+      <p:sp>
+        <p:nvSpPr>
+          <p:cNvPr id="22" name="Rectangle 21">
+            <a:extLst>
+              <a:ext uri="{FF2B5EF4-FFF2-40B4-BE49-F238E27FC236}">
+                <a16:creationId xmlns:a16="http://schemas.microsoft.com/office/drawing/2014/main" id="{4AA22658-2047-1849-AF3E-7DF1D8139EB9}"/>
+              </a:ext>
+            </a:extLst>
+          </p:cNvPr>
+          <p:cNvSpPr/>
+          <p:nvPr/>
+        </p:nvSpPr>
+        <p:spPr>
+          <a:xfrm>
+            <a:off x="3710858" y="3469763"/>
+            <a:ext cx="450764" cy="461665"/>
+          </a:xfrm>
+          <a:prstGeom prst="rect">
+            <a:avLst/>
+          </a:prstGeom>
+        </p:spPr>
+        <p:txBody>
+          <a:bodyPr wrap="none">
+            <a:spAutoFit/>
+          </a:bodyPr>
+          <a:lstStyle/>
+          <a:p>
+            <a:r>
+              <a:rPr lang="en-US" sz="2400" dirty="0">
+                <a:latin typeface="+mj-lt"/>
+              </a:rPr>
+              <a:t>or</a:t>
+            </a:r>
+            <a:endParaRPr lang="en-CN" sz="2400" dirty="0">
+              <a:latin typeface="+mj-lt"/>
+            </a:endParaRPr>
+          </a:p>
+        </p:txBody>
+      </p:sp>
+      <p:sp>
+        <p:nvSpPr>
+          <p:cNvPr id="23" name="Rectangle 22">
+            <a:extLst>
+              <a:ext uri="{FF2B5EF4-FFF2-40B4-BE49-F238E27FC236}">
+                <a16:creationId xmlns:a16="http://schemas.microsoft.com/office/drawing/2014/main" id="{1BAF2E89-E71F-704E-B42A-C59DCD364F6E}"/>
+              </a:ext>
+            </a:extLst>
+          </p:cNvPr>
+          <p:cNvSpPr/>
+          <p:nvPr/>
+        </p:nvSpPr>
+        <p:spPr>
+          <a:xfrm>
+            <a:off x="7972057" y="3469762"/>
+            <a:ext cx="450764" cy="461665"/>
+          </a:xfrm>
+          <a:prstGeom prst="rect">
+            <a:avLst/>
+          </a:prstGeom>
+        </p:spPr>
+        <p:txBody>
+          <a:bodyPr wrap="none">
+            <a:spAutoFit/>
+          </a:bodyPr>
+          <a:lstStyle/>
+          <a:p>
+            <a:r>
+              <a:rPr lang="en-US" sz="2400" dirty="0">
+                <a:latin typeface="+mj-lt"/>
+              </a:rPr>
+              <a:t>or</a:t>
+            </a:r>
+            <a:endParaRPr lang="en-CN" sz="2400" dirty="0">
+              <a:latin typeface="+mj-lt"/>
+            </a:endParaRPr>
+          </a:p>
+        </p:txBody>
+      </p:sp>
+      <p:sp>
+        <p:nvSpPr>
+          <p:cNvPr id="24" name="Rectangle 23">
+            <a:extLst>
+              <a:ext uri="{FF2B5EF4-FFF2-40B4-BE49-F238E27FC236}">
+                <a16:creationId xmlns:a16="http://schemas.microsoft.com/office/drawing/2014/main" id="{5CE9C90D-23CE-B84B-B751-A8DAAB9A41E8}"/>
+              </a:ext>
+            </a:extLst>
+          </p:cNvPr>
+          <p:cNvSpPr/>
+          <p:nvPr/>
+        </p:nvSpPr>
+        <p:spPr>
+          <a:xfrm>
+            <a:off x="2129689" y="5938620"/>
+            <a:ext cx="3745321" cy="461665"/>
+          </a:xfrm>
+          <a:prstGeom prst="rect">
+            <a:avLst/>
+          </a:prstGeom>
+        </p:spPr>
+        <p:txBody>
+          <a:bodyPr wrap="none">
+            <a:spAutoFit/>
+          </a:bodyPr>
+          <a:lstStyle/>
+          <a:p>
+            <a:r>
+              <a:rPr lang="en-US" sz="2400" dirty="0">
+                <a:latin typeface="+mj-lt"/>
+              </a:rPr>
+              <a:t>Broad-Phase Collision Culling</a:t>
+            </a:r>
+            <a:endParaRPr lang="en-CN" sz="2400" dirty="0">
+              <a:latin typeface="+mj-lt"/>
+            </a:endParaRPr>
+          </a:p>
+        </p:txBody>
+      </p:sp>
+      <p:sp>
+        <p:nvSpPr>
+          <p:cNvPr id="25" name="Rectangle 24">
+            <a:extLst>
+              <a:ext uri="{FF2B5EF4-FFF2-40B4-BE49-F238E27FC236}">
+                <a16:creationId xmlns:a16="http://schemas.microsoft.com/office/drawing/2014/main" id="{C7F98421-1D50-8B41-AE03-23ADDB9C9BAB}"/>
+              </a:ext>
+            </a:extLst>
+          </p:cNvPr>
+          <p:cNvSpPr/>
+          <p:nvPr/>
+        </p:nvSpPr>
+        <p:spPr>
+          <a:xfrm>
+            <a:off x="6397758" y="5938620"/>
+            <a:ext cx="3704732" cy="461665"/>
+          </a:xfrm>
+          <a:prstGeom prst="rect">
+            <a:avLst/>
+          </a:prstGeom>
+        </p:spPr>
+        <p:txBody>
+          <a:bodyPr wrap="none">
+            <a:spAutoFit/>
+          </a:bodyPr>
+          <a:lstStyle/>
+          <a:p>
+            <a:r>
+              <a:rPr lang="en-US" sz="2400" dirty="0">
+                <a:latin typeface="+mj-lt"/>
+              </a:rPr>
+              <a:t>Narrow-Phase Collision Test</a:t>
+            </a:r>
+            <a:endParaRPr lang="en-CN" sz="2400" dirty="0">
+              <a:latin typeface="+mj-lt"/>
+            </a:endParaRPr>
+          </a:p>
+        </p:txBody>
+      </p:sp>
+      <p:sp>
+        <p:nvSpPr>
+          <p:cNvPr id="4" name="文本框 3">
+            <a:extLst>
+              <a:ext uri="{FF2B5EF4-FFF2-40B4-BE49-F238E27FC236}">
+                <a16:creationId xmlns:a16="http://schemas.microsoft.com/office/drawing/2014/main" id="{D5DA588A-0CE4-8539-4DC7-4BA09E406AFF}"/>
+              </a:ext>
+            </a:extLst>
+          </p:cNvPr>
+          <p:cNvSpPr txBox="1"/>
+          <p:nvPr/>
+        </p:nvSpPr>
+        <p:spPr>
+          <a:xfrm>
+            <a:off x="3936240" y="1032793"/>
+            <a:ext cx="4069773" cy="461665"/>
+          </a:xfrm>
+          <a:prstGeom prst="rect">
+            <a:avLst/>
+          </a:prstGeom>
+          <a:noFill/>
+        </p:spPr>
+        <p:txBody>
+          <a:bodyPr wrap="square">
+            <a:spAutoFit/>
+          </a:bodyPr>
+          <a:lstStyle/>
+          <a:p>
+            <a:r>
+              <a:rPr lang="en-CN" altLang="zh-CN" sz="2400" b="1" dirty="0">
+                <a:solidFill>
+                  <a:schemeClr val="accent2">
+                    <a:lumMod val="75000"/>
+                  </a:schemeClr>
+                </a:solidFill>
+              </a:rPr>
+              <a:t>Collision Detection Pipeline</a:t>
+            </a:r>
+            <a:endParaRPr lang="zh-CN" altLang="en-US" sz="2400" dirty="0">
+              <a:solidFill>
+                <a:schemeClr val="accent2">
+                  <a:lumMod val="75000"/>
+                </a:schemeClr>
+              </a:solidFill>
+            </a:endParaRPr>
+          </a:p>
+        </p:txBody>
+      </p:sp>
+    </p:spTree>
+    <p:extLst>
+      <p:ext uri="{BB962C8B-B14F-4D97-AF65-F5344CB8AC3E}">
+        <p14:creationId xmlns:p14="http://schemas.microsoft.com/office/powerpoint/2010/main" val="3621487903"/>
+      </p:ext>
+    </p:extLst>
+  </p:cSld>
+  <p:clrMapOvr>
+    <a:masterClrMapping/>
+  </p:clrMapOvr>
+</p:sld>
+</file>
+
+<file path=ppt/slides/slide20.xml><?xml version="1.0" encoding="utf-8"?>
+<p:sld xmlns:a="http://schemas.openxmlformats.org/drawingml/2006/main" xmlns:r="http://schemas.openxmlformats.org/officeDocument/2006/relationships" xmlns:p="http://schemas.openxmlformats.org/presentationml/2006/main">
+  <p:cSld>
+    <p:spTree>
+      <p:nvGrpSpPr>
+        <p:cNvPr id="1" name=""/>
+        <p:cNvGrpSpPr/>
+        <p:nvPr/>
+      </p:nvGrpSpPr>
+      <p:grpSpPr>
+        <a:xfrm>
+          <a:off x="0" y="0"/>
+          <a:ext cx="0" cy="0"/>
+          <a:chOff x="0" y="0"/>
+          <a:chExt cx="0" cy="0"/>
+        </a:xfrm>
+      </p:grpSpPr>
+      <p:sp>
+        <p:nvSpPr>
+          <p:cNvPr id="6" name="Title 1">
+            <a:extLst>
+              <a:ext uri="{FF2B5EF4-FFF2-40B4-BE49-F238E27FC236}">
+                <a16:creationId xmlns:a16="http://schemas.microsoft.com/office/drawing/2014/main" id="{CC540A02-69BC-A262-B4B9-1EFA092D55CA}"/>
+              </a:ext>
+            </a:extLst>
+          </p:cNvPr>
+          <p:cNvSpPr>
+            <a:spLocks noGrp="1"/>
+          </p:cNvSpPr>
+          <p:nvPr>
+            <p:ph type="title"/>
+          </p:nvPr>
+        </p:nvSpPr>
+        <p:spPr>
+          <a:xfrm>
+            <a:off x="864742" y="18255"/>
+            <a:ext cx="10515600" cy="1325563"/>
+          </a:xfrm>
+        </p:spPr>
+        <p:txBody>
+          <a:bodyPr>
+            <a:normAutofit/>
+          </a:bodyPr>
+          <a:lstStyle/>
+          <a:p>
+            <a:r>
+              <a:rPr lang="en-US" b="1" dirty="0"/>
+              <a:t>Gilbert–Johnson–Keerthi (GJK)</a:t>
+            </a:r>
+            <a:endParaRPr lang="en-CN" b="1" dirty="0"/>
+          </a:p>
+        </p:txBody>
+      </p:sp>
+      <p:sp>
+        <p:nvSpPr>
+          <p:cNvPr id="2" name="Title 1">
+            <a:extLst>
+              <a:ext uri="{FF2B5EF4-FFF2-40B4-BE49-F238E27FC236}">
+                <a16:creationId xmlns:a16="http://schemas.microsoft.com/office/drawing/2014/main" id="{0815BC5E-5800-797F-6567-C69DC2C4EF25}"/>
+              </a:ext>
+            </a:extLst>
+          </p:cNvPr>
+          <p:cNvSpPr txBox="1">
+            <a:spLocks/>
+          </p:cNvSpPr>
+          <p:nvPr/>
+        </p:nvSpPr>
+        <p:spPr>
+          <a:xfrm>
+            <a:off x="811658" y="1022958"/>
+            <a:ext cx="10839785" cy="1068598"/>
+          </a:xfrm>
+          <a:prstGeom prst="rect">
+            <a:avLst/>
+          </a:prstGeom>
+        </p:spPr>
+        <p:txBody>
+          <a:bodyPr vert="horz" lIns="91440" tIns="45720" rIns="91440" bIns="45720" rtlCol="0" anchor="ctr">
+            <a:normAutofit/>
+          </a:bodyPr>
+          <a:lstStyle>
+            <a:lvl1pPr algn="l" defTabSz="914400" rtl="0" eaLnBrk="1" latinLnBrk="0" hangingPunct="1">
+              <a:lnSpc>
+                <a:spcPct val="90000"/>
+              </a:lnSpc>
+              <a:spcBef>
+                <a:spcPct val="0"/>
+              </a:spcBef>
+              <a:buNone/>
+              <a:defRPr sz="4400" kern="1200">
+                <a:solidFill>
+                  <a:schemeClr val="tx1"/>
+                </a:solidFill>
+                <a:latin typeface="+mj-lt"/>
+                <a:ea typeface="+mj-ea"/>
+                <a:cs typeface="+mj-cs"/>
+              </a:defRPr>
+            </a:lvl1pPr>
+          </a:lstStyle>
+          <a:p>
+            <a:r>
+              <a:rPr lang="en-US" sz="2400" dirty="0"/>
+              <a:t>First, we choose the direction, project the two convex sides, and find the points that form the simplex.</a:t>
+            </a:r>
+            <a:endParaRPr lang="en-CN" sz="2400" dirty="0"/>
+          </a:p>
+        </p:txBody>
+      </p:sp>
+      <p:pic>
+        <p:nvPicPr>
+          <p:cNvPr id="14" name="图片 13">
+            <a:extLst>
+              <a:ext uri="{FF2B5EF4-FFF2-40B4-BE49-F238E27FC236}">
+                <a16:creationId xmlns:a16="http://schemas.microsoft.com/office/drawing/2014/main" id="{DFD6486D-20DA-CEB2-EBD7-A78994D3B4EE}"/>
+              </a:ext>
+            </a:extLst>
+          </p:cNvPr>
+          <p:cNvPicPr>
+            <a:picLocks noChangeAspect="1"/>
+          </p:cNvPicPr>
+          <p:nvPr/>
+        </p:nvPicPr>
+        <p:blipFill>
+          <a:blip r:embed="rId3"/>
+          <a:stretch>
+            <a:fillRect/>
+          </a:stretch>
+        </p:blipFill>
+        <p:spPr>
+          <a:xfrm>
+            <a:off x="2599362" y="2029912"/>
+            <a:ext cx="7192260" cy="4755090"/>
+          </a:xfrm>
+          <a:prstGeom prst="rect">
+            <a:avLst/>
+          </a:prstGeom>
+        </p:spPr>
+      </p:pic>
+      <p:pic>
+        <p:nvPicPr>
+          <p:cNvPr id="4" name="图片 3">
+            <a:extLst>
+              <a:ext uri="{FF2B5EF4-FFF2-40B4-BE49-F238E27FC236}">
+                <a16:creationId xmlns:a16="http://schemas.microsoft.com/office/drawing/2014/main" id="{B4CA4F1F-6EAC-86EC-ED2D-5E43E820A1C9}"/>
+              </a:ext>
+            </a:extLst>
+          </p:cNvPr>
+          <p:cNvPicPr>
+            <a:picLocks noChangeAspect="1"/>
+          </p:cNvPicPr>
+          <p:nvPr/>
+        </p:nvPicPr>
+        <p:blipFill>
+          <a:blip r:embed="rId4"/>
+          <a:stretch>
+            <a:fillRect/>
+          </a:stretch>
+        </p:blipFill>
+        <p:spPr>
+          <a:xfrm>
+            <a:off x="2599362" y="2029912"/>
+            <a:ext cx="7171584" cy="4627786"/>
+          </a:xfrm>
+          <a:prstGeom prst="rect">
+            <a:avLst/>
+          </a:prstGeom>
+        </p:spPr>
+      </p:pic>
+      <p:sp>
+        <p:nvSpPr>
+          <p:cNvPr id="5" name="椭圆 4">
+            <a:extLst>
+              <a:ext uri="{FF2B5EF4-FFF2-40B4-BE49-F238E27FC236}">
+                <a16:creationId xmlns:a16="http://schemas.microsoft.com/office/drawing/2014/main" id="{C945E1B4-7320-3050-2B7F-B7B38BC54FE7}"/>
+              </a:ext>
+            </a:extLst>
+          </p:cNvPr>
+          <p:cNvSpPr/>
+          <p:nvPr/>
+        </p:nvSpPr>
+        <p:spPr>
+          <a:xfrm>
+            <a:off x="2969231" y="5835043"/>
+            <a:ext cx="513708" cy="545210"/>
+          </a:xfrm>
+          <a:prstGeom prst="ellipse">
+            <a:avLst/>
+          </a:prstGeom>
+          <a:noFill/>
+          <a:ln w="28575">
+            <a:solidFill>
+              <a:srgbClr val="FF0000"/>
+            </a:solidFill>
+          </a:ln>
+        </p:spPr>
+        <p:style>
+          <a:lnRef idx="2">
+            <a:schemeClr val="accent1">
+              <a:shade val="50000"/>
+            </a:schemeClr>
+          </a:lnRef>
+          <a:fillRef idx="1">
+            <a:schemeClr val="accent1"/>
+          </a:fillRef>
+          <a:effectRef idx="0">
+            <a:schemeClr val="accent1"/>
+          </a:effectRef>
+          <a:fontRef idx="minor">
+            <a:schemeClr val="lt1"/>
+          </a:fontRef>
+        </p:style>
+        <p:txBody>
+          <a:bodyPr rtlCol="0" anchor="ctr"/>
+          <a:lstStyle/>
+          <a:p>
+            <a:pPr algn="ctr"/>
+            <a:endParaRPr lang="zh-CN" altLang="en-US"/>
+          </a:p>
+        </p:txBody>
+      </p:sp>
+      <p:sp>
+        <p:nvSpPr>
+          <p:cNvPr id="8" name="文本框 7">
+            <a:extLst>
+              <a:ext uri="{FF2B5EF4-FFF2-40B4-BE49-F238E27FC236}">
+                <a16:creationId xmlns:a16="http://schemas.microsoft.com/office/drawing/2014/main" id="{8C433907-9565-0C79-4E80-D6076AB8A479}"/>
+              </a:ext>
+            </a:extLst>
+          </p:cNvPr>
+          <p:cNvSpPr txBox="1"/>
+          <p:nvPr/>
+        </p:nvSpPr>
+        <p:spPr>
+          <a:xfrm>
+            <a:off x="387681" y="3869297"/>
+            <a:ext cx="2783134" cy="461665"/>
+          </a:xfrm>
+          <a:prstGeom prst="rect">
+            <a:avLst/>
+          </a:prstGeom>
+          <a:noFill/>
+        </p:spPr>
+        <p:txBody>
+          <a:bodyPr wrap="none" rtlCol="0">
+            <a:spAutoFit/>
+          </a:bodyPr>
+          <a:lstStyle/>
+          <a:p>
+            <a:r>
+              <a:rPr lang="en-US" altLang="zh-CN" sz="2400" b="1" dirty="0">
+                <a:latin typeface="+mn-ea"/>
+              </a:rPr>
+              <a:t>Collision detected!</a:t>
+            </a:r>
+            <a:endParaRPr lang="zh-CN" altLang="en-US" sz="2400" b="1" dirty="0">
+              <a:latin typeface="+mn-ea"/>
+            </a:endParaRPr>
+          </a:p>
+        </p:txBody>
+      </p:sp>
+      <p:cxnSp>
+        <p:nvCxnSpPr>
+          <p:cNvPr id="17" name="直接箭头连接符 16">
+            <a:extLst>
+              <a:ext uri="{FF2B5EF4-FFF2-40B4-BE49-F238E27FC236}">
+                <a16:creationId xmlns:a16="http://schemas.microsoft.com/office/drawing/2014/main" id="{845E8F67-BBA7-CBA4-39D1-F82FC2D0D936}"/>
+              </a:ext>
+            </a:extLst>
+          </p:cNvPr>
+          <p:cNvCxnSpPr/>
+          <p:nvPr/>
+        </p:nvCxnSpPr>
+        <p:spPr>
+          <a:xfrm flipH="1">
+            <a:off x="772248" y="4436783"/>
+            <a:ext cx="1019908" cy="1292438"/>
+          </a:xfrm>
+          <a:prstGeom prst="straightConnector1">
+            <a:avLst/>
+          </a:prstGeom>
+          <a:ln w="76200">
+            <a:solidFill>
+              <a:srgbClr val="FF0000"/>
+            </a:solidFill>
+            <a:tailEnd type="triangle"/>
+          </a:ln>
+        </p:spPr>
+        <p:style>
+          <a:lnRef idx="1">
+            <a:schemeClr val="accent1"/>
+          </a:lnRef>
+          <a:fillRef idx="0">
+            <a:schemeClr val="accent1"/>
+          </a:fillRef>
+          <a:effectRef idx="0">
+            <a:schemeClr val="accent1"/>
+          </a:effectRef>
+          <a:fontRef idx="minor">
+            <a:schemeClr val="tx1"/>
+          </a:fontRef>
+        </p:style>
+      </p:cxnSp>
+      <p:sp>
+        <p:nvSpPr>
+          <p:cNvPr id="18" name="椭圆 17">
+            <a:extLst>
+              <a:ext uri="{FF2B5EF4-FFF2-40B4-BE49-F238E27FC236}">
+                <a16:creationId xmlns:a16="http://schemas.microsoft.com/office/drawing/2014/main" id="{337E8FB0-EDF3-25E5-AD46-24D60F38F7F7}"/>
+              </a:ext>
+            </a:extLst>
+          </p:cNvPr>
+          <p:cNvSpPr/>
+          <p:nvPr/>
+        </p:nvSpPr>
+        <p:spPr>
+          <a:xfrm>
+            <a:off x="7657939" y="3347837"/>
+            <a:ext cx="433754" cy="410308"/>
+          </a:xfrm>
+          <a:prstGeom prst="ellipse">
+            <a:avLst/>
+          </a:prstGeom>
+          <a:noFill/>
+          <a:ln w="38100">
+            <a:solidFill>
+              <a:srgbClr val="FF0000"/>
+            </a:solidFill>
+          </a:ln>
+        </p:spPr>
+        <p:style>
+          <a:lnRef idx="2">
+            <a:schemeClr val="accent1">
+              <a:shade val="50000"/>
+            </a:schemeClr>
+          </a:lnRef>
+          <a:fillRef idx="1">
+            <a:schemeClr val="accent1"/>
+          </a:fillRef>
+          <a:effectRef idx="0">
+            <a:schemeClr val="accent1"/>
+          </a:effectRef>
+          <a:fontRef idx="minor">
+            <a:schemeClr val="lt1"/>
+          </a:fontRef>
+        </p:style>
+        <p:txBody>
+          <a:bodyPr rtlCol="0" anchor="ctr"/>
+          <a:lstStyle/>
+          <a:p>
+            <a:pPr algn="ctr"/>
+            <a:endParaRPr lang="zh-CN" altLang="en-US"/>
+          </a:p>
+        </p:txBody>
+      </p:sp>
+      <p:sp>
+        <p:nvSpPr>
+          <p:cNvPr id="19" name="椭圆 18">
+            <a:extLst>
+              <a:ext uri="{FF2B5EF4-FFF2-40B4-BE49-F238E27FC236}">
+                <a16:creationId xmlns:a16="http://schemas.microsoft.com/office/drawing/2014/main" id="{61559FA5-8B7B-3B96-89B3-C7C87AE353D6}"/>
+              </a:ext>
+            </a:extLst>
+          </p:cNvPr>
+          <p:cNvSpPr/>
+          <p:nvPr/>
+        </p:nvSpPr>
+        <p:spPr>
+          <a:xfrm>
+            <a:off x="8091693" y="2891105"/>
+            <a:ext cx="433754" cy="410308"/>
+          </a:xfrm>
+          <a:prstGeom prst="ellipse">
+            <a:avLst/>
+          </a:prstGeom>
+          <a:noFill/>
+          <a:ln w="38100">
+            <a:solidFill>
+              <a:srgbClr val="FF0000"/>
+            </a:solidFill>
+          </a:ln>
+        </p:spPr>
+        <p:style>
+          <a:lnRef idx="2">
+            <a:schemeClr val="accent1">
+              <a:shade val="50000"/>
+            </a:schemeClr>
+          </a:lnRef>
+          <a:fillRef idx="1">
+            <a:schemeClr val="accent1"/>
+          </a:fillRef>
+          <a:effectRef idx="0">
+            <a:schemeClr val="accent1"/>
+          </a:effectRef>
+          <a:fontRef idx="minor">
+            <a:schemeClr val="lt1"/>
+          </a:fontRef>
+        </p:style>
+        <p:txBody>
+          <a:bodyPr rtlCol="0" anchor="ctr"/>
+          <a:lstStyle/>
+          <a:p>
+            <a:pPr algn="ctr"/>
+            <a:endParaRPr lang="zh-CN" altLang="en-US"/>
+          </a:p>
+        </p:txBody>
+      </p:sp>
+      <p:sp>
+        <p:nvSpPr>
+          <p:cNvPr id="20" name="椭圆 19">
+            <a:extLst>
+              <a:ext uri="{FF2B5EF4-FFF2-40B4-BE49-F238E27FC236}">
+                <a16:creationId xmlns:a16="http://schemas.microsoft.com/office/drawing/2014/main" id="{FE702DC0-9E9F-3ACB-89B1-2108DD34B044}"/>
+              </a:ext>
+            </a:extLst>
+          </p:cNvPr>
+          <p:cNvSpPr/>
+          <p:nvPr/>
+        </p:nvSpPr>
+        <p:spPr>
+          <a:xfrm>
+            <a:off x="2599362" y="6313822"/>
+            <a:ext cx="433754" cy="410308"/>
+          </a:xfrm>
+          <a:prstGeom prst="ellipse">
+            <a:avLst/>
+          </a:prstGeom>
+          <a:noFill/>
+          <a:ln w="38100">
+            <a:solidFill>
+              <a:srgbClr val="FF0000"/>
+            </a:solidFill>
+          </a:ln>
+        </p:spPr>
+        <p:style>
+          <a:lnRef idx="2">
+            <a:schemeClr val="accent1">
+              <a:shade val="50000"/>
+            </a:schemeClr>
+          </a:lnRef>
+          <a:fillRef idx="1">
+            <a:schemeClr val="accent1"/>
+          </a:fillRef>
+          <a:effectRef idx="0">
+            <a:schemeClr val="accent1"/>
+          </a:effectRef>
+          <a:fontRef idx="minor">
+            <a:schemeClr val="lt1"/>
+          </a:fontRef>
+        </p:style>
+        <p:txBody>
+          <a:bodyPr rtlCol="0" anchor="ctr"/>
+          <a:lstStyle/>
+          <a:p>
+            <a:pPr algn="ctr"/>
+            <a:endParaRPr lang="zh-CN" altLang="en-US"/>
+          </a:p>
+        </p:txBody>
+      </p:sp>
+    </p:spTree>
+    <p:extLst>
+      <p:ext uri="{BB962C8B-B14F-4D97-AF65-F5344CB8AC3E}">
+        <p14:creationId xmlns:p14="http://schemas.microsoft.com/office/powerpoint/2010/main" val="687546862"/>
+      </p:ext>
+    </p:extLst>
+  </p:cSld>
+  <p:clrMapOvr>
+    <a:masterClrMapping/>
+  </p:clrMapOvr>
+  <mc:AlternateContent xmlns:mc="http://schemas.openxmlformats.org/markup-compatibility/2006">
+    <mc:Choice xmlns:p159="http://schemas.microsoft.com/office/powerpoint/2015/09/main" Requires="p159">
+      <p:transition xmlns:p14="http://schemas.microsoft.com/office/powerpoint/2010/main" spd="slow" p14:dur="2000">
+        <p159:morph option="byObject"/>
+      </p:transition>
+    </mc:Choice>
+    <mc:Fallback>
+      <p:transition spd="slow">
+        <p:fade/>
+      </p:transition>
+    </mc:Fallback>
+  </mc:AlternateContent>
+  <p:timing>
+    <p:tnLst>
+      <p:par>
+        <p:cTn id="1" dur="indefinite" restart="never" nodeType="tmRoot">
+          <p:childTnLst>
+            <p:seq concurrent="1" nextAc="seek">
+              <p:cTn id="2" dur="indefinite" nodeType="mainSeq">
+                <p:childTnLst>
+                  <p:par>
+                    <p:cTn id="3" fill="hold">
+                      <p:stCondLst>
+                        <p:cond delay="indefinite"/>
+                      </p:stCondLst>
+                      <p:childTnLst>
+                        <p:par>
+                          <p:cTn id="4" fill="hold">
+                            <p:stCondLst>
+                              <p:cond delay="0"/>
+                            </p:stCondLst>
+                            <p:childTnLst>
+                              <p:par>
+                                <p:cTn id="5" presetID="10" presetClass="entr" presetSubtype="0" fill="hold" nodeType="clickEffect">
+                                  <p:stCondLst>
+                                    <p:cond delay="0"/>
+                                  </p:stCondLst>
+                                  <p:childTnLst>
+                                    <p:set>
+                                      <p:cBhvr>
+                                        <p:cTn id="6" dur="1" fill="hold">
+                                          <p:stCondLst>
+                                            <p:cond delay="0"/>
+                                          </p:stCondLst>
+                                        </p:cTn>
+                                        <p:tgtEl>
+                                          <p:spTgt spid="17"/>
+                                        </p:tgtEl>
+                                        <p:attrNameLst>
+                                          <p:attrName>style.visibility</p:attrName>
+                                        </p:attrNameLst>
+                                      </p:cBhvr>
+                                      <p:to>
+                                        <p:strVal val="visible"/>
+                                      </p:to>
+                                    </p:set>
+                                    <p:animEffect transition="in" filter="fade">
+                                      <p:cBhvr>
+                                        <p:cTn id="7" dur="500"/>
+                                        <p:tgtEl>
+                                          <p:spTgt spid="17"/>
+                                        </p:tgtEl>
+                                      </p:cBhvr>
+                                    </p:animEffect>
+                                  </p:childTnLst>
+                                </p:cTn>
+                              </p:par>
+                              <p:par>
+                                <p:cTn id="8" presetID="10" presetClass="entr" presetSubtype="0" fill="hold" grpId="0" nodeType="withEffect">
+                                  <p:stCondLst>
+                                    <p:cond delay="0"/>
+                                  </p:stCondLst>
+                                  <p:childTnLst>
+                                    <p:set>
+                                      <p:cBhvr>
+                                        <p:cTn id="9" dur="1" fill="hold">
+                                          <p:stCondLst>
+                                            <p:cond delay="0"/>
+                                          </p:stCondLst>
+                                        </p:cTn>
+                                        <p:tgtEl>
+                                          <p:spTgt spid="20"/>
+                                        </p:tgtEl>
+                                        <p:attrNameLst>
+                                          <p:attrName>style.visibility</p:attrName>
+                                        </p:attrNameLst>
+                                      </p:cBhvr>
+                                      <p:to>
+                                        <p:strVal val="visible"/>
+                                      </p:to>
+                                    </p:set>
+                                    <p:animEffect transition="in" filter="fade">
+                                      <p:cBhvr>
+                                        <p:cTn id="10" dur="500"/>
+                                        <p:tgtEl>
+                                          <p:spTgt spid="20"/>
+                                        </p:tgtEl>
+                                      </p:cBhvr>
+                                    </p:animEffect>
+                                  </p:childTnLst>
+                                </p:cTn>
+                              </p:par>
+                              <p:par>
+                                <p:cTn id="11" presetID="10" presetClass="entr" presetSubtype="0" fill="hold" grpId="0" nodeType="withEffect">
+                                  <p:stCondLst>
+                                    <p:cond delay="0"/>
+                                  </p:stCondLst>
+                                  <p:childTnLst>
+                                    <p:set>
+                                      <p:cBhvr>
+                                        <p:cTn id="12" dur="1" fill="hold">
+                                          <p:stCondLst>
+                                            <p:cond delay="0"/>
+                                          </p:stCondLst>
+                                        </p:cTn>
+                                        <p:tgtEl>
+                                          <p:spTgt spid="18"/>
+                                        </p:tgtEl>
+                                        <p:attrNameLst>
+                                          <p:attrName>style.visibility</p:attrName>
+                                        </p:attrNameLst>
+                                      </p:cBhvr>
+                                      <p:to>
+                                        <p:strVal val="visible"/>
+                                      </p:to>
+                                    </p:set>
+                                    <p:animEffect transition="in" filter="fade">
+                                      <p:cBhvr>
+                                        <p:cTn id="13" dur="500"/>
+                                        <p:tgtEl>
+                                          <p:spTgt spid="18"/>
+                                        </p:tgtEl>
+                                      </p:cBhvr>
+                                    </p:animEffect>
+                                  </p:childTnLst>
+                                </p:cTn>
+                              </p:par>
+                              <p:par>
+                                <p:cTn id="14" presetID="10" presetClass="entr" presetSubtype="0" fill="hold" grpId="0" nodeType="withEffect">
+                                  <p:stCondLst>
+                                    <p:cond delay="0"/>
+                                  </p:stCondLst>
+                                  <p:childTnLst>
+                                    <p:set>
+                                      <p:cBhvr>
+                                        <p:cTn id="15" dur="1" fill="hold">
+                                          <p:stCondLst>
+                                            <p:cond delay="0"/>
+                                          </p:stCondLst>
+                                        </p:cTn>
+                                        <p:tgtEl>
+                                          <p:spTgt spid="19"/>
+                                        </p:tgtEl>
+                                        <p:attrNameLst>
+                                          <p:attrName>style.visibility</p:attrName>
+                                        </p:attrNameLst>
+                                      </p:cBhvr>
+                                      <p:to>
+                                        <p:strVal val="visible"/>
+                                      </p:to>
+                                    </p:set>
+                                    <p:animEffect transition="in" filter="fade">
+                                      <p:cBhvr>
+                                        <p:cTn id="16" dur="500"/>
+                                        <p:tgtEl>
+                                          <p:spTgt spid="19"/>
+                                        </p:tgtEl>
+                                      </p:cBhvr>
+                                    </p:animEffect>
+                                  </p:childTnLst>
+                                </p:cTn>
+                              </p:par>
+                            </p:childTnLst>
+                          </p:cTn>
+                        </p:par>
+                      </p:childTnLst>
+                    </p:cTn>
+                  </p:par>
+                  <p:par>
+                    <p:cTn id="17" fill="hold">
+                      <p:stCondLst>
+                        <p:cond delay="indefinite"/>
+                      </p:stCondLst>
+                      <p:childTnLst>
+                        <p:par>
+                          <p:cTn id="18" fill="hold">
+                            <p:stCondLst>
+                              <p:cond delay="0"/>
+                            </p:stCondLst>
+                            <p:childTnLst>
+                              <p:par>
+                                <p:cTn id="19" presetID="10" presetClass="exit" presetSubtype="0" fill="hold" nodeType="clickEffect">
+                                  <p:stCondLst>
+                                    <p:cond delay="0"/>
+                                  </p:stCondLst>
+                                  <p:childTnLst>
+                                    <p:animEffect transition="out" filter="fade">
+                                      <p:cBhvr>
+                                        <p:cTn id="20" dur="500"/>
+                                        <p:tgtEl>
+                                          <p:spTgt spid="14"/>
+                                        </p:tgtEl>
+                                      </p:cBhvr>
+                                    </p:animEffect>
+                                    <p:set>
+                                      <p:cBhvr>
+                                        <p:cTn id="21" dur="1" fill="hold">
+                                          <p:stCondLst>
+                                            <p:cond delay="499"/>
+                                          </p:stCondLst>
+                                        </p:cTn>
+                                        <p:tgtEl>
+                                          <p:spTgt spid="14"/>
+                                        </p:tgtEl>
+                                        <p:attrNameLst>
+                                          <p:attrName>style.visibility</p:attrName>
+                                        </p:attrNameLst>
+                                      </p:cBhvr>
+                                      <p:to>
+                                        <p:strVal val="hidden"/>
+                                      </p:to>
+                                    </p:set>
+                                  </p:childTnLst>
+                                </p:cTn>
+                              </p:par>
+                              <p:par>
+                                <p:cTn id="22" presetID="10" presetClass="entr" presetSubtype="0" fill="hold" nodeType="withEffect">
+                                  <p:stCondLst>
+                                    <p:cond delay="0"/>
+                                  </p:stCondLst>
+                                  <p:childTnLst>
+                                    <p:set>
+                                      <p:cBhvr>
+                                        <p:cTn id="23" dur="1" fill="hold">
+                                          <p:stCondLst>
+                                            <p:cond delay="0"/>
+                                          </p:stCondLst>
+                                        </p:cTn>
+                                        <p:tgtEl>
+                                          <p:spTgt spid="4"/>
+                                        </p:tgtEl>
+                                        <p:attrNameLst>
+                                          <p:attrName>style.visibility</p:attrName>
+                                        </p:attrNameLst>
+                                      </p:cBhvr>
+                                      <p:to>
+                                        <p:strVal val="visible"/>
+                                      </p:to>
+                                    </p:set>
+                                    <p:animEffect transition="in" filter="fade">
+                                      <p:cBhvr>
+                                        <p:cTn id="24" dur="500"/>
+                                        <p:tgtEl>
+                                          <p:spTgt spid="4"/>
+                                        </p:tgtEl>
+                                      </p:cBhvr>
+                                    </p:animEffect>
+                                  </p:childTnLst>
+                                </p:cTn>
+                              </p:par>
+                            </p:childTnLst>
+                          </p:cTn>
+                        </p:par>
+                      </p:childTnLst>
+                    </p:cTn>
+                  </p:par>
+                  <p:par>
+                    <p:cTn id="25" fill="hold">
+                      <p:stCondLst>
+                        <p:cond delay="indefinite"/>
+                      </p:stCondLst>
+                      <p:childTnLst>
+                        <p:par>
+                          <p:cTn id="26" fill="hold">
+                            <p:stCondLst>
+                              <p:cond delay="0"/>
+                            </p:stCondLst>
+                            <p:childTnLst>
+                              <p:par>
+                                <p:cTn id="27" presetID="10" presetClass="exit" presetSubtype="0" fill="hold" nodeType="clickEffect">
+                                  <p:stCondLst>
+                                    <p:cond delay="0"/>
+                                  </p:stCondLst>
+                                  <p:childTnLst>
+                                    <p:animEffect transition="out" filter="fade">
+                                      <p:cBhvr>
+                                        <p:cTn id="28" dur="500"/>
+                                        <p:tgtEl>
+                                          <p:spTgt spid="17"/>
+                                        </p:tgtEl>
+                                      </p:cBhvr>
+                                    </p:animEffect>
+                                    <p:set>
+                                      <p:cBhvr>
+                                        <p:cTn id="29" dur="1" fill="hold">
+                                          <p:stCondLst>
+                                            <p:cond delay="499"/>
+                                          </p:stCondLst>
+                                        </p:cTn>
+                                        <p:tgtEl>
+                                          <p:spTgt spid="17"/>
+                                        </p:tgtEl>
+                                        <p:attrNameLst>
+                                          <p:attrName>style.visibility</p:attrName>
+                                        </p:attrNameLst>
+                                      </p:cBhvr>
+                                      <p:to>
+                                        <p:strVal val="hidden"/>
+                                      </p:to>
+                                    </p:set>
+                                  </p:childTnLst>
+                                </p:cTn>
+                              </p:par>
+                              <p:par>
+                                <p:cTn id="30" presetID="10" presetClass="exit" presetSubtype="0" fill="hold" grpId="1" nodeType="withEffect">
+                                  <p:stCondLst>
+                                    <p:cond delay="0"/>
+                                  </p:stCondLst>
+                                  <p:childTnLst>
+                                    <p:animEffect transition="out" filter="fade">
+                                      <p:cBhvr>
+                                        <p:cTn id="31" dur="500"/>
+                                        <p:tgtEl>
+                                          <p:spTgt spid="20"/>
+                                        </p:tgtEl>
+                                      </p:cBhvr>
+                                    </p:animEffect>
+                                    <p:set>
+                                      <p:cBhvr>
+                                        <p:cTn id="32" dur="1" fill="hold">
+                                          <p:stCondLst>
+                                            <p:cond delay="499"/>
+                                          </p:stCondLst>
+                                        </p:cTn>
+                                        <p:tgtEl>
+                                          <p:spTgt spid="20"/>
+                                        </p:tgtEl>
+                                        <p:attrNameLst>
+                                          <p:attrName>style.visibility</p:attrName>
+                                        </p:attrNameLst>
+                                      </p:cBhvr>
+                                      <p:to>
+                                        <p:strVal val="hidden"/>
+                                      </p:to>
+                                    </p:set>
+                                  </p:childTnLst>
+                                </p:cTn>
+                              </p:par>
+                              <p:par>
+                                <p:cTn id="33" presetID="10" presetClass="exit" presetSubtype="0" fill="hold" grpId="1" nodeType="withEffect">
+                                  <p:stCondLst>
+                                    <p:cond delay="0"/>
+                                  </p:stCondLst>
+                                  <p:childTnLst>
+                                    <p:animEffect transition="out" filter="fade">
+                                      <p:cBhvr>
+                                        <p:cTn id="34" dur="500"/>
+                                        <p:tgtEl>
+                                          <p:spTgt spid="18"/>
+                                        </p:tgtEl>
+                                      </p:cBhvr>
+                                    </p:animEffect>
+                                    <p:set>
+                                      <p:cBhvr>
+                                        <p:cTn id="35" dur="1" fill="hold">
+                                          <p:stCondLst>
+                                            <p:cond delay="499"/>
+                                          </p:stCondLst>
+                                        </p:cTn>
+                                        <p:tgtEl>
+                                          <p:spTgt spid="18"/>
+                                        </p:tgtEl>
+                                        <p:attrNameLst>
+                                          <p:attrName>style.visibility</p:attrName>
+                                        </p:attrNameLst>
+                                      </p:cBhvr>
+                                      <p:to>
+                                        <p:strVal val="hidden"/>
+                                      </p:to>
+                                    </p:set>
+                                  </p:childTnLst>
+                                </p:cTn>
+                              </p:par>
+                              <p:par>
+                                <p:cTn id="36" presetID="10" presetClass="exit" presetSubtype="0" fill="hold" grpId="1" nodeType="withEffect">
+                                  <p:stCondLst>
+                                    <p:cond delay="0"/>
+                                  </p:stCondLst>
+                                  <p:childTnLst>
+                                    <p:animEffect transition="out" filter="fade">
+                                      <p:cBhvr>
+                                        <p:cTn id="37" dur="500"/>
+                                        <p:tgtEl>
+                                          <p:spTgt spid="19"/>
+                                        </p:tgtEl>
+                                      </p:cBhvr>
+                                    </p:animEffect>
+                                    <p:set>
+                                      <p:cBhvr>
+                                        <p:cTn id="38" dur="1" fill="hold">
+                                          <p:stCondLst>
+                                            <p:cond delay="499"/>
+                                          </p:stCondLst>
+                                        </p:cTn>
+                                        <p:tgtEl>
+                                          <p:spTgt spid="19"/>
+                                        </p:tgtEl>
+                                        <p:attrNameLst>
+                                          <p:attrName>style.visibility</p:attrName>
+                                        </p:attrNameLst>
+                                      </p:cBhvr>
+                                      <p:to>
+                                        <p:strVal val="hidden"/>
+                                      </p:to>
+                                    </p:set>
+                                  </p:childTnLst>
+                                </p:cTn>
+                              </p:par>
+                            </p:childTnLst>
+                          </p:cTn>
+                        </p:par>
+                      </p:childTnLst>
+                    </p:cTn>
+                  </p:par>
+                  <p:par>
+                    <p:cTn id="39" fill="hold">
+                      <p:stCondLst>
+                        <p:cond delay="indefinite"/>
+                      </p:stCondLst>
+                      <p:childTnLst>
+                        <p:par>
+                          <p:cTn id="40" fill="hold">
+                            <p:stCondLst>
+                              <p:cond delay="0"/>
+                            </p:stCondLst>
+                            <p:childTnLst>
+                              <p:par>
+                                <p:cTn id="41" presetID="10" presetClass="entr" presetSubtype="0" fill="hold" grpId="0" nodeType="clickEffect">
+                                  <p:stCondLst>
+                                    <p:cond delay="0"/>
+                                  </p:stCondLst>
+                                  <p:childTnLst>
+                                    <p:set>
+                                      <p:cBhvr>
+                                        <p:cTn id="42" dur="1" fill="hold">
+                                          <p:stCondLst>
+                                            <p:cond delay="0"/>
+                                          </p:stCondLst>
+                                        </p:cTn>
+                                        <p:tgtEl>
+                                          <p:spTgt spid="8"/>
+                                        </p:tgtEl>
+                                        <p:attrNameLst>
+                                          <p:attrName>style.visibility</p:attrName>
+                                        </p:attrNameLst>
+                                      </p:cBhvr>
+                                      <p:to>
+                                        <p:strVal val="visible"/>
+                                      </p:to>
+                                    </p:set>
+                                    <p:animEffect transition="in" filter="fade">
+                                      <p:cBhvr>
+                                        <p:cTn id="43" dur="500"/>
+                                        <p:tgtEl>
+                                          <p:spTgt spid="8"/>
+                                        </p:tgtEl>
+                                      </p:cBhvr>
+                                    </p:animEffect>
+                                  </p:childTnLst>
+                                </p:cTn>
+                              </p:par>
+                              <p:par>
+                                <p:cTn id="44" presetID="10" presetClass="entr" presetSubtype="0" fill="hold" grpId="0" nodeType="withEffect">
+                                  <p:stCondLst>
+                                    <p:cond delay="0"/>
+                                  </p:stCondLst>
+                                  <p:childTnLst>
+                                    <p:set>
+                                      <p:cBhvr>
+                                        <p:cTn id="45" dur="1" fill="hold">
+                                          <p:stCondLst>
+                                            <p:cond delay="0"/>
+                                          </p:stCondLst>
+                                        </p:cTn>
+                                        <p:tgtEl>
+                                          <p:spTgt spid="5"/>
+                                        </p:tgtEl>
+                                        <p:attrNameLst>
+                                          <p:attrName>style.visibility</p:attrName>
+                                        </p:attrNameLst>
+                                      </p:cBhvr>
+                                      <p:to>
+                                        <p:strVal val="visible"/>
+                                      </p:to>
+                                    </p:set>
+                                    <p:animEffect transition="in" filter="fade">
+                                      <p:cBhvr>
+                                        <p:cTn id="46" dur="500"/>
+                                        <p:tgtEl>
+                                          <p:spTgt spid="5"/>
+                                        </p:tgtEl>
+                                      </p:cBhvr>
+                                    </p:animEffect>
+                                  </p:childTnLst>
+                                </p:cTn>
+                              </p:par>
+                            </p:childTnLst>
+                          </p:cTn>
+                        </p:par>
+                      </p:childTnLst>
+                    </p:cTn>
+                  </p:par>
+                </p:childTnLst>
+              </p:cTn>
+              <p:prevCondLst>
+                <p:cond evt="onPrev" delay="0">
+                  <p:tgtEl>
+                    <p:sldTgt/>
+                  </p:tgtEl>
+                </p:cond>
+              </p:prevCondLst>
+              <p:nextCondLst>
+                <p:cond evt="onNext" delay="0">
+                  <p:tgtEl>
+                    <p:sldTgt/>
+                  </p:tgtEl>
+                </p:cond>
+              </p:nextCondLst>
+            </p:seq>
+          </p:childTnLst>
+        </p:cTn>
+      </p:par>
+    </p:tnLst>
+    <p:bldLst>
+      <p:bldP spid="5" grpId="0" animBg="1"/>
+      <p:bldP spid="8" grpId="0"/>
+      <p:bldP spid="18" grpId="0" animBg="1"/>
+      <p:bldP spid="18" grpId="1" animBg="1"/>
+      <p:bldP spid="19" grpId="0" animBg="1"/>
+      <p:bldP spid="19" grpId="1" animBg="1"/>
+      <p:bldP spid="20" grpId="0" animBg="1"/>
+      <p:bldP spid="20" grpId="1" animBg="1"/>
+    </p:bldLst>
+  </p:timing>
+</p:sld>
+</file>
+
+<file path=ppt/slides/slide21.xml><?xml version="1.0" encoding="utf-8"?>
+<p:sld xmlns:a="http://schemas.openxmlformats.org/drawingml/2006/main" xmlns:r="http://schemas.openxmlformats.org/officeDocument/2006/relationships" xmlns:p="http://schemas.openxmlformats.org/presentationml/2006/main">
+  <p:cSld>
+    <p:spTree>
+      <p:nvGrpSpPr>
+        <p:cNvPr id="1" name=""/>
+        <p:cNvGrpSpPr/>
+        <p:nvPr/>
+      </p:nvGrpSpPr>
+      <p:grpSpPr>
+        <a:xfrm>
+          <a:off x="0" y="0"/>
+          <a:ext cx="0" cy="0"/>
+          <a:chOff x="0" y="0"/>
+          <a:chExt cx="0" cy="0"/>
+        </a:xfrm>
+      </p:grpSpPr>
+      <p:sp>
+        <p:nvSpPr>
+          <p:cNvPr id="6" name="Title 1">
+            <a:extLst>
+              <a:ext uri="{FF2B5EF4-FFF2-40B4-BE49-F238E27FC236}">
+                <a16:creationId xmlns:a16="http://schemas.microsoft.com/office/drawing/2014/main" id="{CC540A02-69BC-A262-B4B9-1EFA092D55CA}"/>
+              </a:ext>
+            </a:extLst>
+          </p:cNvPr>
+          <p:cNvSpPr>
+            <a:spLocks noGrp="1"/>
+          </p:cNvSpPr>
+          <p:nvPr>
+            <p:ph type="title"/>
+          </p:nvPr>
+        </p:nvSpPr>
+        <p:spPr>
+          <a:xfrm>
+            <a:off x="864742" y="18255"/>
+            <a:ext cx="10515600" cy="1325563"/>
+          </a:xfrm>
+        </p:spPr>
+        <p:txBody>
+          <a:bodyPr>
+            <a:normAutofit/>
+          </a:bodyPr>
+          <a:lstStyle/>
+          <a:p>
+            <a:r>
+              <a:rPr lang="en-US" b="1" dirty="0"/>
+              <a:t>Gilbert–Johnson–Keerthi (GJK)</a:t>
+            </a:r>
+            <a:endParaRPr lang="en-CN" b="1" dirty="0"/>
+          </a:p>
+        </p:txBody>
+      </p:sp>
+      <p:sp>
+        <p:nvSpPr>
+          <p:cNvPr id="2" name="Title 1">
+            <a:extLst>
+              <a:ext uri="{FF2B5EF4-FFF2-40B4-BE49-F238E27FC236}">
+                <a16:creationId xmlns:a16="http://schemas.microsoft.com/office/drawing/2014/main" id="{0815BC5E-5800-797F-6567-C69DC2C4EF25}"/>
+              </a:ext>
+            </a:extLst>
+          </p:cNvPr>
+          <p:cNvSpPr txBox="1">
+            <a:spLocks/>
+          </p:cNvSpPr>
+          <p:nvPr/>
+        </p:nvSpPr>
+        <p:spPr>
+          <a:xfrm>
+            <a:off x="811658" y="1022958"/>
+            <a:ext cx="10839785" cy="1068598"/>
+          </a:xfrm>
+          <a:prstGeom prst="rect">
+            <a:avLst/>
+          </a:prstGeom>
+        </p:spPr>
+        <p:txBody>
+          <a:bodyPr vert="horz" lIns="91440" tIns="45720" rIns="91440" bIns="45720" rtlCol="0" anchor="ctr">
+            <a:normAutofit/>
+          </a:bodyPr>
+          <a:lstStyle>
+            <a:lvl1pPr algn="l" defTabSz="914400" rtl="0" eaLnBrk="1" latinLnBrk="0" hangingPunct="1">
+              <a:lnSpc>
+                <a:spcPct val="90000"/>
+              </a:lnSpc>
+              <a:spcBef>
+                <a:spcPct val="0"/>
+              </a:spcBef>
+              <a:buNone/>
+              <a:defRPr sz="4400" kern="1200">
+                <a:solidFill>
+                  <a:schemeClr val="tx1"/>
+                </a:solidFill>
+                <a:latin typeface="+mj-lt"/>
+                <a:ea typeface="+mj-ea"/>
+                <a:cs typeface="+mj-cs"/>
+              </a:defRPr>
+            </a:lvl1pPr>
+          </a:lstStyle>
+          <a:p>
+            <a:r>
+              <a:rPr lang="en-US" sz="2400" dirty="0"/>
+              <a:t>First, we choose the direction, project the two convex sides, and find the points that form the simplex.</a:t>
+            </a:r>
+            <a:endParaRPr lang="en-CN" sz="2400" dirty="0"/>
+          </a:p>
+        </p:txBody>
+      </p:sp>
+      <p:pic>
+        <p:nvPicPr>
+          <p:cNvPr id="4" name="图片 3">
+            <a:extLst>
+              <a:ext uri="{FF2B5EF4-FFF2-40B4-BE49-F238E27FC236}">
+                <a16:creationId xmlns:a16="http://schemas.microsoft.com/office/drawing/2014/main" id="{B4CA4F1F-6EAC-86EC-ED2D-5E43E820A1C9}"/>
+              </a:ext>
+            </a:extLst>
+          </p:cNvPr>
+          <p:cNvPicPr>
+            <a:picLocks noChangeAspect="1"/>
+          </p:cNvPicPr>
+          <p:nvPr/>
+        </p:nvPicPr>
+        <p:blipFill>
+          <a:blip r:embed="rId3"/>
+          <a:stretch>
+            <a:fillRect/>
+          </a:stretch>
+        </p:blipFill>
+        <p:spPr>
+          <a:xfrm>
+            <a:off x="647272" y="2091556"/>
+            <a:ext cx="7171584" cy="4627786"/>
+          </a:xfrm>
+          <a:prstGeom prst="rect">
+            <a:avLst/>
+          </a:prstGeom>
+        </p:spPr>
+      </p:pic>
+      <p:sp>
+        <p:nvSpPr>
+          <p:cNvPr id="3" name="文本框 2">
+            <a:extLst>
+              <a:ext uri="{FF2B5EF4-FFF2-40B4-BE49-F238E27FC236}">
+                <a16:creationId xmlns:a16="http://schemas.microsoft.com/office/drawing/2014/main" id="{D70B9B04-0275-40A6-C045-56BAE365DE91}"/>
+              </a:ext>
+            </a:extLst>
+          </p:cNvPr>
+          <p:cNvSpPr txBox="1"/>
+          <p:nvPr/>
+        </p:nvSpPr>
+        <p:spPr>
+          <a:xfrm>
+            <a:off x="7921375" y="2167848"/>
+            <a:ext cx="3226086" cy="461665"/>
+          </a:xfrm>
+          <a:prstGeom prst="rect">
+            <a:avLst/>
+          </a:prstGeom>
+          <a:noFill/>
+        </p:spPr>
+        <p:txBody>
+          <a:bodyPr wrap="square" rtlCol="0">
+            <a:spAutoFit/>
+          </a:bodyPr>
+          <a:lstStyle/>
+          <a:p>
+            <a:r>
+              <a:rPr lang="en-US" altLang="zh-CN" sz="2400" b="1" dirty="0"/>
+              <a:t>termination condition</a:t>
+            </a:r>
+            <a:endParaRPr lang="zh-CN" altLang="en-US" sz="2400" b="1" dirty="0"/>
+          </a:p>
+        </p:txBody>
+      </p:sp>
+      <mc:AlternateContent xmlns:mc="http://schemas.openxmlformats.org/markup-compatibility/2006">
+        <mc:Choice xmlns:a14="http://schemas.microsoft.com/office/drawing/2010/main" Requires="a14">
+          <p:sp>
+            <p:nvSpPr>
+              <p:cNvPr id="7" name="Title 1">
+                <a:extLst>
+                  <a:ext uri="{FF2B5EF4-FFF2-40B4-BE49-F238E27FC236}">
+                    <a16:creationId xmlns:a16="http://schemas.microsoft.com/office/drawing/2014/main" id="{FE5685C7-ABE5-5693-705D-C22540E25FD5}"/>
+                  </a:ext>
+                </a:extLst>
+              </p:cNvPr>
+              <p:cNvSpPr txBox="1">
+                <a:spLocks/>
+              </p:cNvSpPr>
+              <p:nvPr/>
+            </p:nvSpPr>
+            <p:spPr>
+              <a:xfrm>
+                <a:off x="7921375" y="2629513"/>
+                <a:ext cx="3863083" cy="2044557"/>
+              </a:xfrm>
+              <a:prstGeom prst="rect">
+                <a:avLst/>
+              </a:prstGeom>
+            </p:spPr>
+            <p:txBody>
+              <a:bodyPr vert="horz" lIns="91440" tIns="45720" rIns="91440" bIns="45720" rtlCol="0" anchor="ctr">
+                <a:normAutofit/>
+              </a:bodyPr>
+              <a:lstStyle>
+                <a:lvl1pPr algn="l" defTabSz="914400" rtl="0" eaLnBrk="1" latinLnBrk="0" hangingPunct="1">
+                  <a:lnSpc>
+                    <a:spcPct val="90000"/>
+                  </a:lnSpc>
+                  <a:spcBef>
+                    <a:spcPct val="0"/>
+                  </a:spcBef>
+                  <a:buNone/>
+                  <a:defRPr sz="4400" kern="1200">
+                    <a:solidFill>
+                      <a:schemeClr val="tx1"/>
+                    </a:solidFill>
+                    <a:latin typeface="+mj-lt"/>
+                    <a:ea typeface="+mj-ea"/>
+                    <a:cs typeface="+mj-cs"/>
+                  </a:defRPr>
+                </a:lvl1pPr>
+              </a:lstStyle>
+              <a:p>
+                <a:pPr marL="457200" indent="-457200">
+                  <a:buAutoNum type="arabicPeriod"/>
+                </a:pPr>
+                <a:r>
+                  <a:rPr lang="en-US" sz="2400" dirty="0"/>
+                  <a:t>The simplex contains the origin</a:t>
+                </a:r>
+              </a:p>
+              <a:p>
+                <a:pPr marL="457200" indent="-457200">
+                  <a:buAutoNum type="arabicPeriod"/>
+                </a:pPr>
+                <a:r>
+                  <a:rPr lang="en-US" sz="2400" dirty="0"/>
+                  <a:t>The new node of the simplex cannot cross the axis line (</a:t>
+                </a:r>
+                <a14:m>
+                  <m:oMath xmlns:m="http://schemas.openxmlformats.org/officeDocument/2006/math">
+                    <m:r>
+                      <a:rPr lang="en-US" sz="2400" b="0" i="1" smtClean="0">
+                        <a:latin typeface="Cambria Math" panose="02040503050406030204" pitchFamily="18" charset="0"/>
+                      </a:rPr>
+                      <m:t>𝑛</m:t>
+                    </m:r>
+                    <m:r>
+                      <a:rPr lang="en-US" sz="2400" b="0" i="1" smtClean="0">
+                        <a:latin typeface="Cambria Math" panose="02040503050406030204" pitchFamily="18" charset="0"/>
+                      </a:rPr>
+                      <m:t>⋅</m:t>
+                    </m:r>
+                    <m:r>
+                      <a:rPr lang="en-US" sz="2400" b="0" i="1" smtClean="0">
+                        <a:latin typeface="Cambria Math" panose="02040503050406030204" pitchFamily="18" charset="0"/>
+                      </a:rPr>
+                      <m:t>𝑑𝑖𝑟</m:t>
+                    </m:r>
+                    <m:r>
+                      <a:rPr lang="en-US" sz="2400" b="0" i="1" smtClean="0">
+                        <a:latin typeface="Cambria Math" panose="02040503050406030204" pitchFamily="18" charset="0"/>
+                      </a:rPr>
+                      <m:t>&lt;0</m:t>
+                    </m:r>
+                  </m:oMath>
+                </a14:m>
+                <a:r>
+                  <a:rPr lang="en-US" sz="2400" dirty="0"/>
+                  <a:t>)</a:t>
+                </a:r>
+                <a:endParaRPr lang="en-CN" sz="2400" dirty="0"/>
+              </a:p>
+            </p:txBody>
+          </p:sp>
+        </mc:Choice>
+        <mc:Fallback>
+          <p:sp>
+            <p:nvSpPr>
+              <p:cNvPr id="7" name="Title 1">
+                <a:extLst>
+                  <a:ext uri="{FF2B5EF4-FFF2-40B4-BE49-F238E27FC236}">
+                    <a16:creationId xmlns:a16="http://schemas.microsoft.com/office/drawing/2014/main" id="{FE5685C7-ABE5-5693-705D-C22540E25FD5}"/>
+                  </a:ext>
+                </a:extLst>
+              </p:cNvPr>
+              <p:cNvSpPr txBox="1">
+                <a:spLocks noRot="1" noChangeAspect="1" noMove="1" noResize="1" noEditPoints="1" noAdjustHandles="1" noChangeArrowheads="1" noChangeShapeType="1" noTextEdit="1"/>
+              </p:cNvSpPr>
+              <p:nvPr/>
+            </p:nvSpPr>
+            <p:spPr>
+              <a:xfrm>
+                <a:off x="7921375" y="2629513"/>
+                <a:ext cx="3863083" cy="2044557"/>
+              </a:xfrm>
+              <a:prstGeom prst="rect">
+                <a:avLst/>
+              </a:prstGeom>
+              <a:blipFill>
+                <a:blip r:embed="rId4"/>
+                <a:stretch>
+                  <a:fillRect l="-1893" r="-2366"/>
+                </a:stretch>
+              </a:blipFill>
+            </p:spPr>
+            <p:txBody>
+              <a:bodyPr/>
+              <a:lstStyle/>
+              <a:p>
+                <a:r>
+                  <a:rPr lang="zh-CN" altLang="en-US">
+                    <a:noFill/>
+                  </a:rPr>
+                  <a:t> </a:t>
+                </a:r>
+              </a:p>
+            </p:txBody>
+          </p:sp>
+        </mc:Fallback>
+      </mc:AlternateContent>
+    </p:spTree>
+    <p:extLst>
+      <p:ext uri="{BB962C8B-B14F-4D97-AF65-F5344CB8AC3E}">
+        <p14:creationId xmlns:p14="http://schemas.microsoft.com/office/powerpoint/2010/main" val="2178779254"/>
+      </p:ext>
+    </p:extLst>
+  </p:cSld>
+  <p:clrMapOvr>
+    <a:masterClrMapping/>
+  </p:clrMapOvr>
+  <mc:AlternateContent xmlns:mc="http://schemas.openxmlformats.org/markup-compatibility/2006">
+    <mc:Choice xmlns:p159="http://schemas.microsoft.com/office/powerpoint/2015/09/main" Requires="p159">
+      <p:transition xmlns:p14="http://schemas.microsoft.com/office/powerpoint/2010/main" spd="slow" p14:dur="2000">
+        <p159:morph option="byObject"/>
+      </p:transition>
+    </mc:Choice>
+    <mc:Fallback>
+      <p:transition spd="slow">
+        <p:fade/>
+      </p:transition>
+    </mc:Fallback>
+  </mc:AlternateContent>
+</p:sld>
+</file>
+
+<file path=ppt/slides/slide22.xml><?xml version="1.0" encoding="utf-8"?>
+<p:sld xmlns:a="http://schemas.openxmlformats.org/drawingml/2006/main" xmlns:r="http://schemas.openxmlformats.org/officeDocument/2006/relationships" xmlns:p="http://schemas.openxmlformats.org/presentationml/2006/main">
+  <p:cSld>
+    <p:spTree>
+      <p:nvGrpSpPr>
+        <p:cNvPr id="1" name=""/>
+        <p:cNvGrpSpPr/>
+        <p:nvPr/>
+      </p:nvGrpSpPr>
+      <p:grpSpPr>
+        <a:xfrm>
+          <a:off x="0" y="0"/>
+          <a:ext cx="0" cy="0"/>
+          <a:chOff x="0" y="0"/>
+          <a:chExt cx="0" cy="0"/>
+        </a:xfrm>
+      </p:grpSpPr>
+      <p:sp>
+        <p:nvSpPr>
+          <p:cNvPr id="6" name="Title 1">
+            <a:extLst>
+              <a:ext uri="{FF2B5EF4-FFF2-40B4-BE49-F238E27FC236}">
+                <a16:creationId xmlns:a16="http://schemas.microsoft.com/office/drawing/2014/main" id="{CC540A02-69BC-A262-B4B9-1EFA092D55CA}"/>
+              </a:ext>
+            </a:extLst>
+          </p:cNvPr>
+          <p:cNvSpPr>
+            <a:spLocks noGrp="1"/>
+          </p:cNvSpPr>
+          <p:nvPr>
+            <p:ph type="title"/>
+          </p:nvPr>
+        </p:nvSpPr>
+        <p:spPr>
+          <a:xfrm>
+            <a:off x="864742" y="18255"/>
+            <a:ext cx="10515600" cy="1325563"/>
+          </a:xfrm>
+        </p:spPr>
+        <p:txBody>
+          <a:bodyPr>
+            <a:normAutofit/>
+          </a:bodyPr>
+          <a:lstStyle/>
+          <a:p>
+            <a:r>
+              <a:rPr lang="en-US" b="1" dirty="0"/>
+              <a:t>Separating Axis Theorem (SAT)</a:t>
+            </a:r>
+            <a:endParaRPr lang="en-CN" b="1" dirty="0"/>
+          </a:p>
+        </p:txBody>
+      </p:sp>
+      <p:sp>
+        <p:nvSpPr>
+          <p:cNvPr id="2" name="Title 1">
+            <a:extLst>
+              <a:ext uri="{FF2B5EF4-FFF2-40B4-BE49-F238E27FC236}">
+                <a16:creationId xmlns:a16="http://schemas.microsoft.com/office/drawing/2014/main" id="{0815BC5E-5800-797F-6567-C69DC2C4EF25}"/>
+              </a:ext>
+            </a:extLst>
+          </p:cNvPr>
+          <p:cNvSpPr txBox="1">
+            <a:spLocks/>
+          </p:cNvSpPr>
+          <p:nvPr/>
+        </p:nvSpPr>
+        <p:spPr>
+          <a:xfrm>
+            <a:off x="811658" y="1022958"/>
+            <a:ext cx="10839785" cy="1068598"/>
+          </a:xfrm>
+          <a:prstGeom prst="rect">
+            <a:avLst/>
+          </a:prstGeom>
+        </p:spPr>
+        <p:txBody>
+          <a:bodyPr vert="horz" lIns="91440" tIns="45720" rIns="91440" bIns="45720" rtlCol="0" anchor="ctr">
+            <a:normAutofit/>
+          </a:bodyPr>
+          <a:lstStyle>
+            <a:lvl1pPr algn="l" defTabSz="914400" rtl="0" eaLnBrk="1" latinLnBrk="0" hangingPunct="1">
+              <a:lnSpc>
+                <a:spcPct val="90000"/>
+              </a:lnSpc>
+              <a:spcBef>
+                <a:spcPct val="0"/>
+              </a:spcBef>
+              <a:buNone/>
+              <a:defRPr sz="4400" kern="1200">
+                <a:solidFill>
+                  <a:schemeClr val="tx1"/>
+                </a:solidFill>
+                <a:latin typeface="+mj-lt"/>
+                <a:ea typeface="+mj-ea"/>
+                <a:cs typeface="+mj-cs"/>
+              </a:defRPr>
+            </a:lvl1pPr>
+          </a:lstStyle>
+          <a:p>
+            <a:r>
+              <a:rPr lang="en-US" sz="2400" dirty="0"/>
+              <a:t>If two objects do not collide, there always exists a straight line (plane in 3D) that can separate the two objects.</a:t>
+            </a:r>
+            <a:endParaRPr lang="en-CN" sz="2400" dirty="0"/>
+          </a:p>
+        </p:txBody>
+      </p:sp>
+      <p:pic>
+        <p:nvPicPr>
+          <p:cNvPr id="8" name="图片 7">
+            <a:extLst>
+              <a:ext uri="{FF2B5EF4-FFF2-40B4-BE49-F238E27FC236}">
+                <a16:creationId xmlns:a16="http://schemas.microsoft.com/office/drawing/2014/main" id="{E3C5CA5B-2AFF-1BFA-6F44-5E4A0CE8A9E9}"/>
+              </a:ext>
+            </a:extLst>
+          </p:cNvPr>
+          <p:cNvPicPr>
+            <a:picLocks noChangeAspect="1"/>
+          </p:cNvPicPr>
+          <p:nvPr/>
+        </p:nvPicPr>
+        <p:blipFill>
+          <a:blip r:embed="rId3"/>
+          <a:stretch>
+            <a:fillRect/>
+          </a:stretch>
+        </p:blipFill>
+        <p:spPr>
+          <a:xfrm>
+            <a:off x="811658" y="2348521"/>
+            <a:ext cx="10332378" cy="3742811"/>
+          </a:xfrm>
+          <a:prstGeom prst="rect">
+            <a:avLst/>
+          </a:prstGeom>
+        </p:spPr>
+      </p:pic>
+    </p:spTree>
+    <p:extLst>
+      <p:ext uri="{BB962C8B-B14F-4D97-AF65-F5344CB8AC3E}">
+        <p14:creationId xmlns:p14="http://schemas.microsoft.com/office/powerpoint/2010/main" val="2643866407"/>
+      </p:ext>
+    </p:extLst>
+  </p:cSld>
+  <p:clrMapOvr>
+    <a:masterClrMapping/>
+  </p:clrMapOvr>
+  <mc:AlternateContent xmlns:mc="http://schemas.openxmlformats.org/markup-compatibility/2006">
+    <mc:Choice xmlns:p159="http://schemas.microsoft.com/office/powerpoint/2015/09/main" Requires="p159">
+      <p:transition xmlns:p14="http://schemas.microsoft.com/office/powerpoint/2010/main" spd="slow" p14:dur="2000">
+        <p159:morph option="byObject"/>
+      </p:transition>
+    </mc:Choice>
+    <mc:Fallback>
+      <p:transition spd="slow">
+        <p:fade/>
+      </p:transition>
+    </mc:Fallback>
+  </mc:AlternateContent>
+</p:sld>
+</file>
+
+<file path=ppt/slides/slide23.xml><?xml version="1.0" encoding="utf-8"?>
+<p:sld xmlns:a="http://schemas.openxmlformats.org/drawingml/2006/main" xmlns:r="http://schemas.openxmlformats.org/officeDocument/2006/relationships" xmlns:p="http://schemas.openxmlformats.org/presentationml/2006/main">
+  <p:cSld>
+    <p:spTree>
+      <p:nvGrpSpPr>
+        <p:cNvPr id="1" name=""/>
+        <p:cNvGrpSpPr/>
+        <p:nvPr/>
+      </p:nvGrpSpPr>
+      <p:grpSpPr>
+        <a:xfrm>
+          <a:off x="0" y="0"/>
+          <a:ext cx="0" cy="0"/>
+          <a:chOff x="0" y="0"/>
+          <a:chExt cx="0" cy="0"/>
+        </a:xfrm>
+      </p:grpSpPr>
+      <p:sp>
+        <p:nvSpPr>
+          <p:cNvPr id="6" name="Title 1">
+            <a:extLst>
+              <a:ext uri="{FF2B5EF4-FFF2-40B4-BE49-F238E27FC236}">
+                <a16:creationId xmlns:a16="http://schemas.microsoft.com/office/drawing/2014/main" id="{CC540A02-69BC-A262-B4B9-1EFA092D55CA}"/>
+              </a:ext>
+            </a:extLst>
+          </p:cNvPr>
+          <p:cNvSpPr>
+            <a:spLocks noGrp="1"/>
+          </p:cNvSpPr>
+          <p:nvPr>
+            <p:ph type="title"/>
+          </p:nvPr>
+        </p:nvSpPr>
+        <p:spPr>
+          <a:xfrm>
+            <a:off x="864742" y="18255"/>
+            <a:ext cx="10515600" cy="1325563"/>
+          </a:xfrm>
+        </p:spPr>
+        <p:txBody>
+          <a:bodyPr>
+            <a:normAutofit/>
+          </a:bodyPr>
+          <a:lstStyle/>
+          <a:p>
+            <a:r>
+              <a:rPr lang="en-US" b="1" dirty="0"/>
+              <a:t>Separating Axis Theorem (SAT)</a:t>
+            </a:r>
+            <a:endParaRPr lang="en-CN" b="1" dirty="0"/>
+          </a:p>
+        </p:txBody>
+      </p:sp>
+      <p:sp>
+        <p:nvSpPr>
+          <p:cNvPr id="2" name="Title 1">
+            <a:extLst>
+              <a:ext uri="{FF2B5EF4-FFF2-40B4-BE49-F238E27FC236}">
+                <a16:creationId xmlns:a16="http://schemas.microsoft.com/office/drawing/2014/main" id="{0815BC5E-5800-797F-6567-C69DC2C4EF25}"/>
+              </a:ext>
+            </a:extLst>
+          </p:cNvPr>
+          <p:cNvSpPr txBox="1">
+            <a:spLocks/>
+          </p:cNvSpPr>
+          <p:nvPr/>
+        </p:nvSpPr>
+        <p:spPr>
+          <a:xfrm>
+            <a:off x="811658" y="1022958"/>
+            <a:ext cx="10839785" cy="1068598"/>
+          </a:xfrm>
+          <a:prstGeom prst="rect">
+            <a:avLst/>
+          </a:prstGeom>
+        </p:spPr>
+        <p:txBody>
+          <a:bodyPr vert="horz" lIns="91440" tIns="45720" rIns="91440" bIns="45720" rtlCol="0" anchor="ctr">
+            <a:normAutofit/>
+          </a:bodyPr>
+          <a:lstStyle>
+            <a:lvl1pPr algn="l" defTabSz="914400" rtl="0" eaLnBrk="1" latinLnBrk="0" hangingPunct="1">
+              <a:lnSpc>
+                <a:spcPct val="90000"/>
+              </a:lnSpc>
+              <a:spcBef>
+                <a:spcPct val="0"/>
+              </a:spcBef>
+              <a:buNone/>
+              <a:defRPr sz="4400" kern="1200">
+                <a:solidFill>
+                  <a:schemeClr val="tx1"/>
+                </a:solidFill>
+                <a:latin typeface="+mj-lt"/>
+                <a:ea typeface="+mj-ea"/>
+                <a:cs typeface="+mj-cs"/>
+              </a:defRPr>
+            </a:lvl1pPr>
+          </a:lstStyle>
+          <a:p>
+            <a:r>
+              <a:rPr lang="en-US" sz="2400" dirty="0"/>
+              <a:t>If two objects do not collide, there always exists a straight line (plane in 3D) that can separate the two objects.</a:t>
+            </a:r>
+            <a:endParaRPr lang="en-CN" sz="2400" dirty="0"/>
+          </a:p>
+        </p:txBody>
+      </p:sp>
+      <p:pic>
+        <p:nvPicPr>
+          <p:cNvPr id="23" name="图片 22">
+            <a:extLst>
+              <a:ext uri="{FF2B5EF4-FFF2-40B4-BE49-F238E27FC236}">
+                <a16:creationId xmlns:a16="http://schemas.microsoft.com/office/drawing/2014/main" id="{EB46D008-0FAB-9A2D-DA66-992AE89C9FB8}"/>
+              </a:ext>
+            </a:extLst>
+          </p:cNvPr>
+          <p:cNvPicPr>
+            <a:picLocks noChangeAspect="1"/>
+          </p:cNvPicPr>
+          <p:nvPr/>
+        </p:nvPicPr>
+        <p:blipFill>
+          <a:blip r:embed="rId3"/>
+          <a:stretch>
+            <a:fillRect/>
+          </a:stretch>
+        </p:blipFill>
+        <p:spPr>
+          <a:xfrm>
+            <a:off x="864742" y="1997741"/>
+            <a:ext cx="6459415" cy="4678892"/>
+          </a:xfrm>
+          <a:prstGeom prst="rect">
+            <a:avLst/>
+          </a:prstGeom>
+        </p:spPr>
+      </p:pic>
+      <p:sp>
+        <p:nvSpPr>
+          <p:cNvPr id="24" name="文本框 23">
+            <a:extLst>
+              <a:ext uri="{FF2B5EF4-FFF2-40B4-BE49-F238E27FC236}">
+                <a16:creationId xmlns:a16="http://schemas.microsoft.com/office/drawing/2014/main" id="{D69F3F77-6615-E059-EC7F-F1A94D170F38}"/>
+              </a:ext>
+            </a:extLst>
+          </p:cNvPr>
+          <p:cNvSpPr txBox="1"/>
+          <p:nvPr/>
+        </p:nvSpPr>
+        <p:spPr>
+          <a:xfrm>
+            <a:off x="3136260" y="3234879"/>
+            <a:ext cx="298480" cy="338554"/>
+          </a:xfrm>
+          <a:prstGeom prst="rect">
+            <a:avLst/>
+          </a:prstGeom>
+          <a:noFill/>
+        </p:spPr>
+        <p:txBody>
+          <a:bodyPr wrap="none" rtlCol="0">
+            <a:spAutoFit/>
+          </a:bodyPr>
+          <a:lstStyle/>
+          <a:p>
+            <a:r>
+              <a:rPr lang="en-US" altLang="zh-CN" sz="1600" b="1" dirty="0"/>
+              <a:t>1</a:t>
+            </a:r>
+            <a:endParaRPr lang="zh-CN" altLang="en-US" sz="1600" b="1" dirty="0"/>
+          </a:p>
+        </p:txBody>
+      </p:sp>
+      <p:sp>
+        <p:nvSpPr>
+          <p:cNvPr id="25" name="文本框 24">
+            <a:extLst>
+              <a:ext uri="{FF2B5EF4-FFF2-40B4-BE49-F238E27FC236}">
+                <a16:creationId xmlns:a16="http://schemas.microsoft.com/office/drawing/2014/main" id="{568B35A2-A4E2-C034-61B0-56FD06D721D5}"/>
+              </a:ext>
+            </a:extLst>
+          </p:cNvPr>
+          <p:cNvSpPr txBox="1"/>
+          <p:nvPr/>
+        </p:nvSpPr>
+        <p:spPr>
+          <a:xfrm>
+            <a:off x="7324157" y="4498230"/>
+            <a:ext cx="298480" cy="338554"/>
+          </a:xfrm>
+          <a:prstGeom prst="rect">
+            <a:avLst/>
+          </a:prstGeom>
+          <a:noFill/>
+        </p:spPr>
+        <p:txBody>
+          <a:bodyPr wrap="none" rtlCol="0">
+            <a:spAutoFit/>
+          </a:bodyPr>
+          <a:lstStyle/>
+          <a:p>
+            <a:r>
+              <a:rPr lang="en-US" altLang="zh-CN" sz="1600" b="1" dirty="0"/>
+              <a:t>1</a:t>
+            </a:r>
+            <a:endParaRPr lang="zh-CN" altLang="en-US" sz="1600" b="1" dirty="0"/>
+          </a:p>
+        </p:txBody>
+      </p:sp>
+      <p:sp>
+        <p:nvSpPr>
+          <p:cNvPr id="26" name="文本框 25">
+            <a:extLst>
+              <a:ext uri="{FF2B5EF4-FFF2-40B4-BE49-F238E27FC236}">
+                <a16:creationId xmlns:a16="http://schemas.microsoft.com/office/drawing/2014/main" id="{F12AF65A-425D-5A27-053A-13379627A858}"/>
+              </a:ext>
+            </a:extLst>
+          </p:cNvPr>
+          <p:cNvSpPr txBox="1"/>
+          <p:nvPr/>
+        </p:nvSpPr>
+        <p:spPr>
+          <a:xfrm>
+            <a:off x="4183565" y="3234879"/>
+            <a:ext cx="298480" cy="338554"/>
+          </a:xfrm>
+          <a:prstGeom prst="rect">
+            <a:avLst/>
+          </a:prstGeom>
+          <a:noFill/>
+        </p:spPr>
+        <p:txBody>
+          <a:bodyPr wrap="none" rtlCol="0">
+            <a:spAutoFit/>
+          </a:bodyPr>
+          <a:lstStyle/>
+          <a:p>
+            <a:r>
+              <a:rPr lang="en-US" altLang="zh-CN" sz="1600" b="1" dirty="0"/>
+              <a:t>2</a:t>
+            </a:r>
+            <a:endParaRPr lang="zh-CN" altLang="en-US" sz="1600" b="1" dirty="0"/>
+          </a:p>
+        </p:txBody>
+      </p:sp>
+      <p:sp>
+        <p:nvSpPr>
+          <p:cNvPr id="27" name="文本框 26">
+            <a:extLst>
+              <a:ext uri="{FF2B5EF4-FFF2-40B4-BE49-F238E27FC236}">
+                <a16:creationId xmlns:a16="http://schemas.microsoft.com/office/drawing/2014/main" id="{6DCF5D11-A2AB-99D8-D19D-FC85B3E3F0A2}"/>
+              </a:ext>
+            </a:extLst>
+          </p:cNvPr>
+          <p:cNvSpPr txBox="1"/>
+          <p:nvPr/>
+        </p:nvSpPr>
+        <p:spPr>
+          <a:xfrm>
+            <a:off x="566262" y="4249987"/>
+            <a:ext cx="298480" cy="338554"/>
+          </a:xfrm>
+          <a:prstGeom prst="rect">
+            <a:avLst/>
+          </a:prstGeom>
+          <a:noFill/>
+        </p:spPr>
+        <p:txBody>
+          <a:bodyPr wrap="none" rtlCol="0">
+            <a:spAutoFit/>
+          </a:bodyPr>
+          <a:lstStyle/>
+          <a:p>
+            <a:r>
+              <a:rPr lang="en-US" altLang="zh-CN" sz="1600" b="1" dirty="0"/>
+              <a:t>2</a:t>
+            </a:r>
+            <a:endParaRPr lang="zh-CN" altLang="en-US" sz="1600" b="1" dirty="0"/>
+          </a:p>
+        </p:txBody>
+      </p:sp>
+      <p:sp>
+        <p:nvSpPr>
+          <p:cNvPr id="28" name="文本框 27">
+            <a:extLst>
+              <a:ext uri="{FF2B5EF4-FFF2-40B4-BE49-F238E27FC236}">
+                <a16:creationId xmlns:a16="http://schemas.microsoft.com/office/drawing/2014/main" id="{C62BA169-13DC-7B91-EFE3-8763B63F2F52}"/>
+              </a:ext>
+            </a:extLst>
+          </p:cNvPr>
+          <p:cNvSpPr txBox="1"/>
+          <p:nvPr/>
+        </p:nvSpPr>
+        <p:spPr>
+          <a:xfrm>
+            <a:off x="3398529" y="3911433"/>
+            <a:ext cx="298480" cy="338554"/>
+          </a:xfrm>
+          <a:prstGeom prst="rect">
+            <a:avLst/>
+          </a:prstGeom>
+          <a:noFill/>
+        </p:spPr>
+        <p:txBody>
+          <a:bodyPr wrap="none" rtlCol="0">
+            <a:spAutoFit/>
+          </a:bodyPr>
+          <a:lstStyle/>
+          <a:p>
+            <a:r>
+              <a:rPr lang="en-US" altLang="zh-CN" sz="1600" b="1" dirty="0"/>
+              <a:t>3</a:t>
+            </a:r>
+            <a:endParaRPr lang="zh-CN" altLang="en-US" sz="1600" b="1" dirty="0"/>
+          </a:p>
+        </p:txBody>
+      </p:sp>
+      <p:sp>
+        <p:nvSpPr>
+          <p:cNvPr id="29" name="文本框 28">
+            <a:extLst>
+              <a:ext uri="{FF2B5EF4-FFF2-40B4-BE49-F238E27FC236}">
+                <a16:creationId xmlns:a16="http://schemas.microsoft.com/office/drawing/2014/main" id="{DA93B997-E75D-8473-3DCA-2B2C457EF4BA}"/>
+              </a:ext>
+            </a:extLst>
+          </p:cNvPr>
+          <p:cNvSpPr txBox="1"/>
+          <p:nvPr/>
+        </p:nvSpPr>
+        <p:spPr>
+          <a:xfrm>
+            <a:off x="1713164" y="1987273"/>
+            <a:ext cx="298480" cy="338554"/>
+          </a:xfrm>
+          <a:prstGeom prst="rect">
+            <a:avLst/>
+          </a:prstGeom>
+          <a:noFill/>
+        </p:spPr>
+        <p:txBody>
+          <a:bodyPr wrap="none" rtlCol="0">
+            <a:spAutoFit/>
+          </a:bodyPr>
+          <a:lstStyle/>
+          <a:p>
+            <a:r>
+              <a:rPr lang="en-US" altLang="zh-CN" sz="1600" b="1" dirty="0"/>
+              <a:t>3</a:t>
+            </a:r>
+            <a:endParaRPr lang="zh-CN" altLang="en-US" sz="1600" b="1" dirty="0"/>
+          </a:p>
+        </p:txBody>
+      </p:sp>
+      <p:sp>
+        <p:nvSpPr>
+          <p:cNvPr id="30" name="文本框 29">
+            <a:extLst>
+              <a:ext uri="{FF2B5EF4-FFF2-40B4-BE49-F238E27FC236}">
+                <a16:creationId xmlns:a16="http://schemas.microsoft.com/office/drawing/2014/main" id="{A89BF5D9-3C49-B8DE-5F6F-B61FD66D570D}"/>
+              </a:ext>
+            </a:extLst>
+          </p:cNvPr>
+          <p:cNvSpPr txBox="1"/>
+          <p:nvPr/>
+        </p:nvSpPr>
+        <p:spPr>
+          <a:xfrm>
+            <a:off x="3945209" y="4159676"/>
+            <a:ext cx="298480" cy="338554"/>
+          </a:xfrm>
+          <a:prstGeom prst="rect">
+            <a:avLst/>
+          </a:prstGeom>
+          <a:noFill/>
+        </p:spPr>
+        <p:txBody>
+          <a:bodyPr wrap="none" rtlCol="0">
+            <a:spAutoFit/>
+          </a:bodyPr>
+          <a:lstStyle/>
+          <a:p>
+            <a:r>
+              <a:rPr lang="en-US" altLang="zh-CN" sz="1600" b="1" dirty="0"/>
+              <a:t>4</a:t>
+            </a:r>
+            <a:endParaRPr lang="zh-CN" altLang="en-US" sz="1600" b="1" dirty="0"/>
+          </a:p>
+        </p:txBody>
+      </p:sp>
+      <p:sp>
+        <p:nvSpPr>
+          <p:cNvPr id="31" name="文本框 30">
+            <a:extLst>
+              <a:ext uri="{FF2B5EF4-FFF2-40B4-BE49-F238E27FC236}">
+                <a16:creationId xmlns:a16="http://schemas.microsoft.com/office/drawing/2014/main" id="{0D962865-27DC-DDF2-9B76-0ACB51BCD2C0}"/>
+              </a:ext>
+            </a:extLst>
+          </p:cNvPr>
+          <p:cNvSpPr txBox="1"/>
+          <p:nvPr/>
+        </p:nvSpPr>
+        <p:spPr>
+          <a:xfrm>
+            <a:off x="7324157" y="5933318"/>
+            <a:ext cx="298480" cy="338554"/>
+          </a:xfrm>
+          <a:prstGeom prst="rect">
+            <a:avLst/>
+          </a:prstGeom>
+          <a:noFill/>
+        </p:spPr>
+        <p:txBody>
+          <a:bodyPr wrap="none" rtlCol="0">
+            <a:spAutoFit/>
+          </a:bodyPr>
+          <a:lstStyle/>
+          <a:p>
+            <a:r>
+              <a:rPr lang="en-US" altLang="zh-CN" sz="1600" b="1" dirty="0"/>
+              <a:t>4</a:t>
+            </a:r>
+            <a:endParaRPr lang="zh-CN" altLang="en-US" sz="1600" b="1" dirty="0"/>
+          </a:p>
+        </p:txBody>
+      </p:sp>
+      <p:sp>
+        <p:nvSpPr>
+          <p:cNvPr id="32" name="文本框 31">
+            <a:extLst>
+              <a:ext uri="{FF2B5EF4-FFF2-40B4-BE49-F238E27FC236}">
+                <a16:creationId xmlns:a16="http://schemas.microsoft.com/office/drawing/2014/main" id="{B1334ABC-2B1C-F1D5-363D-A4FDD92D523B}"/>
+              </a:ext>
+            </a:extLst>
+          </p:cNvPr>
+          <p:cNvSpPr txBox="1"/>
+          <p:nvPr/>
+        </p:nvSpPr>
+        <p:spPr>
+          <a:xfrm>
+            <a:off x="4542169" y="4419264"/>
+            <a:ext cx="298480" cy="338554"/>
+          </a:xfrm>
+          <a:prstGeom prst="rect">
+            <a:avLst/>
+          </a:prstGeom>
+          <a:noFill/>
+        </p:spPr>
+        <p:txBody>
+          <a:bodyPr wrap="none" rtlCol="0">
+            <a:spAutoFit/>
+          </a:bodyPr>
+          <a:lstStyle/>
+          <a:p>
+            <a:r>
+              <a:rPr lang="en-US" altLang="zh-CN" sz="1600" b="1" dirty="0"/>
+              <a:t>5</a:t>
+            </a:r>
+            <a:endParaRPr lang="zh-CN" altLang="en-US" sz="1600" b="1" dirty="0"/>
+          </a:p>
+        </p:txBody>
+      </p:sp>
+      <p:sp>
+        <p:nvSpPr>
+          <p:cNvPr id="33" name="文本框 32">
+            <a:extLst>
+              <a:ext uri="{FF2B5EF4-FFF2-40B4-BE49-F238E27FC236}">
+                <a16:creationId xmlns:a16="http://schemas.microsoft.com/office/drawing/2014/main" id="{6897ECDB-4607-A965-FF16-7D8357E5FD87}"/>
+              </a:ext>
+            </a:extLst>
+          </p:cNvPr>
+          <p:cNvSpPr txBox="1"/>
+          <p:nvPr/>
+        </p:nvSpPr>
+        <p:spPr>
+          <a:xfrm>
+            <a:off x="633557" y="3499339"/>
+            <a:ext cx="298480" cy="338554"/>
+          </a:xfrm>
+          <a:prstGeom prst="rect">
+            <a:avLst/>
+          </a:prstGeom>
+          <a:noFill/>
+        </p:spPr>
+        <p:txBody>
+          <a:bodyPr wrap="none" rtlCol="0">
+            <a:spAutoFit/>
+          </a:bodyPr>
+          <a:lstStyle/>
+          <a:p>
+            <a:r>
+              <a:rPr lang="en-US" altLang="zh-CN" sz="1600" b="1" dirty="0"/>
+              <a:t>5</a:t>
+            </a:r>
+            <a:endParaRPr lang="zh-CN" altLang="en-US" sz="1600" b="1" dirty="0"/>
+          </a:p>
+        </p:txBody>
+      </p:sp>
+      <p:sp>
+        <p:nvSpPr>
+          <p:cNvPr id="34" name="文本框 33">
+            <a:extLst>
+              <a:ext uri="{FF2B5EF4-FFF2-40B4-BE49-F238E27FC236}">
+                <a16:creationId xmlns:a16="http://schemas.microsoft.com/office/drawing/2014/main" id="{A280FC3F-1001-FB81-3FC0-236AF82042BD}"/>
+              </a:ext>
+            </a:extLst>
+          </p:cNvPr>
+          <p:cNvSpPr txBox="1"/>
+          <p:nvPr/>
+        </p:nvSpPr>
+        <p:spPr>
+          <a:xfrm>
+            <a:off x="4557316" y="3539775"/>
+            <a:ext cx="298480" cy="338554"/>
+          </a:xfrm>
+          <a:prstGeom prst="rect">
+            <a:avLst/>
+          </a:prstGeom>
+          <a:noFill/>
+        </p:spPr>
+        <p:txBody>
+          <a:bodyPr wrap="none" rtlCol="0">
+            <a:spAutoFit/>
+          </a:bodyPr>
+          <a:lstStyle/>
+          <a:p>
+            <a:r>
+              <a:rPr lang="en-US" altLang="zh-CN" sz="1600" b="1" dirty="0"/>
+              <a:t>6</a:t>
+            </a:r>
+            <a:endParaRPr lang="zh-CN" altLang="en-US" sz="1600" b="1" dirty="0"/>
+          </a:p>
+        </p:txBody>
+      </p:sp>
+      <p:sp>
+        <p:nvSpPr>
+          <p:cNvPr id="35" name="文本框 34">
+            <a:extLst>
+              <a:ext uri="{FF2B5EF4-FFF2-40B4-BE49-F238E27FC236}">
+                <a16:creationId xmlns:a16="http://schemas.microsoft.com/office/drawing/2014/main" id="{D3E12C32-FD32-B309-C28B-65A558E11CF3}"/>
+              </a:ext>
+            </a:extLst>
+          </p:cNvPr>
+          <p:cNvSpPr txBox="1"/>
+          <p:nvPr/>
+        </p:nvSpPr>
+        <p:spPr>
+          <a:xfrm>
+            <a:off x="5897199" y="2107066"/>
+            <a:ext cx="298480" cy="338554"/>
+          </a:xfrm>
+          <a:prstGeom prst="rect">
+            <a:avLst/>
+          </a:prstGeom>
+          <a:noFill/>
+        </p:spPr>
+        <p:txBody>
+          <a:bodyPr wrap="none" rtlCol="0">
+            <a:spAutoFit/>
+          </a:bodyPr>
+          <a:lstStyle/>
+          <a:p>
+            <a:r>
+              <a:rPr lang="en-US" altLang="zh-CN" sz="1600" b="1" dirty="0"/>
+              <a:t>6</a:t>
+            </a:r>
+            <a:endParaRPr lang="zh-CN" altLang="en-US" sz="1600" b="1" dirty="0"/>
+          </a:p>
+        </p:txBody>
+      </p:sp>
+      <p:cxnSp>
+        <p:nvCxnSpPr>
+          <p:cNvPr id="37" name="直接连接符 36">
+            <a:extLst>
+              <a:ext uri="{FF2B5EF4-FFF2-40B4-BE49-F238E27FC236}">
+                <a16:creationId xmlns:a16="http://schemas.microsoft.com/office/drawing/2014/main" id="{3CD31B50-E8F2-1C97-0217-69F908878B92}"/>
+              </a:ext>
+            </a:extLst>
+          </p:cNvPr>
+          <p:cNvCxnSpPr/>
+          <p:nvPr/>
+        </p:nvCxnSpPr>
+        <p:spPr>
+          <a:xfrm>
+            <a:off x="2349884" y="4757818"/>
+            <a:ext cx="1084856" cy="778373"/>
+          </a:xfrm>
+          <a:prstGeom prst="line">
+            <a:avLst/>
+          </a:prstGeom>
+        </p:spPr>
+        <p:style>
+          <a:lnRef idx="1">
+            <a:schemeClr val="accent1"/>
+          </a:lnRef>
+          <a:fillRef idx="0">
+            <a:schemeClr val="accent1"/>
+          </a:fillRef>
+          <a:effectRef idx="0">
+            <a:schemeClr val="accent1"/>
+          </a:effectRef>
+          <a:fontRef idx="minor">
+            <a:schemeClr val="tx1"/>
+          </a:fontRef>
+        </p:style>
+      </p:cxnSp>
+      <p:cxnSp>
+        <p:nvCxnSpPr>
+          <p:cNvPr id="41" name="直接连接符 40">
+            <a:extLst>
+              <a:ext uri="{FF2B5EF4-FFF2-40B4-BE49-F238E27FC236}">
+                <a16:creationId xmlns:a16="http://schemas.microsoft.com/office/drawing/2014/main" id="{4F087166-A281-3276-35EC-D3DB8146C682}"/>
+              </a:ext>
+            </a:extLst>
+          </p:cNvPr>
+          <p:cNvCxnSpPr>
+            <a:cxnSpLocks/>
+          </p:cNvCxnSpPr>
+          <p:nvPr/>
+        </p:nvCxnSpPr>
+        <p:spPr>
+          <a:xfrm>
+            <a:off x="3136260" y="5262964"/>
+            <a:ext cx="571023" cy="406791"/>
+          </a:xfrm>
+          <a:prstGeom prst="line">
+            <a:avLst/>
+          </a:prstGeom>
+        </p:spPr>
+        <p:style>
+          <a:lnRef idx="1">
+            <a:schemeClr val="accent6"/>
+          </a:lnRef>
+          <a:fillRef idx="0">
+            <a:schemeClr val="accent6"/>
+          </a:fillRef>
+          <a:effectRef idx="0">
+            <a:schemeClr val="accent6"/>
+          </a:effectRef>
+          <a:fontRef idx="minor">
+            <a:schemeClr val="tx1"/>
+          </a:fontRef>
+        </p:style>
+      </p:cxnSp>
+      <p:cxnSp>
+        <p:nvCxnSpPr>
+          <p:cNvPr id="43" name="直接连接符 42">
+            <a:extLst>
+              <a:ext uri="{FF2B5EF4-FFF2-40B4-BE49-F238E27FC236}">
+                <a16:creationId xmlns:a16="http://schemas.microsoft.com/office/drawing/2014/main" id="{A8C43E7B-25C9-1DBD-2841-09B7F61C01B0}"/>
+              </a:ext>
+            </a:extLst>
+          </p:cNvPr>
+          <p:cNvCxnSpPr>
+            <a:cxnSpLocks/>
+          </p:cNvCxnSpPr>
+          <p:nvPr/>
+        </p:nvCxnSpPr>
+        <p:spPr>
+          <a:xfrm flipV="1">
+            <a:off x="3136260" y="6271872"/>
+            <a:ext cx="1570296" cy="37902"/>
+          </a:xfrm>
+          <a:prstGeom prst="line">
+            <a:avLst/>
+          </a:prstGeom>
+        </p:spPr>
+        <p:style>
+          <a:lnRef idx="1">
+            <a:schemeClr val="accent1"/>
+          </a:lnRef>
+          <a:fillRef idx="0">
+            <a:schemeClr val="accent1"/>
+          </a:fillRef>
+          <a:effectRef idx="0">
+            <a:schemeClr val="accent1"/>
+          </a:effectRef>
+          <a:fontRef idx="minor">
+            <a:schemeClr val="tx1"/>
+          </a:fontRef>
+        </p:style>
+      </p:cxnSp>
+      <p:cxnSp>
+        <p:nvCxnSpPr>
+          <p:cNvPr id="49" name="直接连接符 48">
+            <a:extLst>
+              <a:ext uri="{FF2B5EF4-FFF2-40B4-BE49-F238E27FC236}">
+                <a16:creationId xmlns:a16="http://schemas.microsoft.com/office/drawing/2014/main" id="{F6D810FA-B821-2388-F177-6ADB32BFF0B4}"/>
+              </a:ext>
+            </a:extLst>
+          </p:cNvPr>
+          <p:cNvCxnSpPr>
+            <a:cxnSpLocks/>
+          </p:cNvCxnSpPr>
+          <p:nvPr/>
+        </p:nvCxnSpPr>
+        <p:spPr>
+          <a:xfrm rot="120000" flipV="1">
+            <a:off x="4211493" y="6167590"/>
+            <a:ext cx="828000" cy="36000"/>
+          </a:xfrm>
+          <a:prstGeom prst="line">
+            <a:avLst/>
+          </a:prstGeom>
+        </p:spPr>
+        <p:style>
+          <a:lnRef idx="1">
+            <a:schemeClr val="accent6"/>
+          </a:lnRef>
+          <a:fillRef idx="0">
+            <a:schemeClr val="accent6"/>
+          </a:fillRef>
+          <a:effectRef idx="0">
+            <a:schemeClr val="accent6"/>
+          </a:effectRef>
+          <a:fontRef idx="minor">
+            <a:schemeClr val="tx1"/>
+          </a:fontRef>
+        </p:style>
+      </p:cxnSp>
+      <p:cxnSp>
+        <p:nvCxnSpPr>
+          <p:cNvPr id="54" name="直接连接符 53">
+            <a:extLst>
+              <a:ext uri="{FF2B5EF4-FFF2-40B4-BE49-F238E27FC236}">
+                <a16:creationId xmlns:a16="http://schemas.microsoft.com/office/drawing/2014/main" id="{3F4FC820-EE33-94F2-A451-7B7802F561BA}"/>
+              </a:ext>
+            </a:extLst>
+          </p:cNvPr>
+          <p:cNvCxnSpPr>
+            <a:cxnSpLocks/>
+          </p:cNvCxnSpPr>
+          <p:nvPr/>
+        </p:nvCxnSpPr>
+        <p:spPr>
+          <a:xfrm rot="-60000">
+            <a:off x="5830794" y="3021008"/>
+            <a:ext cx="0" cy="1087291"/>
+          </a:xfrm>
+          <a:prstGeom prst="line">
+            <a:avLst/>
+          </a:prstGeom>
+        </p:spPr>
+        <p:style>
+          <a:lnRef idx="1">
+            <a:schemeClr val="accent1"/>
+          </a:lnRef>
+          <a:fillRef idx="0">
+            <a:schemeClr val="accent1"/>
+          </a:fillRef>
+          <a:effectRef idx="0">
+            <a:schemeClr val="accent1"/>
+          </a:effectRef>
+          <a:fontRef idx="minor">
+            <a:schemeClr val="tx1"/>
+          </a:fontRef>
+        </p:style>
+      </p:cxnSp>
+      <p:cxnSp>
+        <p:nvCxnSpPr>
+          <p:cNvPr id="56" name="直接连接符 55">
+            <a:extLst>
+              <a:ext uri="{FF2B5EF4-FFF2-40B4-BE49-F238E27FC236}">
+                <a16:creationId xmlns:a16="http://schemas.microsoft.com/office/drawing/2014/main" id="{314F6BD5-90AE-218A-388D-2300D8D18777}"/>
+              </a:ext>
+            </a:extLst>
+          </p:cNvPr>
+          <p:cNvCxnSpPr>
+            <a:cxnSpLocks/>
+          </p:cNvCxnSpPr>
+          <p:nvPr/>
+        </p:nvCxnSpPr>
+        <p:spPr>
+          <a:xfrm rot="-60000">
+            <a:off x="5761447" y="3837893"/>
+            <a:ext cx="0" cy="1169438"/>
+          </a:xfrm>
+          <a:prstGeom prst="line">
+            <a:avLst/>
+          </a:prstGeom>
+        </p:spPr>
+        <p:style>
+          <a:lnRef idx="1">
+            <a:schemeClr val="accent6"/>
+          </a:lnRef>
+          <a:fillRef idx="0">
+            <a:schemeClr val="accent6"/>
+          </a:fillRef>
+          <a:effectRef idx="0">
+            <a:schemeClr val="accent6"/>
+          </a:effectRef>
+          <a:fontRef idx="minor">
+            <a:schemeClr val="tx1"/>
+          </a:fontRef>
+        </p:style>
+      </p:cxnSp>
+      <p:cxnSp>
+        <p:nvCxnSpPr>
+          <p:cNvPr id="58" name="直接连接符 57">
+            <a:extLst>
+              <a:ext uri="{FF2B5EF4-FFF2-40B4-BE49-F238E27FC236}">
+                <a16:creationId xmlns:a16="http://schemas.microsoft.com/office/drawing/2014/main" id="{C9653EFB-825A-3EFA-E15E-CAB59F49CFEE}"/>
+              </a:ext>
+            </a:extLst>
+          </p:cNvPr>
+          <p:cNvCxnSpPr/>
+          <p:nvPr/>
+        </p:nvCxnSpPr>
+        <p:spPr>
+          <a:xfrm>
+            <a:off x="4482045" y="2252605"/>
+            <a:ext cx="1041388" cy="883663"/>
+          </a:xfrm>
+          <a:prstGeom prst="line">
+            <a:avLst/>
+          </a:prstGeom>
+        </p:spPr>
+        <p:style>
+          <a:lnRef idx="1">
+            <a:schemeClr val="accent1"/>
+          </a:lnRef>
+          <a:fillRef idx="0">
+            <a:schemeClr val="accent1"/>
+          </a:fillRef>
+          <a:effectRef idx="0">
+            <a:schemeClr val="accent1"/>
+          </a:effectRef>
+          <a:fontRef idx="minor">
+            <a:schemeClr val="tx1"/>
+          </a:fontRef>
+        </p:style>
+      </p:cxnSp>
+      <p:cxnSp>
+        <p:nvCxnSpPr>
+          <p:cNvPr id="60" name="直接连接符 59">
+            <a:extLst>
+              <a:ext uri="{FF2B5EF4-FFF2-40B4-BE49-F238E27FC236}">
+                <a16:creationId xmlns:a16="http://schemas.microsoft.com/office/drawing/2014/main" id="{C20F769B-33BD-C01A-8D7D-901F7F558326}"/>
+              </a:ext>
+            </a:extLst>
+          </p:cNvPr>
+          <p:cNvCxnSpPr/>
+          <p:nvPr/>
+        </p:nvCxnSpPr>
+        <p:spPr>
+          <a:xfrm>
+            <a:off x="5096969" y="2859643"/>
+            <a:ext cx="591671" cy="491778"/>
+          </a:xfrm>
+          <a:prstGeom prst="line">
+            <a:avLst/>
+          </a:prstGeom>
+        </p:spPr>
+        <p:style>
+          <a:lnRef idx="1">
+            <a:schemeClr val="accent6"/>
+          </a:lnRef>
+          <a:fillRef idx="0">
+            <a:schemeClr val="accent6"/>
+          </a:fillRef>
+          <a:effectRef idx="0">
+            <a:schemeClr val="accent6"/>
+          </a:effectRef>
+          <a:fontRef idx="minor">
+            <a:schemeClr val="tx1"/>
+          </a:fontRef>
+        </p:style>
+      </p:cxnSp>
+      <p:cxnSp>
+        <p:nvCxnSpPr>
+          <p:cNvPr id="62" name="直接连接符 61">
+            <a:extLst>
+              <a:ext uri="{FF2B5EF4-FFF2-40B4-BE49-F238E27FC236}">
+                <a16:creationId xmlns:a16="http://schemas.microsoft.com/office/drawing/2014/main" id="{DFC29547-92E5-6E6F-A153-C3A02D476131}"/>
+              </a:ext>
+            </a:extLst>
+          </p:cNvPr>
+          <p:cNvCxnSpPr>
+            <a:cxnSpLocks/>
+          </p:cNvCxnSpPr>
+          <p:nvPr/>
+        </p:nvCxnSpPr>
+        <p:spPr>
+          <a:xfrm flipH="1">
+            <a:off x="2273087" y="2406285"/>
+            <a:ext cx="1010450" cy="828594"/>
+          </a:xfrm>
+          <a:prstGeom prst="line">
+            <a:avLst/>
+          </a:prstGeom>
+        </p:spPr>
+        <p:style>
+          <a:lnRef idx="1">
+            <a:schemeClr val="accent1"/>
+          </a:lnRef>
+          <a:fillRef idx="0">
+            <a:schemeClr val="accent1"/>
+          </a:fillRef>
+          <a:effectRef idx="0">
+            <a:schemeClr val="accent1"/>
+          </a:effectRef>
+          <a:fontRef idx="minor">
+            <a:schemeClr val="tx1"/>
+          </a:fontRef>
+        </p:style>
+      </p:cxnSp>
+      <p:cxnSp>
+        <p:nvCxnSpPr>
+          <p:cNvPr id="67" name="直接连接符 66">
+            <a:extLst>
+              <a:ext uri="{FF2B5EF4-FFF2-40B4-BE49-F238E27FC236}">
+                <a16:creationId xmlns:a16="http://schemas.microsoft.com/office/drawing/2014/main" id="{B3F482D3-E174-7629-C6FE-24B5F6C1DC20}"/>
+              </a:ext>
+            </a:extLst>
+          </p:cNvPr>
+          <p:cNvCxnSpPr/>
+          <p:nvPr/>
+        </p:nvCxnSpPr>
+        <p:spPr>
+          <a:xfrm flipV="1">
+            <a:off x="2247142" y="2445620"/>
+            <a:ext cx="1114746" cy="905801"/>
+          </a:xfrm>
+          <a:prstGeom prst="line">
+            <a:avLst/>
+          </a:prstGeom>
+        </p:spPr>
+        <p:style>
+          <a:lnRef idx="1">
+            <a:schemeClr val="accent6"/>
+          </a:lnRef>
+          <a:fillRef idx="0">
+            <a:schemeClr val="accent6"/>
+          </a:fillRef>
+          <a:effectRef idx="0">
+            <a:schemeClr val="accent6"/>
+          </a:effectRef>
+          <a:fontRef idx="minor">
+            <a:schemeClr val="tx1"/>
+          </a:fontRef>
+        </p:style>
+      </p:cxnSp>
+      <p:cxnSp>
+        <p:nvCxnSpPr>
+          <p:cNvPr id="69" name="直接连接符 68">
+            <a:extLst>
+              <a:ext uri="{FF2B5EF4-FFF2-40B4-BE49-F238E27FC236}">
+                <a16:creationId xmlns:a16="http://schemas.microsoft.com/office/drawing/2014/main" id="{B8D3C8D4-426C-8449-4AAA-123DEB09707D}"/>
+              </a:ext>
+            </a:extLst>
+          </p:cNvPr>
+          <p:cNvCxnSpPr/>
+          <p:nvPr/>
+        </p:nvCxnSpPr>
+        <p:spPr>
+          <a:xfrm flipH="1">
+            <a:off x="1887547" y="2859643"/>
+            <a:ext cx="124097" cy="978250"/>
+          </a:xfrm>
+          <a:prstGeom prst="line">
+            <a:avLst/>
+          </a:prstGeom>
+        </p:spPr>
+        <p:style>
+          <a:lnRef idx="1">
+            <a:schemeClr val="accent1"/>
+          </a:lnRef>
+          <a:fillRef idx="0">
+            <a:schemeClr val="accent1"/>
+          </a:fillRef>
+          <a:effectRef idx="0">
+            <a:schemeClr val="accent1"/>
+          </a:effectRef>
+          <a:fontRef idx="minor">
+            <a:schemeClr val="tx1"/>
+          </a:fontRef>
+        </p:style>
+      </p:cxnSp>
+      <p:cxnSp>
+        <p:nvCxnSpPr>
+          <p:cNvPr id="71" name="直接连接符 70">
+            <a:extLst>
+              <a:ext uri="{FF2B5EF4-FFF2-40B4-BE49-F238E27FC236}">
+                <a16:creationId xmlns:a16="http://schemas.microsoft.com/office/drawing/2014/main" id="{C0DBC30D-7F49-972E-D4CD-8C9C4089A900}"/>
+              </a:ext>
+            </a:extLst>
+          </p:cNvPr>
+          <p:cNvCxnSpPr/>
+          <p:nvPr/>
+        </p:nvCxnSpPr>
+        <p:spPr>
+          <a:xfrm flipH="1">
+            <a:off x="1872135" y="3573433"/>
+            <a:ext cx="139509" cy="1145962"/>
+          </a:xfrm>
+          <a:prstGeom prst="line">
+            <a:avLst/>
+          </a:prstGeom>
+        </p:spPr>
+        <p:style>
+          <a:lnRef idx="1">
+            <a:schemeClr val="accent6"/>
+          </a:lnRef>
+          <a:fillRef idx="0">
+            <a:schemeClr val="accent6"/>
+          </a:fillRef>
+          <a:effectRef idx="0">
+            <a:schemeClr val="accent6"/>
+          </a:effectRef>
+          <a:fontRef idx="minor">
+            <a:schemeClr val="tx1"/>
+          </a:fontRef>
+        </p:style>
+      </p:cxnSp>
+      <p:sp>
+        <p:nvSpPr>
+          <p:cNvPr id="75" name="文本框 74">
+            <a:extLst>
+              <a:ext uri="{FF2B5EF4-FFF2-40B4-BE49-F238E27FC236}">
+                <a16:creationId xmlns:a16="http://schemas.microsoft.com/office/drawing/2014/main" id="{2C7560C0-E3BE-0E25-B910-BA8D7DC70C9F}"/>
+              </a:ext>
+            </a:extLst>
+          </p:cNvPr>
+          <p:cNvSpPr txBox="1"/>
+          <p:nvPr/>
+        </p:nvSpPr>
+        <p:spPr>
+          <a:xfrm>
+            <a:off x="7446881" y="2018607"/>
+            <a:ext cx="4261520" cy="4154984"/>
+          </a:xfrm>
+          <a:prstGeom prst="rect">
+            <a:avLst/>
+          </a:prstGeom>
+          <a:noFill/>
+        </p:spPr>
+        <p:txBody>
+          <a:bodyPr wrap="square">
+            <a:spAutoFit/>
+          </a:bodyPr>
+          <a:lstStyle/>
+          <a:p>
+            <a:pPr marL="457200" indent="-457200">
+              <a:buAutoNum type="arabicPeriod"/>
+            </a:pPr>
+            <a:r>
+              <a:rPr lang="en-US" altLang="zh-CN" sz="2400" dirty="0">
+                <a:latin typeface="+mj-ea"/>
+                <a:ea typeface="+mj-ea"/>
+              </a:rPr>
+              <a:t>Project the two convex polygons onto the perpendicular of each edge of the simplex. </a:t>
+            </a:r>
+          </a:p>
+          <a:p>
+            <a:pPr marL="457200" indent="-457200">
+              <a:buAutoNum type="arabicPeriod"/>
+            </a:pPr>
+            <a:r>
+              <a:rPr lang="en-US" altLang="zh-CN" sz="2400" dirty="0">
+                <a:latin typeface="+mj-ea"/>
+                <a:ea typeface="+mj-ea"/>
+              </a:rPr>
+              <a:t>If there exists a perpendicular line on which the projections of the two polygons do not overlap, then the two convex polygons do not collide; otherwise, they do collide.</a:t>
+            </a:r>
+            <a:endParaRPr lang="zh-CN" altLang="en-US" sz="2400" dirty="0">
+              <a:latin typeface="+mj-ea"/>
+              <a:ea typeface="+mj-ea"/>
+            </a:endParaRPr>
+          </a:p>
+        </p:txBody>
+      </p:sp>
+    </p:spTree>
+    <p:extLst>
+      <p:ext uri="{BB962C8B-B14F-4D97-AF65-F5344CB8AC3E}">
+        <p14:creationId xmlns:p14="http://schemas.microsoft.com/office/powerpoint/2010/main" val="622414968"/>
+      </p:ext>
+    </p:extLst>
+  </p:cSld>
+  <p:clrMapOvr>
+    <a:masterClrMapping/>
+  </p:clrMapOvr>
+  <mc:AlternateContent xmlns:mc="http://schemas.openxmlformats.org/markup-compatibility/2006">
+    <mc:Choice xmlns:p159="http://schemas.microsoft.com/office/powerpoint/2015/09/main" Requires="p159">
+      <p:transition xmlns:p14="http://schemas.microsoft.com/office/powerpoint/2010/main" spd="slow" p14:dur="2000">
+        <p159:morph option="byObject"/>
+      </p:transition>
+    </mc:Choice>
+    <mc:Fallback>
+      <p:transition spd="slow">
+        <p:fade/>
+      </p:transition>
+    </mc:Fallback>
+  </mc:AlternateContent>
+</p:sld>
+</file>
+
+<file path=ppt/slides/slide24.xml><?xml version="1.0" encoding="utf-8"?>
 <p:sld xmlns:a="http://schemas.openxmlformats.org/drawingml/2006/main" xmlns:r="http://schemas.openxmlformats.org/officeDocument/2006/relationships" xmlns:p="http://schemas.openxmlformats.org/presentationml/2006/main">
   <p:cSld>
     <p:spTree>
@@ -17967,969 +25966,6 @@
     <p:extLst>
       <p:ext uri="{BB962C8B-B14F-4D97-AF65-F5344CB8AC3E}">
         <p14:creationId xmlns:p14="http://schemas.microsoft.com/office/powerpoint/2010/main" val="3187466745"/>
-      </p:ext>
-    </p:extLst>
-  </p:cSld>
-  <p:clrMapOvr>
-    <a:masterClrMapping/>
-  </p:clrMapOvr>
-</p:sld>
-</file>
-
-<file path=ppt/slides/slide2.xml><?xml version="1.0" encoding="utf-8"?>
-<p:sld xmlns:a="http://schemas.openxmlformats.org/drawingml/2006/main" xmlns:r="http://schemas.openxmlformats.org/officeDocument/2006/relationships" xmlns:p="http://schemas.openxmlformats.org/presentationml/2006/main">
-  <p:cSld>
-    <p:spTree>
-      <p:nvGrpSpPr>
-        <p:cNvPr id="1" name=""/>
-        <p:cNvGrpSpPr/>
-        <p:nvPr/>
-      </p:nvGrpSpPr>
-      <p:grpSpPr>
-        <a:xfrm>
-          <a:off x="0" y="0"/>
-          <a:ext cx="0" cy="0"/>
-          <a:chOff x="0" y="0"/>
-          <a:chExt cx="0" cy="0"/>
-        </a:xfrm>
-      </p:grpSpPr>
-      <p:sp>
-        <p:nvSpPr>
-          <p:cNvPr id="2" name="Title 1">
-            <a:extLst>
-              <a:ext uri="{FF2B5EF4-FFF2-40B4-BE49-F238E27FC236}">
-                <a16:creationId xmlns:a16="http://schemas.microsoft.com/office/drawing/2014/main" id="{2BE7FA5A-4350-5843-97F8-51487A3D14D3}"/>
-              </a:ext>
-            </a:extLst>
-          </p:cNvPr>
-          <p:cNvSpPr>
-            <a:spLocks noGrp="1"/>
-          </p:cNvSpPr>
-          <p:nvPr>
-            <p:ph type="title"/>
-          </p:nvPr>
-        </p:nvSpPr>
-        <p:spPr>
-          <a:xfrm>
-            <a:off x="864742" y="18255"/>
-            <a:ext cx="10515600" cy="1325563"/>
-          </a:xfrm>
-        </p:spPr>
-        <p:txBody>
-          <a:bodyPr/>
-          <a:lstStyle/>
-          <a:p>
-            <a:r>
-              <a:rPr lang="en-US" b="1" dirty="0"/>
-              <a:t>Outline Today</a:t>
-            </a:r>
-            <a:endParaRPr lang="en-CN" b="1" dirty="0"/>
-          </a:p>
-        </p:txBody>
-      </p:sp>
-      <p:sp>
-        <p:nvSpPr>
-          <p:cNvPr id="5" name="Slide Number Placeholder 4">
-            <a:extLst>
-              <a:ext uri="{FF2B5EF4-FFF2-40B4-BE49-F238E27FC236}">
-                <a16:creationId xmlns:a16="http://schemas.microsoft.com/office/drawing/2014/main" id="{B3A4222A-46DB-6D44-BC20-9862E8346A24}"/>
-              </a:ext>
-            </a:extLst>
-          </p:cNvPr>
-          <p:cNvSpPr>
-            <a:spLocks noGrp="1"/>
-          </p:cNvSpPr>
-          <p:nvPr>
-            <p:ph type="sldNum" sz="quarter" idx="12"/>
-          </p:nvPr>
-        </p:nvSpPr>
-        <p:spPr/>
-        <p:txBody>
-          <a:bodyPr/>
-          <a:lstStyle/>
-          <a:p>
-            <a:fld id="{4B226B15-CD18-AD48-B4A6-8B862AAA934E}" type="slidenum">
-              <a:rPr kumimoji="1" lang="zh-CN" altLang="en-US" smtClean="0"/>
-              <a:t>2</a:t>
-            </a:fld>
-            <a:endParaRPr kumimoji="1" lang="zh-CN" altLang="en-US"/>
-          </a:p>
-        </p:txBody>
-      </p:sp>
-      <p:sp>
-        <p:nvSpPr>
-          <p:cNvPr id="8" name="Rectangle 7">
-            <a:extLst>
-              <a:ext uri="{FF2B5EF4-FFF2-40B4-BE49-F238E27FC236}">
-                <a16:creationId xmlns:a16="http://schemas.microsoft.com/office/drawing/2014/main" id="{9D6B3B50-0E7A-9C4A-A2EA-CE9DB56ABCB2}"/>
-              </a:ext>
-            </a:extLst>
-          </p:cNvPr>
-          <p:cNvSpPr/>
-          <p:nvPr/>
-        </p:nvSpPr>
-        <p:spPr>
-          <a:xfrm>
-            <a:off x="2701453" y="2427893"/>
-            <a:ext cx="2601795" cy="914400"/>
-          </a:xfrm>
-          <a:prstGeom prst="rect">
-            <a:avLst/>
-          </a:prstGeom>
-        </p:spPr>
-        <p:style>
-          <a:lnRef idx="2">
-            <a:schemeClr val="accent1">
-              <a:shade val="50000"/>
-            </a:schemeClr>
-          </a:lnRef>
-          <a:fillRef idx="1">
-            <a:schemeClr val="accent1"/>
-          </a:fillRef>
-          <a:effectRef idx="0">
-            <a:schemeClr val="accent1"/>
-          </a:effectRef>
-          <a:fontRef idx="minor">
-            <a:schemeClr val="lt1"/>
-          </a:fontRef>
-        </p:style>
-        <p:txBody>
-          <a:bodyPr rtlCol="0" anchor="ctr"/>
-          <a:lstStyle/>
-          <a:p>
-            <a:pPr algn="ctr"/>
-            <a:r>
-              <a:rPr lang="en-CN" sz="2400" dirty="0"/>
-              <a:t>Spatial Hashing</a:t>
-            </a:r>
-          </a:p>
-        </p:txBody>
-      </p:sp>
-      <p:sp>
-        <p:nvSpPr>
-          <p:cNvPr id="10" name="Rectangle 9">
-            <a:extLst>
-              <a:ext uri="{FF2B5EF4-FFF2-40B4-BE49-F238E27FC236}">
-                <a16:creationId xmlns:a16="http://schemas.microsoft.com/office/drawing/2014/main" id="{96AA4538-C7B2-154B-9827-6B2190E97341}"/>
-              </a:ext>
-            </a:extLst>
-          </p:cNvPr>
-          <p:cNvSpPr/>
-          <p:nvPr/>
-        </p:nvSpPr>
-        <p:spPr>
-          <a:xfrm>
-            <a:off x="2701453" y="4058898"/>
-            <a:ext cx="2601795" cy="914400"/>
-          </a:xfrm>
-          <a:prstGeom prst="rect">
-            <a:avLst/>
-          </a:prstGeom>
-        </p:spPr>
-        <p:style>
-          <a:lnRef idx="2">
-            <a:schemeClr val="accent1">
-              <a:shade val="50000"/>
-            </a:schemeClr>
-          </a:lnRef>
-          <a:fillRef idx="1">
-            <a:schemeClr val="accent1"/>
-          </a:fillRef>
-          <a:effectRef idx="0">
-            <a:schemeClr val="accent1"/>
-          </a:effectRef>
-          <a:fontRef idx="minor">
-            <a:schemeClr val="lt1"/>
-          </a:fontRef>
-        </p:style>
-        <p:txBody>
-          <a:bodyPr rtlCol="0" anchor="ctr"/>
-          <a:lstStyle/>
-          <a:p>
-            <a:pPr algn="ctr"/>
-            <a:r>
-              <a:rPr lang="en-CN" sz="2400" dirty="0"/>
-              <a:t>Bounding Volume Hierarchy (BVH)</a:t>
-            </a:r>
-          </a:p>
-        </p:txBody>
-      </p:sp>
-      <p:cxnSp>
-        <p:nvCxnSpPr>
-          <p:cNvPr id="11" name="Straight Connector 10">
-            <a:extLst>
-              <a:ext uri="{FF2B5EF4-FFF2-40B4-BE49-F238E27FC236}">
-                <a16:creationId xmlns:a16="http://schemas.microsoft.com/office/drawing/2014/main" id="{EFFF4101-4D2C-4643-A20D-EAA85DA660D9}"/>
-              </a:ext>
-            </a:extLst>
-          </p:cNvPr>
-          <p:cNvCxnSpPr/>
-          <p:nvPr/>
-        </p:nvCxnSpPr>
-        <p:spPr>
-          <a:xfrm>
-            <a:off x="5908951" y="1507840"/>
-            <a:ext cx="0" cy="4492778"/>
-          </a:xfrm>
-          <a:prstGeom prst="line">
-            <a:avLst/>
-          </a:prstGeom>
-          <a:ln w="25400">
-            <a:solidFill>
-              <a:schemeClr val="tx1"/>
-            </a:solidFill>
-            <a:prstDash val="dash"/>
-          </a:ln>
-        </p:spPr>
-        <p:style>
-          <a:lnRef idx="1">
-            <a:schemeClr val="accent1"/>
-          </a:lnRef>
-          <a:fillRef idx="0">
-            <a:schemeClr val="accent1"/>
-          </a:fillRef>
-          <a:effectRef idx="0">
-            <a:schemeClr val="accent1"/>
-          </a:effectRef>
-          <a:fontRef idx="minor">
-            <a:schemeClr val="tx1"/>
-          </a:fontRef>
-        </p:style>
-      </p:cxnSp>
-      <p:cxnSp>
-        <p:nvCxnSpPr>
-          <p:cNvPr id="12" name="Straight Connector 11">
-            <a:extLst>
-              <a:ext uri="{FF2B5EF4-FFF2-40B4-BE49-F238E27FC236}">
-                <a16:creationId xmlns:a16="http://schemas.microsoft.com/office/drawing/2014/main" id="{198CBCAE-1CB9-934F-8127-61D4B4C58152}"/>
-              </a:ext>
-            </a:extLst>
-          </p:cNvPr>
-          <p:cNvCxnSpPr/>
-          <p:nvPr/>
-        </p:nvCxnSpPr>
-        <p:spPr>
-          <a:xfrm>
-            <a:off x="2024411" y="1461082"/>
-            <a:ext cx="0" cy="4492778"/>
-          </a:xfrm>
-          <a:prstGeom prst="line">
-            <a:avLst/>
-          </a:prstGeom>
-          <a:ln w="25400">
-            <a:solidFill>
-              <a:schemeClr val="tx1"/>
-            </a:solidFill>
-            <a:prstDash val="dash"/>
-          </a:ln>
-        </p:spPr>
-        <p:style>
-          <a:lnRef idx="1">
-            <a:schemeClr val="accent1"/>
-          </a:lnRef>
-          <a:fillRef idx="0">
-            <a:schemeClr val="accent1"/>
-          </a:fillRef>
-          <a:effectRef idx="0">
-            <a:schemeClr val="accent1"/>
-          </a:effectRef>
-          <a:fontRef idx="minor">
-            <a:schemeClr val="tx1"/>
-          </a:fontRef>
-        </p:style>
-      </p:cxnSp>
-      <p:cxnSp>
-        <p:nvCxnSpPr>
-          <p:cNvPr id="13" name="Straight Connector 12">
-            <a:extLst>
-              <a:ext uri="{FF2B5EF4-FFF2-40B4-BE49-F238E27FC236}">
-                <a16:creationId xmlns:a16="http://schemas.microsoft.com/office/drawing/2014/main" id="{000D070C-BC1E-0743-AA9B-C61FE8273A75}"/>
-              </a:ext>
-            </a:extLst>
-          </p:cNvPr>
-          <p:cNvCxnSpPr/>
-          <p:nvPr/>
-        </p:nvCxnSpPr>
-        <p:spPr>
-          <a:xfrm>
-            <a:off x="10508945" y="1507840"/>
-            <a:ext cx="0" cy="4492778"/>
-          </a:xfrm>
-          <a:prstGeom prst="line">
-            <a:avLst/>
-          </a:prstGeom>
-          <a:ln w="25400">
-            <a:solidFill>
-              <a:schemeClr val="tx1"/>
-            </a:solidFill>
-            <a:prstDash val="dash"/>
-          </a:ln>
-        </p:spPr>
-        <p:style>
-          <a:lnRef idx="1">
-            <a:schemeClr val="accent1"/>
-          </a:lnRef>
-          <a:fillRef idx="0">
-            <a:schemeClr val="accent1"/>
-          </a:fillRef>
-          <a:effectRef idx="0">
-            <a:schemeClr val="accent1"/>
-          </a:effectRef>
-          <a:fontRef idx="minor">
-            <a:schemeClr val="tx1"/>
-          </a:fontRef>
-        </p:style>
-      </p:cxnSp>
-      <p:sp>
-        <p:nvSpPr>
-          <p:cNvPr id="14" name="Rectangle 13">
-            <a:extLst>
-              <a:ext uri="{FF2B5EF4-FFF2-40B4-BE49-F238E27FC236}">
-                <a16:creationId xmlns:a16="http://schemas.microsoft.com/office/drawing/2014/main" id="{94F513E7-A611-BF42-B2EE-F76FA18FF988}"/>
-              </a:ext>
-            </a:extLst>
-          </p:cNvPr>
-          <p:cNvSpPr/>
-          <p:nvPr/>
-        </p:nvSpPr>
-        <p:spPr>
-          <a:xfrm>
-            <a:off x="6879314" y="2443133"/>
-            <a:ext cx="2741620" cy="914400"/>
-          </a:xfrm>
-          <a:prstGeom prst="rect">
-            <a:avLst/>
-          </a:prstGeom>
-        </p:spPr>
-        <p:style>
-          <a:lnRef idx="2">
-            <a:schemeClr val="accent6">
-              <a:shade val="50000"/>
-            </a:schemeClr>
-          </a:lnRef>
-          <a:fillRef idx="1">
-            <a:schemeClr val="accent6"/>
-          </a:fillRef>
-          <a:effectRef idx="0">
-            <a:schemeClr val="accent6"/>
-          </a:effectRef>
-          <a:fontRef idx="minor">
-            <a:schemeClr val="lt1"/>
-          </a:fontRef>
-        </p:style>
-        <p:txBody>
-          <a:bodyPr rtlCol="0" anchor="ctr"/>
-          <a:lstStyle/>
-          <a:p>
-            <a:pPr algn="ctr"/>
-            <a:r>
-              <a:rPr lang="en-US" sz="2400" dirty="0"/>
-              <a:t>Gilbert–Johnson–Keerthi </a:t>
-            </a:r>
-            <a:r>
-              <a:rPr lang="en-CN" sz="2400" dirty="0"/>
-              <a:t>(</a:t>
-            </a:r>
-            <a:r>
-              <a:rPr lang="en-US" sz="2400" dirty="0"/>
-              <a:t>GJK</a:t>
-            </a:r>
-            <a:r>
-              <a:rPr lang="en-CN" sz="2400" dirty="0"/>
-              <a:t>)</a:t>
-            </a:r>
-          </a:p>
-        </p:txBody>
-      </p:sp>
-      <p:sp>
-        <p:nvSpPr>
-          <p:cNvPr id="15" name="Rectangle 14">
-            <a:extLst>
-              <a:ext uri="{FF2B5EF4-FFF2-40B4-BE49-F238E27FC236}">
-                <a16:creationId xmlns:a16="http://schemas.microsoft.com/office/drawing/2014/main" id="{53DAC3E8-2A21-5A40-A3C2-D15A96FE9D03}"/>
-              </a:ext>
-            </a:extLst>
-          </p:cNvPr>
-          <p:cNvSpPr/>
-          <p:nvPr/>
-        </p:nvSpPr>
-        <p:spPr>
-          <a:xfrm>
-            <a:off x="6879314" y="4074137"/>
-            <a:ext cx="2741622" cy="1200981"/>
-          </a:xfrm>
-          <a:prstGeom prst="rect">
-            <a:avLst/>
-          </a:prstGeom>
-        </p:spPr>
-        <p:style>
-          <a:lnRef idx="2">
-            <a:schemeClr val="accent6">
-              <a:shade val="50000"/>
-            </a:schemeClr>
-          </a:lnRef>
-          <a:fillRef idx="1">
-            <a:schemeClr val="accent6"/>
-          </a:fillRef>
-          <a:effectRef idx="0">
-            <a:schemeClr val="accent6"/>
-          </a:effectRef>
-          <a:fontRef idx="minor">
-            <a:schemeClr val="lt1"/>
-          </a:fontRef>
-        </p:style>
-        <p:txBody>
-          <a:bodyPr rtlCol="0" anchor="ctr"/>
-          <a:lstStyle/>
-          <a:p>
-            <a:pPr algn="ctr"/>
-            <a:r>
-              <a:rPr lang="en-US" sz="2400" dirty="0"/>
-              <a:t>Separating Axis Theorem </a:t>
-            </a:r>
-            <a:r>
-              <a:rPr lang="en-CN" sz="2400" dirty="0"/>
-              <a:t>(</a:t>
-            </a:r>
-            <a:r>
-              <a:rPr lang="en-US" sz="2400" dirty="0"/>
-              <a:t>SAT</a:t>
-            </a:r>
-            <a:r>
-              <a:rPr lang="en-CN" sz="2400" dirty="0"/>
-              <a:t>)</a:t>
-            </a:r>
-          </a:p>
-        </p:txBody>
-      </p:sp>
-      <p:sp>
-        <p:nvSpPr>
-          <p:cNvPr id="9" name="Right Arrow 8">
-            <a:extLst>
-              <a:ext uri="{FF2B5EF4-FFF2-40B4-BE49-F238E27FC236}">
-                <a16:creationId xmlns:a16="http://schemas.microsoft.com/office/drawing/2014/main" id="{B0D6CF5A-B2B1-264D-9282-72748D7CA76E}"/>
-              </a:ext>
-            </a:extLst>
-          </p:cNvPr>
-          <p:cNvSpPr/>
-          <p:nvPr/>
-        </p:nvSpPr>
-        <p:spPr>
-          <a:xfrm>
-            <a:off x="472568" y="3079566"/>
-            <a:ext cx="2171258" cy="1282535"/>
-          </a:xfrm>
-          <a:prstGeom prst="rightArrow">
-            <a:avLst>
-              <a:gd name="adj1" fmla="val 50000"/>
-              <a:gd name="adj2" fmla="val 41667"/>
-            </a:avLst>
-          </a:prstGeom>
-        </p:spPr>
-        <p:style>
-          <a:lnRef idx="2">
-            <a:schemeClr val="accent3">
-              <a:shade val="50000"/>
-            </a:schemeClr>
-          </a:lnRef>
-          <a:fillRef idx="1">
-            <a:schemeClr val="accent3"/>
-          </a:fillRef>
-          <a:effectRef idx="0">
-            <a:schemeClr val="accent3"/>
-          </a:effectRef>
-          <a:fontRef idx="minor">
-            <a:schemeClr val="lt1"/>
-          </a:fontRef>
-        </p:style>
-        <p:txBody>
-          <a:bodyPr rtlCol="0" anchor="ctr"/>
-          <a:lstStyle/>
-          <a:p>
-            <a:pPr algn="ctr"/>
-            <a:endParaRPr lang="en-CN"/>
-          </a:p>
-        </p:txBody>
-      </p:sp>
-      <p:sp>
-        <p:nvSpPr>
-          <p:cNvPr id="17" name="Right Arrow 16">
-            <a:extLst>
-              <a:ext uri="{FF2B5EF4-FFF2-40B4-BE49-F238E27FC236}">
-                <a16:creationId xmlns:a16="http://schemas.microsoft.com/office/drawing/2014/main" id="{1A4C3306-247C-264F-B4CF-D19BA1BC02E2}"/>
-              </a:ext>
-            </a:extLst>
-          </p:cNvPr>
-          <p:cNvSpPr/>
-          <p:nvPr/>
-        </p:nvSpPr>
-        <p:spPr>
-          <a:xfrm>
-            <a:off x="5031801" y="3241167"/>
-            <a:ext cx="1852537" cy="918858"/>
-          </a:xfrm>
-          <a:prstGeom prst="rightArrow">
-            <a:avLst>
-              <a:gd name="adj1" fmla="val 54744"/>
-              <a:gd name="adj2" fmla="val 39815"/>
-            </a:avLst>
-          </a:prstGeom>
-        </p:spPr>
-        <p:style>
-          <a:lnRef idx="2">
-            <a:schemeClr val="accent3">
-              <a:shade val="50000"/>
-            </a:schemeClr>
-          </a:lnRef>
-          <a:fillRef idx="1">
-            <a:schemeClr val="accent3"/>
-          </a:fillRef>
-          <a:effectRef idx="0">
-            <a:schemeClr val="accent3"/>
-          </a:effectRef>
-          <a:fontRef idx="minor">
-            <a:schemeClr val="lt1"/>
-          </a:fontRef>
-        </p:style>
-        <p:txBody>
-          <a:bodyPr rtlCol="0" anchor="ctr"/>
-          <a:lstStyle/>
-          <a:p>
-            <a:pPr algn="ctr"/>
-            <a:r>
-              <a:rPr lang="en-CN" dirty="0"/>
-              <a:t>Pair Condidates</a:t>
-            </a:r>
-          </a:p>
-        </p:txBody>
-      </p:sp>
-      <mc:AlternateContent xmlns:mc="http://schemas.openxmlformats.org/markup-compatibility/2006" xmlns:a14="http://schemas.microsoft.com/office/drawing/2010/main">
-        <mc:Choice Requires="a14">
-          <p:sp>
-            <p:nvSpPr>
-              <p:cNvPr id="20" name="TextBox 19">
-                <a:extLst>
-                  <a:ext uri="{FF2B5EF4-FFF2-40B4-BE49-F238E27FC236}">
-                    <a16:creationId xmlns:a16="http://schemas.microsoft.com/office/drawing/2014/main" id="{A21D1045-1B97-1745-B273-1AC3541C31ED}"/>
-                  </a:ext>
-                </a:extLst>
-              </p:cNvPr>
-              <p:cNvSpPr txBox="1"/>
-              <p:nvPr/>
-            </p:nvSpPr>
-            <p:spPr>
-              <a:xfrm>
-                <a:off x="740488" y="3476638"/>
-                <a:ext cx="486013" cy="461665"/>
-              </a:xfrm>
-              <a:prstGeom prst="rect">
-                <a:avLst/>
-              </a:prstGeom>
-              <a:noFill/>
-            </p:spPr>
-            <p:txBody>
-              <a:bodyPr wrap="square" lIns="0" tIns="0" rIns="0" bIns="0" rtlCol="0">
-                <a:spAutoFit/>
-              </a:bodyPr>
-              <a:lstStyle/>
-              <a:p>
-                <a:pPr/>
-                <a14:m>
-                  <m:oMathPara xmlns:m="http://schemas.openxmlformats.org/officeDocument/2006/math">
-                    <m:oMathParaPr>
-                      <m:jc m:val="centerGroup"/>
-                    </m:oMathParaPr>
-                    <m:oMath xmlns:m="http://schemas.openxmlformats.org/officeDocument/2006/math">
-                      <m:sSup>
-                        <m:sSupPr>
-                          <m:ctrlPr>
-                            <a:rPr lang="en-US" sz="3000" b="1" i="1" smtClean="0">
-                              <a:solidFill>
-                                <a:schemeClr val="bg1"/>
-                              </a:solidFill>
-                              <a:latin typeface="Cambria Math" panose="02040503050406030204" pitchFamily="18" charset="0"/>
-                            </a:rPr>
-                          </m:ctrlPr>
-                        </m:sSupPr>
-                        <m:e>
-                          <m:r>
-                            <a:rPr lang="en-US" sz="3000" b="1" i="0" smtClean="0">
-                              <a:solidFill>
-                                <a:schemeClr val="bg1"/>
-                              </a:solidFill>
-                              <a:latin typeface="Cambria Math" panose="02040503050406030204" pitchFamily="18" charset="0"/>
-                            </a:rPr>
-                            <m:t>{</m:t>
-                          </m:r>
-                          <m:r>
-                            <a:rPr lang="en-US" sz="3000" b="1">
-                              <a:solidFill>
-                                <a:schemeClr val="bg1"/>
-                              </a:solidFill>
-                              <a:latin typeface="Cambria Math" panose="02040503050406030204" pitchFamily="18" charset="0"/>
-                            </a:rPr>
-                            <m:t>𝐱</m:t>
-                          </m:r>
-                          <m:r>
-                            <a:rPr lang="en-US" sz="3000" b="1" i="0" smtClean="0">
-                              <a:solidFill>
-                                <a:schemeClr val="bg1"/>
-                              </a:solidFill>
-                              <a:latin typeface="Cambria Math" panose="02040503050406030204" pitchFamily="18" charset="0"/>
-                            </a:rPr>
-                            <m:t>,</m:t>
-                          </m:r>
-                          <m:r>
-                            <a:rPr lang="en-US" sz="3000" b="1" smtClean="0">
-                              <a:solidFill>
-                                <a:schemeClr val="bg1"/>
-                              </a:solidFill>
-                              <a:latin typeface="Cambria Math" panose="02040503050406030204" pitchFamily="18" charset="0"/>
-                            </a:rPr>
-                            <m:t>𝐱</m:t>
-                          </m:r>
-                        </m:e>
-                        <m:sup>
-                          <m:r>
-                            <m:rPr>
-                              <m:sty m:val="p"/>
-                            </m:rPr>
-                            <a:rPr lang="en-US" sz="3000" b="0" i="0" smtClean="0">
-                              <a:solidFill>
-                                <a:schemeClr val="bg1"/>
-                              </a:solidFill>
-                              <a:latin typeface="Cambria Math" panose="02040503050406030204" pitchFamily="18" charset="0"/>
-                            </a:rPr>
-                            <m:t>new</m:t>
-                          </m:r>
-                        </m:sup>
-                      </m:sSup>
-                      <m:r>
-                        <a:rPr lang="en-US" sz="3000" b="1" i="1" smtClean="0">
-                          <a:solidFill>
-                            <a:schemeClr val="bg1"/>
-                          </a:solidFill>
-                          <a:latin typeface="Cambria Math" panose="02040503050406030204" pitchFamily="18" charset="0"/>
-                        </a:rPr>
-                        <m:t>}</m:t>
-                      </m:r>
-                    </m:oMath>
-                  </m:oMathPara>
-                </a14:m>
-                <a:endParaRPr lang="en-CN" sz="3000" i="1" dirty="0">
-                  <a:solidFill>
-                    <a:schemeClr val="bg1"/>
-                  </a:solidFill>
-                </a:endParaRPr>
-              </a:p>
-            </p:txBody>
-          </p:sp>
-        </mc:Choice>
-        <mc:Fallback xmlns="">
-          <p:sp>
-            <p:nvSpPr>
-              <p:cNvPr id="20" name="TextBox 19">
-                <a:extLst>
-                  <a:ext uri="{FF2B5EF4-FFF2-40B4-BE49-F238E27FC236}">
-                    <a16:creationId xmlns:a16="http://schemas.microsoft.com/office/drawing/2014/main" id="{A21D1045-1B97-1745-B273-1AC3541C31ED}"/>
-                  </a:ext>
-                </a:extLst>
-              </p:cNvPr>
-              <p:cNvSpPr txBox="1">
-                <a:spLocks noRot="1" noChangeAspect="1" noMove="1" noResize="1" noEditPoints="1" noAdjustHandles="1" noChangeArrowheads="1" noChangeShapeType="1" noTextEdit="1"/>
-              </p:cNvSpPr>
-              <p:nvPr/>
-            </p:nvSpPr>
-            <p:spPr>
-              <a:xfrm>
-                <a:off x="740488" y="3476638"/>
-                <a:ext cx="486013" cy="461665"/>
-              </a:xfrm>
-              <a:prstGeom prst="rect">
-                <a:avLst/>
-              </a:prstGeom>
-              <a:blipFill>
-                <a:blip r:embed="rId3"/>
-                <a:stretch>
-                  <a:fillRect l="-35897" r="-228205" b="-34211"/>
-                </a:stretch>
-              </a:blipFill>
-            </p:spPr>
-            <p:txBody>
-              <a:bodyPr/>
-              <a:lstStyle/>
-              <a:p>
-                <a:r>
-                  <a:rPr lang="en-CN">
-                    <a:noFill/>
-                  </a:rPr>
-                  <a:t> </a:t>
-                </a:r>
-              </a:p>
-            </p:txBody>
-          </p:sp>
-        </mc:Fallback>
-      </mc:AlternateContent>
-      <p:sp>
-        <p:nvSpPr>
-          <p:cNvPr id="21" name="Right Arrow 20">
-            <a:extLst>
-              <a:ext uri="{FF2B5EF4-FFF2-40B4-BE49-F238E27FC236}">
-                <a16:creationId xmlns:a16="http://schemas.microsoft.com/office/drawing/2014/main" id="{680CCD7E-2295-5042-90B0-EB50DDB104A3}"/>
-              </a:ext>
-            </a:extLst>
-          </p:cNvPr>
-          <p:cNvSpPr/>
-          <p:nvPr/>
-        </p:nvSpPr>
-        <p:spPr>
-          <a:xfrm>
-            <a:off x="9510342" y="3261404"/>
-            <a:ext cx="1852537" cy="918858"/>
-          </a:xfrm>
-          <a:prstGeom prst="rightArrow">
-            <a:avLst>
-              <a:gd name="adj1" fmla="val 31481"/>
-              <a:gd name="adj2" fmla="val 39815"/>
-            </a:avLst>
-          </a:prstGeom>
-        </p:spPr>
-        <p:style>
-          <a:lnRef idx="2">
-            <a:schemeClr val="accent3">
-              <a:shade val="50000"/>
-            </a:schemeClr>
-          </a:lnRef>
-          <a:fillRef idx="1">
-            <a:schemeClr val="accent3"/>
-          </a:fillRef>
-          <a:effectRef idx="0">
-            <a:schemeClr val="accent3"/>
-          </a:effectRef>
-          <a:fontRef idx="minor">
-            <a:schemeClr val="lt1"/>
-          </a:fontRef>
-        </p:style>
-        <p:txBody>
-          <a:bodyPr rtlCol="0" anchor="ctr"/>
-          <a:lstStyle/>
-          <a:p>
-            <a:pPr algn="ctr"/>
-            <a:r>
-              <a:rPr lang="en-CN" dirty="0"/>
-              <a:t>Colliding Pairs</a:t>
-            </a:r>
-          </a:p>
-        </p:txBody>
-      </p:sp>
-      <p:sp>
-        <p:nvSpPr>
-          <p:cNvPr id="22" name="Rectangle 21">
-            <a:extLst>
-              <a:ext uri="{FF2B5EF4-FFF2-40B4-BE49-F238E27FC236}">
-                <a16:creationId xmlns:a16="http://schemas.microsoft.com/office/drawing/2014/main" id="{4AA22658-2047-1849-AF3E-7DF1D8139EB9}"/>
-              </a:ext>
-            </a:extLst>
-          </p:cNvPr>
-          <p:cNvSpPr/>
-          <p:nvPr/>
-        </p:nvSpPr>
-        <p:spPr>
-          <a:xfrm>
-            <a:off x="3710858" y="3469763"/>
-            <a:ext cx="450764" cy="461665"/>
-          </a:xfrm>
-          <a:prstGeom prst="rect">
-            <a:avLst/>
-          </a:prstGeom>
-        </p:spPr>
-        <p:txBody>
-          <a:bodyPr wrap="none">
-            <a:spAutoFit/>
-          </a:bodyPr>
-          <a:lstStyle/>
-          <a:p>
-            <a:r>
-              <a:rPr lang="en-US" sz="2400" dirty="0">
-                <a:latin typeface="+mj-lt"/>
-              </a:rPr>
-              <a:t>or</a:t>
-            </a:r>
-            <a:endParaRPr lang="en-CN" sz="2400" dirty="0">
-              <a:latin typeface="+mj-lt"/>
-            </a:endParaRPr>
-          </a:p>
-        </p:txBody>
-      </p:sp>
-      <p:sp>
-        <p:nvSpPr>
-          <p:cNvPr id="23" name="Rectangle 22">
-            <a:extLst>
-              <a:ext uri="{FF2B5EF4-FFF2-40B4-BE49-F238E27FC236}">
-                <a16:creationId xmlns:a16="http://schemas.microsoft.com/office/drawing/2014/main" id="{1BAF2E89-E71F-704E-B42A-C59DCD364F6E}"/>
-              </a:ext>
-            </a:extLst>
-          </p:cNvPr>
-          <p:cNvSpPr/>
-          <p:nvPr/>
-        </p:nvSpPr>
-        <p:spPr>
-          <a:xfrm>
-            <a:off x="7972057" y="3469762"/>
-            <a:ext cx="450764" cy="461665"/>
-          </a:xfrm>
-          <a:prstGeom prst="rect">
-            <a:avLst/>
-          </a:prstGeom>
-        </p:spPr>
-        <p:txBody>
-          <a:bodyPr wrap="none">
-            <a:spAutoFit/>
-          </a:bodyPr>
-          <a:lstStyle/>
-          <a:p>
-            <a:r>
-              <a:rPr lang="en-US" sz="2400" dirty="0">
-                <a:latin typeface="+mj-lt"/>
-              </a:rPr>
-              <a:t>or</a:t>
-            </a:r>
-            <a:endParaRPr lang="en-CN" sz="2400" dirty="0">
-              <a:latin typeface="+mj-lt"/>
-            </a:endParaRPr>
-          </a:p>
-        </p:txBody>
-      </p:sp>
-      <p:sp>
-        <p:nvSpPr>
-          <p:cNvPr id="24" name="Rectangle 23">
-            <a:extLst>
-              <a:ext uri="{FF2B5EF4-FFF2-40B4-BE49-F238E27FC236}">
-                <a16:creationId xmlns:a16="http://schemas.microsoft.com/office/drawing/2014/main" id="{5CE9C90D-23CE-B84B-B751-A8DAAB9A41E8}"/>
-              </a:ext>
-            </a:extLst>
-          </p:cNvPr>
-          <p:cNvSpPr/>
-          <p:nvPr/>
-        </p:nvSpPr>
-        <p:spPr>
-          <a:xfrm>
-            <a:off x="2129689" y="5938620"/>
-            <a:ext cx="3745321" cy="461665"/>
-          </a:xfrm>
-          <a:prstGeom prst="rect">
-            <a:avLst/>
-          </a:prstGeom>
-        </p:spPr>
-        <p:txBody>
-          <a:bodyPr wrap="none">
-            <a:spAutoFit/>
-          </a:bodyPr>
-          <a:lstStyle/>
-          <a:p>
-            <a:r>
-              <a:rPr lang="en-US" sz="2400" dirty="0">
-                <a:latin typeface="+mj-lt"/>
-              </a:rPr>
-              <a:t>Broad-Phase Collision Culling</a:t>
-            </a:r>
-            <a:endParaRPr lang="en-CN" sz="2400" dirty="0">
-              <a:latin typeface="+mj-lt"/>
-            </a:endParaRPr>
-          </a:p>
-        </p:txBody>
-      </p:sp>
-      <p:sp>
-        <p:nvSpPr>
-          <p:cNvPr id="25" name="Rectangle 24">
-            <a:extLst>
-              <a:ext uri="{FF2B5EF4-FFF2-40B4-BE49-F238E27FC236}">
-                <a16:creationId xmlns:a16="http://schemas.microsoft.com/office/drawing/2014/main" id="{C7F98421-1D50-8B41-AE03-23ADDB9C9BAB}"/>
-              </a:ext>
-            </a:extLst>
-          </p:cNvPr>
-          <p:cNvSpPr/>
-          <p:nvPr/>
-        </p:nvSpPr>
-        <p:spPr>
-          <a:xfrm>
-            <a:off x="6397758" y="5938620"/>
-            <a:ext cx="3704732" cy="461665"/>
-          </a:xfrm>
-          <a:prstGeom prst="rect">
-            <a:avLst/>
-          </a:prstGeom>
-        </p:spPr>
-        <p:txBody>
-          <a:bodyPr wrap="none">
-            <a:spAutoFit/>
-          </a:bodyPr>
-          <a:lstStyle/>
-          <a:p>
-            <a:r>
-              <a:rPr lang="en-US" sz="2400" dirty="0">
-                <a:latin typeface="+mj-lt"/>
-              </a:rPr>
-              <a:t>Narrow-Phase Collision Test</a:t>
-            </a:r>
-            <a:endParaRPr lang="en-CN" sz="2400" dirty="0">
-              <a:latin typeface="+mj-lt"/>
-            </a:endParaRPr>
-          </a:p>
-        </p:txBody>
-      </p:sp>
-      <p:sp>
-        <p:nvSpPr>
-          <p:cNvPr id="4" name="文本框 3">
-            <a:extLst>
-              <a:ext uri="{FF2B5EF4-FFF2-40B4-BE49-F238E27FC236}">
-                <a16:creationId xmlns:a16="http://schemas.microsoft.com/office/drawing/2014/main" id="{D5DA588A-0CE4-8539-4DC7-4BA09E406AFF}"/>
-              </a:ext>
-            </a:extLst>
-          </p:cNvPr>
-          <p:cNvSpPr txBox="1"/>
-          <p:nvPr/>
-        </p:nvSpPr>
-        <p:spPr>
-          <a:xfrm>
-            <a:off x="3936240" y="1032793"/>
-            <a:ext cx="4069773" cy="461665"/>
-          </a:xfrm>
-          <a:prstGeom prst="rect">
-            <a:avLst/>
-          </a:prstGeom>
-          <a:noFill/>
-        </p:spPr>
-        <p:txBody>
-          <a:bodyPr wrap="square">
-            <a:spAutoFit/>
-          </a:bodyPr>
-          <a:lstStyle/>
-          <a:p>
-            <a:r>
-              <a:rPr lang="en-CN" altLang="zh-CN" sz="2400" b="1" dirty="0">
-                <a:solidFill>
-                  <a:schemeClr val="accent2">
-                    <a:lumMod val="75000"/>
-                  </a:schemeClr>
-                </a:solidFill>
-              </a:rPr>
-              <a:t>Collision Detection Pipeline</a:t>
-            </a:r>
-            <a:endParaRPr lang="zh-CN" altLang="en-US" sz="2400" dirty="0">
-              <a:solidFill>
-                <a:schemeClr val="accent2">
-                  <a:lumMod val="75000"/>
-                </a:schemeClr>
-              </a:solidFill>
-            </a:endParaRPr>
-          </a:p>
-        </p:txBody>
-      </p:sp>
-    </p:spTree>
-    <p:extLst>
-      <p:ext uri="{BB962C8B-B14F-4D97-AF65-F5344CB8AC3E}">
-        <p14:creationId xmlns:p14="http://schemas.microsoft.com/office/powerpoint/2010/main" val="3621487903"/>
       </p:ext>
     </p:extLst>
   </p:cSld>
@@ -19984,7 +27020,7 @@
         <p:spPr>
           <a:xfrm>
             <a:off x="9639616" y="2086865"/>
-            <a:ext cx="1683474" cy="369332"/>
+            <a:ext cx="1454244" cy="369332"/>
           </a:xfrm>
           <a:prstGeom prst="rect">
             <a:avLst/>
@@ -19999,7 +27035,7 @@
           <a:p>
             <a:r>
               <a:rPr lang="en-US" altLang="zh-CN" b="1" dirty="0"/>
-              <a:t>Hash Function</a:t>
+              <a:t>Data (Array)</a:t>
             </a:r>
             <a:endParaRPr lang="zh-CN" altLang="en-US" b="1" dirty="0"/>
           </a:p>
@@ -25521,6 +32557,125 @@
           </a:p>
         </p:txBody>
       </p:sp>
+      <mc:AlternateContent xmlns:mc="http://schemas.openxmlformats.org/markup-compatibility/2006">
+        <mc:Choice xmlns:a14="http://schemas.microsoft.com/office/drawing/2010/main" Requires="a14">
+          <p:sp>
+            <p:nvSpPr>
+              <p:cNvPr id="4" name="文本框 3">
+                <a:extLst>
+                  <a:ext uri="{FF2B5EF4-FFF2-40B4-BE49-F238E27FC236}">
+                    <a16:creationId xmlns:a16="http://schemas.microsoft.com/office/drawing/2014/main" id="{C0659D63-EAC5-EB9A-85FF-D009AB55EAE4}"/>
+                  </a:ext>
+                </a:extLst>
+              </p:cNvPr>
+              <p:cNvSpPr txBox="1"/>
+              <p:nvPr/>
+            </p:nvSpPr>
+            <p:spPr>
+              <a:xfrm>
+                <a:off x="1911813" y="6443810"/>
+                <a:ext cx="1369286" cy="276999"/>
+              </a:xfrm>
+              <a:prstGeom prst="rect">
+                <a:avLst/>
+              </a:prstGeom>
+              <a:noFill/>
+            </p:spPr>
+            <p:txBody>
+              <a:bodyPr wrap="none" lIns="0" tIns="0" rIns="0" bIns="0" rtlCol="0">
+                <a:spAutoFit/>
+              </a:bodyPr>
+              <a:lstStyle/>
+              <a:p>
+                <a14:m>
+                  <m:oMathPara xmlns:m="http://schemas.openxmlformats.org/officeDocument/2006/math">
+                    <m:oMathParaPr>
+                      <m:jc m:val="centerGroup"/>
+                    </m:oMathParaPr>
+                    <m:oMath xmlns:m="http://schemas.openxmlformats.org/officeDocument/2006/math">
+                      <m:r>
+                        <a:rPr lang="en-US" altLang="zh-CN" b="0" i="1" smtClean="0">
+                          <a:latin typeface="Cambria Math" panose="02040503050406030204" pitchFamily="18" charset="0"/>
+                        </a:rPr>
+                        <m:t>𝑖𝑑𝑥</m:t>
+                      </m:r>
+                      <m:r>
+                        <a:rPr lang="en-US" altLang="zh-CN" b="0" i="1" smtClean="0">
+                          <a:latin typeface="Cambria Math" panose="02040503050406030204" pitchFamily="18" charset="0"/>
+                        </a:rPr>
+                        <m:t>=4</m:t>
+                      </m:r>
+                      <m:r>
+                        <a:rPr lang="en-US" altLang="zh-CN" b="0" i="1" smtClean="0">
+                          <a:latin typeface="Cambria Math" panose="02040503050406030204" pitchFamily="18" charset="0"/>
+                        </a:rPr>
+                        <m:t>𝑦</m:t>
+                      </m:r>
+                      <m:r>
+                        <a:rPr lang="en-US" altLang="zh-CN" b="0" i="1" smtClean="0">
+                          <a:latin typeface="Cambria Math" panose="02040503050406030204" pitchFamily="18" charset="0"/>
+                        </a:rPr>
+                        <m:t>+</m:t>
+                      </m:r>
+                      <m:r>
+                        <a:rPr lang="en-US" altLang="zh-CN" b="0" i="1" smtClean="0">
+                          <a:latin typeface="Cambria Math" panose="02040503050406030204" pitchFamily="18" charset="0"/>
+                        </a:rPr>
+                        <m:t>𝑥</m:t>
+                      </m:r>
+                    </m:oMath>
+                  </m:oMathPara>
+                </a14:m>
+                <a:endParaRPr lang="zh-CN" altLang="en-US" dirty="0"/>
+              </a:p>
+            </p:txBody>
+          </p:sp>
+        </mc:Choice>
+        <mc:Fallback>
+          <p:sp>
+            <p:nvSpPr>
+              <p:cNvPr id="4" name="文本框 3">
+                <a:extLst>
+                  <a:ext uri="{FF2B5EF4-FFF2-40B4-BE49-F238E27FC236}">
+                    <a16:creationId xmlns:a16="http://schemas.microsoft.com/office/drawing/2014/main" id="{C0659D63-EAC5-EB9A-85FF-D009AB55EAE4}"/>
+                  </a:ext>
+                </a:extLst>
+              </p:cNvPr>
+              <p:cNvSpPr txBox="1">
+                <a:spLocks noRot="1" noChangeAspect="1" noMove="1" noResize="1" noEditPoints="1" noAdjustHandles="1" noChangeArrowheads="1" noChangeShapeType="1" noTextEdit="1"/>
+              </p:cNvSpPr>
+              <p:nvPr/>
+            </p:nvSpPr>
+            <p:spPr>
+              <a:xfrm>
+                <a:off x="1911813" y="6443810"/>
+                <a:ext cx="1369286" cy="276999"/>
+              </a:xfrm>
+              <a:prstGeom prst="rect">
+                <a:avLst/>
+              </a:prstGeom>
+              <a:blipFill>
+                <a:blip r:embed="rId23"/>
+                <a:stretch>
+                  <a:fillRect l="-3571" r="-1339" b="-35556"/>
+                </a:stretch>
+              </a:blipFill>
+            </p:spPr>
+            <p:txBody>
+              <a:bodyPr/>
+              <a:lstStyle/>
+              <a:p>
+                <a:r>
+                  <a:rPr lang="zh-CN" altLang="en-US">
+                    <a:noFill/>
+                  </a:rPr>
+                  <a:t> </a:t>
+                </a:r>
+              </a:p>
+            </p:txBody>
+          </p:sp>
+        </mc:Fallback>
+      </mc:AlternateContent>
     </p:spTree>
     <p:extLst>
       <p:ext uri="{BB962C8B-B14F-4D97-AF65-F5344CB8AC3E}">

--- a/20230327_Collision_Detection/Collision_Detection.pptx
+++ b/20230327_Collision_Detection/Collision_Detection.pptx
@@ -220,7 +220,7 @@
           <a:p>
             <a:fld id="{63FDC6A3-7C42-4479-866C-9B859DB0775B}" type="datetimeFigureOut">
               <a:rPr lang="zh-CN" altLang="en-US" smtClean="0"/>
-              <a:t>2023/3/26</a:t>
+              <a:t>2023/3/27</a:t>
             </a:fld>
             <a:endParaRPr lang="zh-CN" altLang="en-US"/>
           </a:p>
@@ -1810,7 +1810,7 @@
           <a:p>
             <a:fld id="{33791A2C-FC72-48B7-BD31-E3696B249E7F}" type="datetimeFigureOut">
               <a:rPr lang="zh-CN" altLang="en-US" smtClean="0"/>
-              <a:t>2023/3/26</a:t>
+              <a:t>2023/3/27</a:t>
             </a:fld>
             <a:endParaRPr lang="zh-CN" altLang="en-US"/>
           </a:p>
@@ -2008,7 +2008,7 @@
           <a:p>
             <a:fld id="{33791A2C-FC72-48B7-BD31-E3696B249E7F}" type="datetimeFigureOut">
               <a:rPr lang="zh-CN" altLang="en-US" smtClean="0"/>
-              <a:t>2023/3/26</a:t>
+              <a:t>2023/3/27</a:t>
             </a:fld>
             <a:endParaRPr lang="zh-CN" altLang="en-US"/>
           </a:p>
@@ -2216,7 +2216,7 @@
           <a:p>
             <a:fld id="{33791A2C-FC72-48B7-BD31-E3696B249E7F}" type="datetimeFigureOut">
               <a:rPr lang="zh-CN" altLang="en-US" smtClean="0"/>
-              <a:t>2023/3/26</a:t>
+              <a:t>2023/3/27</a:t>
             </a:fld>
             <a:endParaRPr lang="zh-CN" altLang="en-US"/>
           </a:p>
@@ -2414,7 +2414,7 @@
           <a:p>
             <a:fld id="{33791A2C-FC72-48B7-BD31-E3696B249E7F}" type="datetimeFigureOut">
               <a:rPr lang="zh-CN" altLang="en-US" smtClean="0"/>
-              <a:t>2023/3/26</a:t>
+              <a:t>2023/3/27</a:t>
             </a:fld>
             <a:endParaRPr lang="zh-CN" altLang="en-US"/>
           </a:p>
@@ -2689,7 +2689,7 @@
           <a:p>
             <a:fld id="{33791A2C-FC72-48B7-BD31-E3696B249E7F}" type="datetimeFigureOut">
               <a:rPr lang="zh-CN" altLang="en-US" smtClean="0"/>
-              <a:t>2023/3/26</a:t>
+              <a:t>2023/3/27</a:t>
             </a:fld>
             <a:endParaRPr lang="zh-CN" altLang="en-US"/>
           </a:p>
@@ -2954,7 +2954,7 @@
           <a:p>
             <a:fld id="{33791A2C-FC72-48B7-BD31-E3696B249E7F}" type="datetimeFigureOut">
               <a:rPr lang="zh-CN" altLang="en-US" smtClean="0"/>
-              <a:t>2023/3/26</a:t>
+              <a:t>2023/3/27</a:t>
             </a:fld>
             <a:endParaRPr lang="zh-CN" altLang="en-US"/>
           </a:p>
@@ -3366,7 +3366,7 @@
           <a:p>
             <a:fld id="{33791A2C-FC72-48B7-BD31-E3696B249E7F}" type="datetimeFigureOut">
               <a:rPr lang="zh-CN" altLang="en-US" smtClean="0"/>
-              <a:t>2023/3/26</a:t>
+              <a:t>2023/3/27</a:t>
             </a:fld>
             <a:endParaRPr lang="zh-CN" altLang="en-US"/>
           </a:p>
@@ -3507,7 +3507,7 @@
           <a:p>
             <a:fld id="{33791A2C-FC72-48B7-BD31-E3696B249E7F}" type="datetimeFigureOut">
               <a:rPr lang="zh-CN" altLang="en-US" smtClean="0"/>
-              <a:t>2023/3/26</a:t>
+              <a:t>2023/3/27</a:t>
             </a:fld>
             <a:endParaRPr lang="zh-CN" altLang="en-US"/>
           </a:p>
@@ -3620,7 +3620,7 @@
           <a:p>
             <a:fld id="{33791A2C-FC72-48B7-BD31-E3696B249E7F}" type="datetimeFigureOut">
               <a:rPr lang="zh-CN" altLang="en-US" smtClean="0"/>
-              <a:t>2023/3/26</a:t>
+              <a:t>2023/3/27</a:t>
             </a:fld>
             <a:endParaRPr lang="zh-CN" altLang="en-US"/>
           </a:p>
@@ -3931,7 +3931,7 @@
           <a:p>
             <a:fld id="{33791A2C-FC72-48B7-BD31-E3696B249E7F}" type="datetimeFigureOut">
               <a:rPr lang="zh-CN" altLang="en-US" smtClean="0"/>
-              <a:t>2023/3/26</a:t>
+              <a:t>2023/3/27</a:t>
             </a:fld>
             <a:endParaRPr lang="zh-CN" altLang="en-US"/>
           </a:p>
@@ -4219,7 +4219,7 @@
           <a:p>
             <a:fld id="{33791A2C-FC72-48B7-BD31-E3696B249E7F}" type="datetimeFigureOut">
               <a:rPr lang="zh-CN" altLang="en-US" smtClean="0"/>
-              <a:t>2023/3/26</a:t>
+              <a:t>2023/3/27</a:t>
             </a:fld>
             <a:endParaRPr lang="zh-CN" altLang="en-US"/>
           </a:p>
@@ -4460,7 +4460,7 @@
           <a:p>
             <a:fld id="{33791A2C-FC72-48B7-BD31-E3696B249E7F}" type="datetimeFigureOut">
               <a:rPr lang="zh-CN" altLang="en-US" smtClean="0"/>
-              <a:t>2023/3/26</a:t>
+              <a:t>2023/3/27</a:t>
             </a:fld>
             <a:endParaRPr lang="zh-CN" altLang="en-US"/>
           </a:p>
@@ -23404,13 +23404,13 @@
   <p:clrMapOvr>
     <a:masterClrMapping/>
   </p:clrMapOvr>
-  <mc:AlternateContent xmlns:mc="http://schemas.openxmlformats.org/markup-compatibility/2006">
-    <mc:Choice xmlns:p159="http://schemas.microsoft.com/office/powerpoint/2015/09/main" Requires="p159">
+  <mc:AlternateContent xmlns:mc="http://schemas.openxmlformats.org/markup-compatibility/2006" xmlns:p159="http://schemas.microsoft.com/office/powerpoint/2015/09/main">
+    <mc:Choice Requires="p159">
       <p:transition xmlns:p14="http://schemas.microsoft.com/office/powerpoint/2010/main" spd="slow" p14:dur="2000">
         <p159:morph option="byObject"/>
       </p:transition>
     </mc:Choice>
-    <mc:Fallback>
+    <mc:Fallback xmlns="">
       <p:transition spd="slow">
         <p:fade/>
       </p:transition>
@@ -24125,8 +24125,8 @@
           </a:p>
         </p:txBody>
       </p:sp>
-      <mc:AlternateContent xmlns:mc="http://schemas.openxmlformats.org/markup-compatibility/2006">
-        <mc:Choice xmlns:a14="http://schemas.microsoft.com/office/drawing/2010/main" Requires="a14">
+      <mc:AlternateContent xmlns:mc="http://schemas.openxmlformats.org/markup-compatibility/2006" xmlns:a14="http://schemas.microsoft.com/office/drawing/2010/main">
+        <mc:Choice Requires="a14">
           <p:sp>
             <p:nvSpPr>
               <p:cNvPr id="7" name="Title 1">
@@ -24227,7 +24227,7 @@
             </p:txBody>
           </p:sp>
         </mc:Choice>
-        <mc:Fallback>
+        <mc:Fallback xmlns="">
           <p:sp>
             <p:nvSpPr>
               <p:cNvPr id="7" name="Title 1">
@@ -24282,13 +24282,13 @@
   <p:clrMapOvr>
     <a:masterClrMapping/>
   </p:clrMapOvr>
-  <mc:AlternateContent xmlns:mc="http://schemas.openxmlformats.org/markup-compatibility/2006">
-    <mc:Choice xmlns:p159="http://schemas.microsoft.com/office/powerpoint/2015/09/main" Requires="p159">
+  <mc:AlternateContent xmlns:mc="http://schemas.openxmlformats.org/markup-compatibility/2006" xmlns:p159="http://schemas.microsoft.com/office/powerpoint/2015/09/main">
+    <mc:Choice Requires="p159">
       <p:transition xmlns:p14="http://schemas.microsoft.com/office/powerpoint/2010/main" spd="slow" p14:dur="2000">
         <p159:morph option="byObject"/>
       </p:transition>
     </mc:Choice>
-    <mc:Fallback>
+    <mc:Fallback xmlns="">
       <p:transition spd="slow">
         <p:fade/>
       </p:transition>
@@ -24445,13 +24445,13 @@
   <p:clrMapOvr>
     <a:masterClrMapping/>
   </p:clrMapOvr>
-  <mc:AlternateContent xmlns:mc="http://schemas.openxmlformats.org/markup-compatibility/2006">
-    <mc:Choice xmlns:p159="http://schemas.microsoft.com/office/powerpoint/2015/09/main" Requires="p159">
+  <mc:AlternateContent xmlns:mc="http://schemas.openxmlformats.org/markup-compatibility/2006" xmlns:p159="http://schemas.microsoft.com/office/powerpoint/2015/09/main">
+    <mc:Choice Requires="p159">
       <p:transition xmlns:p14="http://schemas.microsoft.com/office/powerpoint/2010/main" spd="slow" p14:dur="2000">
         <p159:morph option="byObject"/>
       </p:transition>
     </mc:Choice>
-    <mc:Fallback>
+    <mc:Fallback xmlns="">
       <p:transition spd="slow">
         <p:fade/>
       </p:transition>
@@ -25541,13 +25541,13 @@
   <p:clrMapOvr>
     <a:masterClrMapping/>
   </p:clrMapOvr>
-  <mc:AlternateContent xmlns:mc="http://schemas.openxmlformats.org/markup-compatibility/2006">
-    <mc:Choice xmlns:p159="http://schemas.microsoft.com/office/powerpoint/2015/09/main" Requires="p159">
+  <mc:AlternateContent xmlns:mc="http://schemas.openxmlformats.org/markup-compatibility/2006" xmlns:p159="http://schemas.microsoft.com/office/powerpoint/2015/09/main">
+    <mc:Choice Requires="p159">
       <p:transition xmlns:p14="http://schemas.microsoft.com/office/powerpoint/2010/main" spd="slow" p14:dur="2000">
         <p159:morph option="byObject"/>
       </p:transition>
     </mc:Choice>
-    <mc:Fallback>
+    <mc:Fallback xmlns="">
       <p:transition spd="slow">
         <p:fade/>
       </p:transition>
@@ -25828,7 +25828,7 @@
           <a:p>
             <a:r>
               <a:rPr lang="en-US" altLang="zh-CN" sz="2400" dirty="0"/>
-              <a:t>Finite Element Method, Part I [SIGGRAPH 2012 Course] [</a:t>
+              <a:t>GPU Gems 3: Chapter 32. Broad-Phase Collision Detection with CUDA [</a:t>
             </a:r>
             <a:r>
               <a:rPr lang="en-US" altLang="zh-CN" sz="2400" dirty="0">
@@ -25844,7 +25844,7 @@
           <a:p>
             <a:r>
               <a:rPr lang="en-US" altLang="zh-CN" sz="2400" dirty="0"/>
-              <a:t>Dynamic Deformables: Implementation and Production Practicalities [SIGGRAH 2020 Course] [</a:t>
+              <a:t>SIGGRAPH'22 Course: Contact and Friction Simulation for Computer Graphics [</a:t>
             </a:r>
             <a:r>
               <a:rPr lang="en-US" altLang="zh-CN" sz="2400" dirty="0">
@@ -25859,12 +25859,8 @@
           </a:p>
           <a:p>
             <a:r>
-              <a:rPr lang="en-US" altLang="zh-CN" sz="2400" dirty="0" err="1"/>
-              <a:t>TaichiCourse</a:t>
-            </a:r>
-            <a:r>
               <a:rPr lang="en-US" altLang="zh-CN" sz="2400" dirty="0"/>
-              <a:t> 01: Lecture 08 [</a:t>
+              <a:t>GAMES Course 103 – Lecture 9: Collision Handling[</a:t>
             </a:r>
             <a:r>
               <a:rPr lang="en-US" altLang="zh-CN" sz="2400" dirty="0">
@@ -25878,22 +25874,6 @@
             </a:r>
           </a:p>
           <a:p>
-            <a:r>
-              <a:rPr lang="en-US" altLang="zh-CN" sz="2400" dirty="0"/>
-              <a:t>GAMES Course 103 – Lecture 7: Other Constrained Methods and Linear Finite Element Method I [</a:t>
-            </a:r>
-            <a:r>
-              <a:rPr lang="en-US" altLang="zh-CN" sz="2400" dirty="0">
-                <a:hlinkClick r:id="rId6"/>
-              </a:rPr>
-              <a:t>Link</a:t>
-            </a:r>
-            <a:r>
-              <a:rPr lang="en-US" altLang="zh-CN" sz="2400" dirty="0"/>
-              <a:t>]</a:t>
-            </a:r>
-          </a:p>
-          <a:p>
             <a:endParaRPr lang="en-US" altLang="zh-CN" sz="2400" dirty="0"/>
           </a:p>
           <a:p>
@@ -25949,14 +25929,10 @@
               <a:buNone/>
             </a:pPr>
             <a:r>
-              <a:rPr lang="en-US" altLang="zh-CN" sz="1400" dirty="0"/>
-              <a:t> </a:t>
-            </a:r>
-            <a:r>
               <a:rPr lang="en-US" altLang="zh-CN" sz="1400" dirty="0">
-                <a:hlinkClick r:id="rId7"/>
+                <a:hlinkClick r:id="rId6"/>
               </a:rPr>
-              <a:t>https://github.com/LILKOTYO/Lab-Presentation/tree/master/20220725_Spatial_and_Temporal_Discretization</a:t>
+              <a:t> https://github.com/LILKOTYO/Lab-Presentation/tree/master/20230327_Collision_Detection</a:t>
             </a:r>
             <a:endParaRPr lang="en-US" altLang="zh-CN" sz="1400" dirty="0"/>
           </a:p>
@@ -32557,8 +32533,8 @@
           </a:p>
         </p:txBody>
       </p:sp>
-      <mc:AlternateContent xmlns:mc="http://schemas.openxmlformats.org/markup-compatibility/2006">
-        <mc:Choice xmlns:a14="http://schemas.microsoft.com/office/drawing/2010/main" Requires="a14">
+      <mc:AlternateContent xmlns:mc="http://schemas.openxmlformats.org/markup-compatibility/2006" xmlns:a14="http://schemas.microsoft.com/office/drawing/2010/main">
+        <mc:Choice Requires="a14">
           <p:sp>
             <p:nvSpPr>
               <p:cNvPr id="4" name="文本框 3">
@@ -32587,6 +32563,7 @@
               </a:bodyPr>
               <a:lstStyle/>
               <a:p>
+                <a:pPr/>
                 <a14:m>
                   <m:oMathPara xmlns:m="http://schemas.openxmlformats.org/officeDocument/2006/math">
                     <m:oMathParaPr>
@@ -32631,7 +32608,7 @@
             </p:txBody>
           </p:sp>
         </mc:Choice>
-        <mc:Fallback>
+        <mc:Fallback xmlns="">
           <p:sp>
             <p:nvSpPr>
               <p:cNvPr id="4" name="文本框 3">
